--- a/Presentation.pptx
+++ b/Presentation.pptx
@@ -11,8 +11,8 @@
     <p:sldId id="256" r:id="rId2"/>
     <p:sldId id="257" r:id="rId3"/>
     <p:sldId id="258" r:id="rId4"/>
-    <p:sldId id="259" r:id="rId5"/>
-    <p:sldId id="260" r:id="rId6"/>
+    <p:sldId id="260" r:id="rId5"/>
+    <p:sldId id="259" r:id="rId6"/>
     <p:sldId id="261" r:id="rId7"/>
   </p:sldIdLst>
   <p:sldSz cx="12192000" cy="6858000"/>
@@ -3555,15 +3555,15 @@
       </dgm:t>
     </dgm:pt>
     <dgm:pt modelId="{A8ECC723-B39A-0F43-8B1A-53B06B9EE271}">
-      <dgm:prSet phldrT="[Text]"/>
+      <dgm:prSet phldrT="[Text]" custT="1"/>
       <dgm:spPr/>
       <dgm:t>
         <a:bodyPr/>
         <a:lstStyle/>
         <a:p>
           <a:r>
-            <a:rPr lang="en-GB" dirty="0"/>
-            <a:t>Run tests</a:t>
+            <a:rPr lang="en-GB" sz="3200" dirty="0"/>
+            <a:t>Run tests and vulnerability scans</a:t>
           </a:r>
         </a:p>
       </dgm:t>
@@ -3580,42 +3580,6 @@
       </dgm:t>
     </dgm:pt>
     <dgm:pt modelId="{7F53A102-F5F2-314F-B883-1EC1D71A942D}" type="sibTrans" cxnId="{368239C1-BE21-0F45-8C3C-13F6478F16BD}">
-      <dgm:prSet/>
-      <dgm:spPr/>
-      <dgm:t>
-        <a:bodyPr/>
-        <a:lstStyle/>
-        <a:p>
-          <a:endParaRPr lang="en-GB"/>
-        </a:p>
-      </dgm:t>
-    </dgm:pt>
-    <dgm:pt modelId="{CCDF4999-2972-4849-B42B-9E377B3F50AC}">
-      <dgm:prSet phldrT="[Text]"/>
-      <dgm:spPr/>
-      <dgm:t>
-        <a:bodyPr/>
-        <a:lstStyle/>
-        <a:p>
-          <a:r>
-            <a:rPr lang="en-GB" dirty="0"/>
-            <a:t>Vulnerability scan</a:t>
-          </a:r>
-        </a:p>
-      </dgm:t>
-    </dgm:pt>
-    <dgm:pt modelId="{17F58001-2B6A-D846-A3EB-BE65F07DC978}" type="parTrans" cxnId="{71170163-EFD3-984C-86F9-5B6D2D7CF898}">
-      <dgm:prSet/>
-      <dgm:spPr/>
-      <dgm:t>
-        <a:bodyPr/>
-        <a:lstStyle/>
-        <a:p>
-          <a:endParaRPr lang="en-GB"/>
-        </a:p>
-      </dgm:t>
-    </dgm:pt>
-    <dgm:pt modelId="{F1D6856F-FA7C-204C-8F2E-03AC1D2716AE}" type="sibTrans" cxnId="{71170163-EFD3-984C-86F9-5B6D2D7CF898}">
       <dgm:prSet/>
       <dgm:spPr/>
       <dgm:t>
@@ -3745,10 +3709,8 @@
     </dgm:pt>
   </dgm:ptLst>
   <dgm:cxnLst>
-    <dgm:cxn modelId="{2D144704-F4CF-B642-B125-6859D777328E}" type="presOf" srcId="{CCDF4999-2972-4849-B42B-9E377B3F50AC}" destId="{FE40B42E-3165-7344-9322-8E9C39B285F7}" srcOrd="0" destOrd="1" presId="urn:microsoft.com/office/officeart/2005/8/layout/chevron2"/>
     <dgm:cxn modelId="{F0AC4B22-0C7C-6B40-B088-E553E744BB51}" srcId="{E24AC772-4111-6943-83BA-C5A2B091568E}" destId="{85B0985D-1863-7C49-AFBA-30E21BA29B20}" srcOrd="0" destOrd="0" parTransId="{BC41D8F9-6D91-F74B-A9FA-22917D6709A2}" sibTransId="{CE036558-C854-0C41-A836-A8B45B0C5F96}"/>
     <dgm:cxn modelId="{BE174245-4DA2-1747-B6EE-F5F4A74579E2}" type="presOf" srcId="{B6AE3D83-C03D-2A4A-80BD-A9071FA35BD1}" destId="{9EE9FC58-5729-C144-97FF-8AFF6B61214C}" srcOrd="0" destOrd="0" presId="urn:microsoft.com/office/officeart/2005/8/layout/chevron2"/>
-    <dgm:cxn modelId="{71170163-EFD3-984C-86F9-5B6D2D7CF898}" srcId="{A76C47EE-3A14-A84C-80D3-4540EB1AB6E9}" destId="{CCDF4999-2972-4849-B42B-9E377B3F50AC}" srcOrd="1" destOrd="0" parTransId="{17F58001-2B6A-D846-A3EB-BE65F07DC978}" sibTransId="{F1D6856F-FA7C-204C-8F2E-03AC1D2716AE}"/>
     <dgm:cxn modelId="{22F46482-AC47-6740-A5F1-B1FEE0670719}" srcId="{E24AC772-4111-6943-83BA-C5A2B091568E}" destId="{B6AE3D83-C03D-2A4A-80BD-A9071FA35BD1}" srcOrd="2" destOrd="0" parTransId="{E3082E0D-72D8-444A-A666-4B0931D33AEF}" sibTransId="{76537896-BF2F-2446-B24D-EC5A0C784253}"/>
     <dgm:cxn modelId="{95BD3790-2E1D-524F-A2F8-BCB641611A0F}" type="presOf" srcId="{E24AC772-4111-6943-83BA-C5A2B091568E}" destId="{51F12898-00A8-3440-86EF-A52ED329DE71}" srcOrd="0" destOrd="0" presId="urn:microsoft.com/office/officeart/2005/8/layout/chevron2"/>
     <dgm:cxn modelId="{368239C1-BE21-0F45-8C3C-13F6478F16BD}" srcId="{A76C47EE-3A14-A84C-80D3-4540EB1AB6E9}" destId="{A8ECC723-B39A-0F43-8B1A-53B06B9EE271}" srcOrd="0" destOrd="0" parTransId="{CE05D01F-E915-EA4E-A74A-CE17C5E7D9EF}" sibTransId="{7F53A102-F5F2-314F-B883-1EC1D71A942D}"/>
@@ -3772,7 +3734,7 @@
   <dgm:whole/>
   <dgm:extLst>
     <a:ext uri="http://schemas.microsoft.com/office/drawing/2008/diagram">
-      <dsp:dataModelExt xmlns:dsp="http://schemas.microsoft.com/office/drawing/2008/diagram" relId="rId6" minVer="http://schemas.openxmlformats.org/drawingml/2006/diagram"/>
+      <dsp:dataModelExt xmlns:dsp="http://schemas.microsoft.com/office/drawing/2008/diagram" relId="rId7" minVer="http://schemas.openxmlformats.org/drawingml/2006/diagram"/>
     </a:ext>
   </dgm:extLst>
 </dgm:dataModel>
@@ -3853,7 +3815,7 @@
           </a:pPr>
           <a:r>
             <a:rPr lang="en-GB" dirty="0"/>
-            <a:t>Format Check and Test</a:t>
+            <a:t>Pipeline jobs run</a:t>
           </a:r>
         </a:p>
       </dgm:t>
@@ -4137,11 +4099,14 @@
         <a:lstStyle/>
         <a:p>
           <a:pPr>
+            <a:lnSpc>
+              <a:spcPct val="100000"/>
+            </a:lnSpc>
             <a:defRPr cap="all"/>
           </a:pPr>
           <a:r>
-            <a:rPr lang="en-US"/>
-            <a:t>What you see is what you get</a:t>
+            <a:rPr lang="en-US" dirty="0"/>
+            <a:t>Encourage Experiments</a:t>
           </a:r>
         </a:p>
       </dgm:t>
@@ -4176,11 +4141,14 @@
         <a:lstStyle/>
         <a:p>
           <a:pPr>
+            <a:lnSpc>
+              <a:spcPct val="100000"/>
+            </a:lnSpc>
             <a:defRPr cap="all"/>
           </a:pPr>
           <a:r>
-            <a:rPr lang="en-US"/>
-            <a:t>Reduce manual work for static test</a:t>
+            <a:rPr lang="en-US" dirty="0"/>
+            <a:t>Reduce manual work for test</a:t>
           </a:r>
         </a:p>
       </dgm:t>
@@ -4215,6 +4183,9 @@
         <a:lstStyle/>
         <a:p>
           <a:pPr>
+            <a:lnSpc>
+              <a:spcPct val="100000"/>
+            </a:lnSpc>
             <a:defRPr cap="all"/>
           </a:pPr>
           <a:r>
@@ -4254,10 +4225,17 @@
         <a:lstStyle/>
         <a:p>
           <a:pPr>
+            <a:lnSpc>
+              <a:spcPct val="100000"/>
+            </a:lnSpc>
             <a:defRPr cap="all"/>
           </a:pPr>
           <a:r>
-            <a:rPr lang="en-US"/>
+            <a:rPr lang="en-US" dirty="0">
+              <a:solidFill>
+                <a:schemeClr val="accent2"/>
+              </a:solidFill>
+            </a:rPr>
             <a:t>Faster feedback loop to identify bugs or issues early</a:t>
           </a:r>
         </a:p>
@@ -4293,10 +4271,17 @@
         <a:lstStyle/>
         <a:p>
           <a:pPr>
+            <a:lnSpc>
+              <a:spcPct val="100000"/>
+            </a:lnSpc>
             <a:defRPr cap="all"/>
           </a:pPr>
           <a:r>
-            <a:rPr lang="en-US"/>
+            <a:rPr lang="en-US" dirty="0">
+              <a:solidFill>
+                <a:schemeClr val="accent5"/>
+              </a:solidFill>
+            </a:rPr>
             <a:t>Reduce manual builds/ deployments</a:t>
           </a:r>
         </a:p>
@@ -4332,10 +4317,13 @@
         <a:lstStyle/>
         <a:p>
           <a:pPr>
+            <a:lnSpc>
+              <a:spcPct val="100000"/>
+            </a:lnSpc>
             <a:defRPr cap="all"/>
           </a:pPr>
           <a:r>
-            <a:rPr lang="en-US"/>
+            <a:rPr lang="en-US" dirty="0"/>
             <a:t>Improves alignment between development team and other teams</a:t>
           </a:r>
         </a:p>
@@ -4381,19 +4369,17 @@
       <dgm:spPr/>
     </dgm:pt>
     <dgm:pt modelId="{5F251DE1-9E73-4AC9-B072-DD2A587B1041}" type="pres">
-      <dgm:prSet presAssocID="{2D22AEBC-07E9-4146-8A9D-A4BDCDC25831}" presName="iconRect" presStyleLbl="node1" presStyleIdx="0" presStyleCnt="6"/>
+      <dgm:prSet presAssocID="{2D22AEBC-07E9-4146-8A9D-A4BDCDC25831}" presName="iconRect" presStyleLbl="node1" presStyleIdx="0" presStyleCnt="6" custScaleY="99681"/>
       <dgm:spPr>
         <a:blipFill>
           <a:blip xmlns:r="http://schemas.openxmlformats.org/officeDocument/2006/relationships" r:embed="rId1">
             <a:extLst>
-              <a:ext uri="{28A0092B-C50C-407E-A947-70E740481C1C}">
-                <a14:useLocalDpi xmlns:a14="http://schemas.microsoft.com/office/drawing/2010/main" val="0"/>
-              </a:ext>
               <a:ext uri="{96DAC541-7B7A-43D3-8B79-37D633B846F1}">
                 <asvg:svgBlip xmlns:asvg="http://schemas.microsoft.com/office/drawing/2016/SVG/main" r:embed="rId2"/>
               </a:ext>
             </a:extLst>
           </a:blip>
+          <a:srcRect/>
           <a:stretch>
             <a:fillRect/>
           </a:stretch>
@@ -4404,7 +4390,7 @@
       </dgm:spPr>
       <dgm:extLst>
         <a:ext uri="{E40237B7-FDA0-4F09-8148-C483321AD2D9}">
-          <dgm14:cNvPr xmlns:dgm14="http://schemas.microsoft.com/office/drawing/2010/diagram" id="0" name="" descr="Eye"/>
+          <dgm14:cNvPr xmlns:dgm14="http://schemas.microsoft.com/office/drawing/2010/diagram" id="0" name="" descr="Beaker with solid fill"/>
         </a:ext>
       </dgm:extLst>
     </dgm:pt>
@@ -4531,16 +4517,16 @@
       <dgm:prSet presAssocID="{7F5830AD-AF04-4487-91EC-83B25DB092BA}" presName="sibTrans" presStyleCnt="0"/>
       <dgm:spPr/>
     </dgm:pt>
-    <dgm:pt modelId="{663689CD-85AC-499D-A6CC-5EB98E13A643}" type="pres">
-      <dgm:prSet presAssocID="{FCD65621-C118-477F-A13B-D48289A258D0}" presName="compNode" presStyleCnt="0"/>
+    <dgm:pt modelId="{1C531B5B-3B25-48A9-AC48-09B26E76FBDA}" type="pres">
+      <dgm:prSet presAssocID="{0A952F46-2BF6-4D1A-9D6D-2D0A349C8AA2}" presName="compNode" presStyleCnt="0"/>
       <dgm:spPr/>
     </dgm:pt>
-    <dgm:pt modelId="{E8D8944A-FA43-4DC2-94F6-466A06E1367C}" type="pres">
-      <dgm:prSet presAssocID="{FCD65621-C118-477F-A13B-D48289A258D0}" presName="iconBgRect" presStyleLbl="bgShp" presStyleIdx="3" presStyleCnt="6"/>
+    <dgm:pt modelId="{2E77D58A-A79B-4FCB-B4BE-F70C43D24B26}" type="pres">
+      <dgm:prSet presAssocID="{0A952F46-2BF6-4D1A-9D6D-2D0A349C8AA2}" presName="iconBgRect" presStyleLbl="bgShp" presStyleIdx="3" presStyleCnt="6"/>
       <dgm:spPr/>
     </dgm:pt>
-    <dgm:pt modelId="{EACFD84E-C2F6-4344-82BD-2FE20EC91B31}" type="pres">
-      <dgm:prSet presAssocID="{FCD65621-C118-477F-A13B-D48289A258D0}" presName="iconRect" presStyleLbl="node1" presStyleIdx="3" presStyleCnt="6"/>
+    <dgm:pt modelId="{0C74A257-396D-472F-B8C7-E69ED76067CD}" type="pres">
+      <dgm:prSet presAssocID="{0A952F46-2BF6-4D1A-9D6D-2D0A349C8AA2}" presName="iconRect" presStyleLbl="node1" presStyleIdx="3" presStyleCnt="6"/>
       <dgm:spPr>
         <a:blipFill>
           <a:blip xmlns:r="http://schemas.openxmlformats.org/officeDocument/2006/relationships" r:embed="rId7">
@@ -4563,16 +4549,16 @@
       </dgm:spPr>
       <dgm:extLst>
         <a:ext uri="{E40237B7-FDA0-4F09-8148-C483321AD2D9}">
-          <dgm14:cNvPr xmlns:dgm14="http://schemas.microsoft.com/office/drawing/2010/diagram" id="0" name="" descr="Bug"/>
+          <dgm14:cNvPr xmlns:dgm14="http://schemas.microsoft.com/office/drawing/2010/diagram" id="0" name="" descr="Gears"/>
         </a:ext>
       </dgm:extLst>
     </dgm:pt>
-    <dgm:pt modelId="{81D9D642-DB6E-41C0-9EFA-B075F8A310FC}" type="pres">
-      <dgm:prSet presAssocID="{FCD65621-C118-477F-A13B-D48289A258D0}" presName="spaceRect" presStyleCnt="0"/>
+    <dgm:pt modelId="{E49DD6C7-11D0-40F9-B89E-023EAEAAC76C}" type="pres">
+      <dgm:prSet presAssocID="{0A952F46-2BF6-4D1A-9D6D-2D0A349C8AA2}" presName="spaceRect" presStyleCnt="0"/>
       <dgm:spPr/>
     </dgm:pt>
-    <dgm:pt modelId="{A87C37A6-C7E9-40B5-AD06-8D996373FC65}" type="pres">
-      <dgm:prSet presAssocID="{FCD65621-C118-477F-A13B-D48289A258D0}" presName="textRect" presStyleLbl="revTx" presStyleIdx="3" presStyleCnt="6">
+    <dgm:pt modelId="{918DD7F0-CEB4-400D-B7BD-103AF02E58EA}" type="pres">
+      <dgm:prSet presAssocID="{0A952F46-2BF6-4D1A-9D6D-2D0A349C8AA2}" presName="textRect" presStyleLbl="revTx" presStyleIdx="3" presStyleCnt="6">
         <dgm:presLayoutVars>
           <dgm:chMax val="1"/>
           <dgm:chPref val="1"/>
@@ -4580,20 +4566,20 @@
       </dgm:prSet>
       <dgm:spPr/>
     </dgm:pt>
-    <dgm:pt modelId="{C56AF9E1-920C-48C0-8A8E-601534436EFA}" type="pres">
-      <dgm:prSet presAssocID="{6AFDFBC0-A202-4829-900C-E3CA5FD54EE3}" presName="sibTrans" presStyleCnt="0"/>
+    <dgm:pt modelId="{4697E41A-F374-2343-A7A4-E0CD37EF47B0}" type="pres">
+      <dgm:prSet presAssocID="{C7085359-FB34-4BAF-A24A-E38E3DB8A21B}" presName="sibTrans" presStyleCnt="0"/>
       <dgm:spPr/>
     </dgm:pt>
-    <dgm:pt modelId="{1C531B5B-3B25-48A9-AC48-09B26E76FBDA}" type="pres">
-      <dgm:prSet presAssocID="{0A952F46-2BF6-4D1A-9D6D-2D0A349C8AA2}" presName="compNode" presStyleCnt="0"/>
+    <dgm:pt modelId="{3898DDE0-81D1-4628-8B58-38FDAC573AAF}" type="pres">
+      <dgm:prSet presAssocID="{EA70BB4F-5106-4052-8780-6116C13DC8AA}" presName="compNode" presStyleCnt="0"/>
       <dgm:spPr/>
     </dgm:pt>
-    <dgm:pt modelId="{2E77D58A-A79B-4FCB-B4BE-F70C43D24B26}" type="pres">
-      <dgm:prSet presAssocID="{0A952F46-2BF6-4D1A-9D6D-2D0A349C8AA2}" presName="iconBgRect" presStyleLbl="bgShp" presStyleIdx="4" presStyleCnt="6"/>
+    <dgm:pt modelId="{48D90551-70EF-482C-BA13-DA627354DA74}" type="pres">
+      <dgm:prSet presAssocID="{EA70BB4F-5106-4052-8780-6116C13DC8AA}" presName="iconBgRect" presStyleLbl="bgShp" presStyleIdx="4" presStyleCnt="6"/>
       <dgm:spPr/>
     </dgm:pt>
-    <dgm:pt modelId="{0C74A257-396D-472F-B8C7-E69ED76067CD}" type="pres">
-      <dgm:prSet presAssocID="{0A952F46-2BF6-4D1A-9D6D-2D0A349C8AA2}" presName="iconRect" presStyleLbl="node1" presStyleIdx="4" presStyleCnt="6"/>
+    <dgm:pt modelId="{D276F701-7A36-461C-87B4-77C84195BCCB}" type="pres">
+      <dgm:prSet presAssocID="{EA70BB4F-5106-4052-8780-6116C13DC8AA}" presName="iconRect" presStyleLbl="node1" presStyleIdx="4" presStyleCnt="6"/>
       <dgm:spPr>
         <a:blipFill>
           <a:blip xmlns:r="http://schemas.openxmlformats.org/officeDocument/2006/relationships" r:embed="rId9">
@@ -4616,16 +4602,16 @@
       </dgm:spPr>
       <dgm:extLst>
         <a:ext uri="{E40237B7-FDA0-4F09-8148-C483321AD2D9}">
-          <dgm14:cNvPr xmlns:dgm14="http://schemas.microsoft.com/office/drawing/2010/diagram" id="0" name="" descr="Gears"/>
+          <dgm14:cNvPr xmlns:dgm14="http://schemas.microsoft.com/office/drawing/2010/diagram" id="0" name="" descr="Users"/>
         </a:ext>
       </dgm:extLst>
     </dgm:pt>
-    <dgm:pt modelId="{E49DD6C7-11D0-40F9-B89E-023EAEAAC76C}" type="pres">
-      <dgm:prSet presAssocID="{0A952F46-2BF6-4D1A-9D6D-2D0A349C8AA2}" presName="spaceRect" presStyleCnt="0"/>
+    <dgm:pt modelId="{D9D2F411-2F9D-4995-B5F3-78F70159F019}" type="pres">
+      <dgm:prSet presAssocID="{EA70BB4F-5106-4052-8780-6116C13DC8AA}" presName="spaceRect" presStyleCnt="0"/>
       <dgm:spPr/>
     </dgm:pt>
-    <dgm:pt modelId="{918DD7F0-CEB4-400D-B7BD-103AF02E58EA}" type="pres">
-      <dgm:prSet presAssocID="{0A952F46-2BF6-4D1A-9D6D-2D0A349C8AA2}" presName="textRect" presStyleLbl="revTx" presStyleIdx="4" presStyleCnt="6">
+    <dgm:pt modelId="{59FFA5C9-4534-4FC3-9FB3-CC72DF77079B}" type="pres">
+      <dgm:prSet presAssocID="{EA70BB4F-5106-4052-8780-6116C13DC8AA}" presName="textRect" presStyleLbl="revTx" presStyleIdx="4" presStyleCnt="6">
         <dgm:presLayoutVars>
           <dgm:chMax val="1"/>
           <dgm:chPref val="1"/>
@@ -4633,20 +4619,20 @@
       </dgm:prSet>
       <dgm:spPr/>
     </dgm:pt>
-    <dgm:pt modelId="{04D9C717-D7CE-4BD8-AD05-EE34C14D3BE7}" type="pres">
-      <dgm:prSet presAssocID="{C7085359-FB34-4BAF-A24A-E38E3DB8A21B}" presName="sibTrans" presStyleCnt="0"/>
+    <dgm:pt modelId="{9D26502F-27CF-5743-8D8F-60404CC4C1B6}" type="pres">
+      <dgm:prSet presAssocID="{A4B511D1-459A-49E0-A329-C044A437F763}" presName="sibTrans" presStyleCnt="0"/>
       <dgm:spPr/>
     </dgm:pt>
-    <dgm:pt modelId="{3898DDE0-81D1-4628-8B58-38FDAC573AAF}" type="pres">
-      <dgm:prSet presAssocID="{EA70BB4F-5106-4052-8780-6116C13DC8AA}" presName="compNode" presStyleCnt="0"/>
+    <dgm:pt modelId="{663689CD-85AC-499D-A6CC-5EB98E13A643}" type="pres">
+      <dgm:prSet presAssocID="{FCD65621-C118-477F-A13B-D48289A258D0}" presName="compNode" presStyleCnt="0"/>
       <dgm:spPr/>
     </dgm:pt>
-    <dgm:pt modelId="{48D90551-70EF-482C-BA13-DA627354DA74}" type="pres">
-      <dgm:prSet presAssocID="{EA70BB4F-5106-4052-8780-6116C13DC8AA}" presName="iconBgRect" presStyleLbl="bgShp" presStyleIdx="5" presStyleCnt="6"/>
+    <dgm:pt modelId="{E8D8944A-FA43-4DC2-94F6-466A06E1367C}" type="pres">
+      <dgm:prSet presAssocID="{FCD65621-C118-477F-A13B-D48289A258D0}" presName="iconBgRect" presStyleLbl="bgShp" presStyleIdx="5" presStyleCnt="6"/>
       <dgm:spPr/>
     </dgm:pt>
-    <dgm:pt modelId="{D276F701-7A36-461C-87B4-77C84195BCCB}" type="pres">
-      <dgm:prSet presAssocID="{EA70BB4F-5106-4052-8780-6116C13DC8AA}" presName="iconRect" presStyleLbl="node1" presStyleIdx="5" presStyleCnt="6"/>
+    <dgm:pt modelId="{EACFD84E-C2F6-4344-82BD-2FE20EC91B31}" type="pres">
+      <dgm:prSet presAssocID="{FCD65621-C118-477F-A13B-D48289A258D0}" presName="iconRect" presStyleLbl="node1" presStyleIdx="5" presStyleCnt="6"/>
       <dgm:spPr>
         <a:blipFill>
           <a:blip xmlns:r="http://schemas.openxmlformats.org/officeDocument/2006/relationships" r:embed="rId11">
@@ -4669,16 +4655,16 @@
       </dgm:spPr>
       <dgm:extLst>
         <a:ext uri="{E40237B7-FDA0-4F09-8148-C483321AD2D9}">
-          <dgm14:cNvPr xmlns:dgm14="http://schemas.microsoft.com/office/drawing/2010/diagram" id="0" name="" descr="Users"/>
+          <dgm14:cNvPr xmlns:dgm14="http://schemas.microsoft.com/office/drawing/2010/diagram" id="0" name="" descr="Bug"/>
         </a:ext>
       </dgm:extLst>
     </dgm:pt>
-    <dgm:pt modelId="{D9D2F411-2F9D-4995-B5F3-78F70159F019}" type="pres">
-      <dgm:prSet presAssocID="{EA70BB4F-5106-4052-8780-6116C13DC8AA}" presName="spaceRect" presStyleCnt="0"/>
+    <dgm:pt modelId="{81D9D642-DB6E-41C0-9EFA-B075F8A310FC}" type="pres">
+      <dgm:prSet presAssocID="{FCD65621-C118-477F-A13B-D48289A258D0}" presName="spaceRect" presStyleCnt="0"/>
       <dgm:spPr/>
     </dgm:pt>
-    <dgm:pt modelId="{59FFA5C9-4534-4FC3-9FB3-CC72DF77079B}" type="pres">
-      <dgm:prSet presAssocID="{EA70BB4F-5106-4052-8780-6116C13DC8AA}" presName="textRect" presStyleLbl="revTx" presStyleIdx="5" presStyleCnt="6">
+    <dgm:pt modelId="{A87C37A6-C7E9-40B5-AD06-8D996373FC65}" type="pres">
+      <dgm:prSet presAssocID="{FCD65621-C118-477F-A13B-D48289A258D0}" presName="textRect" presStyleLbl="revTx" presStyleIdx="5" presStyleCnt="6">
         <dgm:presLayoutVars>
           <dgm:chMax val="1"/>
           <dgm:chPref val="1"/>
@@ -4688,60 +4674,60 @@
     </dgm:pt>
   </dgm:ptLst>
   <dgm:cxnLst>
-    <dgm:cxn modelId="{8E6FFF0D-D947-4026-859A-AE0A4301C122}" type="presOf" srcId="{2D22AEBC-07E9-4146-8A9D-A4BDCDC25831}" destId="{82285FA9-6853-4896-A9D4-A30900072AE2}" srcOrd="0" destOrd="0" presId="urn:microsoft.com/office/officeart/2018/5/layout/IconCircleLabelList"/>
     <dgm:cxn modelId="{2551542C-AA5D-4DED-BE16-34433952AF31}" type="presOf" srcId="{0C2DEF91-744D-420C-B23F-2263B3FD21E5}" destId="{80E35DB8-74BF-4F3B-85C1-992BC5515348}" srcOrd="0" destOrd="0" presId="urn:microsoft.com/office/officeart/2018/5/layout/IconCircleLabelList"/>
-    <dgm:cxn modelId="{DFC5352D-DB49-4DFA-8230-EE5CAEE85F86}" type="presOf" srcId="{1CFCD75B-5B7F-4841-9179-A61F2459F3B0}" destId="{B416C443-D9E7-4C5A-993C-DDE6DCDC8303}" srcOrd="0" destOrd="0" presId="urn:microsoft.com/office/officeart/2018/5/layout/IconCircleLabelList"/>
-    <dgm:cxn modelId="{47A1234D-E1BE-4644-A9D7-5BDB28C3FF0D}" type="presOf" srcId="{0A952F46-2BF6-4D1A-9D6D-2D0A349C8AA2}" destId="{918DD7F0-CEB4-400D-B7BD-103AF02E58EA}" srcOrd="0" destOrd="0" presId="urn:microsoft.com/office/officeart/2018/5/layout/IconCircleLabelList"/>
-    <dgm:cxn modelId="{C9D0EF59-5F31-422B-9608-653C84AE5591}" srcId="{0C2DEF91-744D-420C-B23F-2263B3FD21E5}" destId="{FCD65621-C118-477F-A13B-D48289A258D0}" srcOrd="3" destOrd="0" parTransId="{3F401EAE-E157-4D7A-865F-AFA922E4F1F8}" sibTransId="{6AFDFBC0-A202-4829-900C-E3CA5FD54EE3}"/>
-    <dgm:cxn modelId="{242F016A-5ED0-44D6-9558-359B88595B03}" type="presOf" srcId="{EA70BB4F-5106-4052-8780-6116C13DC8AA}" destId="{59FFA5C9-4534-4FC3-9FB3-CC72DF77079B}" srcOrd="0" destOrd="0" presId="urn:microsoft.com/office/officeart/2018/5/layout/IconCircleLabelList"/>
+    <dgm:cxn modelId="{E6DAE82F-3850-C344-8AF2-55C56F62BF60}" type="presOf" srcId="{1CFCD75B-5B7F-4841-9179-A61F2459F3B0}" destId="{B416C443-D9E7-4C5A-993C-DDE6DCDC8303}" srcOrd="0" destOrd="0" presId="urn:microsoft.com/office/officeart/2018/5/layout/IconCircleLabelList"/>
+    <dgm:cxn modelId="{C9D0EF59-5F31-422B-9608-653C84AE5591}" srcId="{0C2DEF91-744D-420C-B23F-2263B3FD21E5}" destId="{FCD65621-C118-477F-A13B-D48289A258D0}" srcOrd="5" destOrd="0" parTransId="{3F401EAE-E157-4D7A-865F-AFA922E4F1F8}" sibTransId="{6AFDFBC0-A202-4829-900C-E3CA5FD54EE3}"/>
+    <dgm:cxn modelId="{D1B44D6A-74B4-AC46-9A39-20782E5BB38A}" type="presOf" srcId="{2D22AEBC-07E9-4146-8A9D-A4BDCDC25831}" destId="{82285FA9-6853-4896-A9D4-A30900072AE2}" srcOrd="0" destOrd="0" presId="urn:microsoft.com/office/officeart/2018/5/layout/IconCircleLabelList"/>
     <dgm:cxn modelId="{7C25C072-B2C6-4D0C-B260-48CD4BD67E8B}" srcId="{0C2DEF91-744D-420C-B23F-2263B3FD21E5}" destId="{E0F65FC0-F6D4-4762-BEF3-52E26FBEF22E}" srcOrd="1" destOrd="0" parTransId="{2C06F982-A164-4A36-8476-D14DCE74DD6A}" sibTransId="{EDDE9F3C-BB46-4BE1-A893-B217F58F75D2}"/>
-    <dgm:cxn modelId="{AEF59A8E-5B83-45BC-A58E-B71C281C4D54}" srcId="{0C2DEF91-744D-420C-B23F-2263B3FD21E5}" destId="{EA70BB4F-5106-4052-8780-6116C13DC8AA}" srcOrd="5" destOrd="0" parTransId="{5F12A86E-EDBA-44E7-89D1-81415BF2555E}" sibTransId="{A4B511D1-459A-49E0-A329-C044A437F763}"/>
-    <dgm:cxn modelId="{8C4BFCC3-E444-4CF1-A105-2A6130054DEE}" srcId="{0C2DEF91-744D-420C-B23F-2263B3FD21E5}" destId="{0A952F46-2BF6-4D1A-9D6D-2D0A349C8AA2}" srcOrd="4" destOrd="0" parTransId="{37847386-9F60-4EFD-B4AA-66118C647C9B}" sibTransId="{C7085359-FB34-4BAF-A24A-E38E3DB8A21B}"/>
-    <dgm:cxn modelId="{29957DD4-D596-423E-83F8-145FA3EC11F3}" type="presOf" srcId="{E0F65FC0-F6D4-4762-BEF3-52E26FBEF22E}" destId="{DFC640BA-7DE7-47A8-9AAB-37E176C83FAB}" srcOrd="0" destOrd="0" presId="urn:microsoft.com/office/officeart/2018/5/layout/IconCircleLabelList"/>
+    <dgm:cxn modelId="{AEF59A8E-5B83-45BC-A58E-B71C281C4D54}" srcId="{0C2DEF91-744D-420C-B23F-2263B3FD21E5}" destId="{EA70BB4F-5106-4052-8780-6116C13DC8AA}" srcOrd="4" destOrd="0" parTransId="{5F12A86E-EDBA-44E7-89D1-81415BF2555E}" sibTransId="{A4B511D1-459A-49E0-A329-C044A437F763}"/>
+    <dgm:cxn modelId="{FF831FAF-5DDE-974B-8C9A-6F5E48BD0B89}" type="presOf" srcId="{EA70BB4F-5106-4052-8780-6116C13DC8AA}" destId="{59FFA5C9-4534-4FC3-9FB3-CC72DF77079B}" srcOrd="0" destOrd="0" presId="urn:microsoft.com/office/officeart/2018/5/layout/IconCircleLabelList"/>
+    <dgm:cxn modelId="{9FC03CB3-D10D-624E-ACF2-A53F3339AF8E}" type="presOf" srcId="{E0F65FC0-F6D4-4762-BEF3-52E26FBEF22E}" destId="{DFC640BA-7DE7-47A8-9AAB-37E176C83FAB}" srcOrd="0" destOrd="0" presId="urn:microsoft.com/office/officeart/2018/5/layout/IconCircleLabelList"/>
+    <dgm:cxn modelId="{8C4BFCC3-E444-4CF1-A105-2A6130054DEE}" srcId="{0C2DEF91-744D-420C-B23F-2263B3FD21E5}" destId="{0A952F46-2BF6-4D1A-9D6D-2D0A349C8AA2}" srcOrd="3" destOrd="0" parTransId="{37847386-9F60-4EFD-B4AA-66118C647C9B}" sibTransId="{C7085359-FB34-4BAF-A24A-E38E3DB8A21B}"/>
     <dgm:cxn modelId="{4BB9C5D7-2C00-43F9-A1A3-5DA41F25709F}" srcId="{0C2DEF91-744D-420C-B23F-2263B3FD21E5}" destId="{2D22AEBC-07E9-4146-8A9D-A4BDCDC25831}" srcOrd="0" destOrd="0" parTransId="{49762A9E-7535-4442-B376-F2C398D778CA}" sibTransId="{F2D0A7F8-CA80-4711-A523-9BC2B25F0370}"/>
-    <dgm:cxn modelId="{752B60FB-ADBC-4C26-A1A0-3CD75029363D}" type="presOf" srcId="{FCD65621-C118-477F-A13B-D48289A258D0}" destId="{A87C37A6-C7E9-40B5-AD06-8D996373FC65}" srcOrd="0" destOrd="0" presId="urn:microsoft.com/office/officeart/2018/5/layout/IconCircleLabelList"/>
+    <dgm:cxn modelId="{EA6507E3-7AFD-1141-A6A3-DC64F53A8E41}" type="presOf" srcId="{0A952F46-2BF6-4D1A-9D6D-2D0A349C8AA2}" destId="{918DD7F0-CEB4-400D-B7BD-103AF02E58EA}" srcOrd="0" destOrd="0" presId="urn:microsoft.com/office/officeart/2018/5/layout/IconCircleLabelList"/>
+    <dgm:cxn modelId="{56FB64FB-DC24-3A41-B998-E2D3D51A6768}" type="presOf" srcId="{FCD65621-C118-477F-A13B-D48289A258D0}" destId="{A87C37A6-C7E9-40B5-AD06-8D996373FC65}" srcOrd="0" destOrd="0" presId="urn:microsoft.com/office/officeart/2018/5/layout/IconCircleLabelList"/>
     <dgm:cxn modelId="{85E6D8FC-12B8-4E56-9BA6-6F9656305611}" srcId="{0C2DEF91-744D-420C-B23F-2263B3FD21E5}" destId="{1CFCD75B-5B7F-4841-9179-A61F2459F3B0}" srcOrd="2" destOrd="0" parTransId="{2B77EC91-BEE0-44A8-A6B6-E92D453914E3}" sibTransId="{7F5830AD-AF04-4487-91EC-83B25DB092BA}"/>
-    <dgm:cxn modelId="{7CC3F072-B883-4ABA-81B4-EDD42CF7E1D0}" type="presParOf" srcId="{80E35DB8-74BF-4F3B-85C1-992BC5515348}" destId="{B6E8362C-D5A3-4FE0-ABC6-C60E800787A8}" srcOrd="0" destOrd="0" presId="urn:microsoft.com/office/officeart/2018/5/layout/IconCircleLabelList"/>
-    <dgm:cxn modelId="{BEAA65B1-9C6A-475C-B0E3-E1F866F13DF7}" type="presParOf" srcId="{B6E8362C-D5A3-4FE0-ABC6-C60E800787A8}" destId="{299FF4E4-EB96-4935-869F-0008E7D41896}" srcOrd="0" destOrd="0" presId="urn:microsoft.com/office/officeart/2018/5/layout/IconCircleLabelList"/>
-    <dgm:cxn modelId="{78B04147-2189-4864-9926-4A785EF6171F}" type="presParOf" srcId="{B6E8362C-D5A3-4FE0-ABC6-C60E800787A8}" destId="{5F251DE1-9E73-4AC9-B072-DD2A587B1041}" srcOrd="1" destOrd="0" presId="urn:microsoft.com/office/officeart/2018/5/layout/IconCircleLabelList"/>
-    <dgm:cxn modelId="{098D1FFF-9E07-4D0C-8640-2DFAFC83EEAB}" type="presParOf" srcId="{B6E8362C-D5A3-4FE0-ABC6-C60E800787A8}" destId="{9EC19D17-197F-4F05-83AE-A7A0CF4999AA}" srcOrd="2" destOrd="0" presId="urn:microsoft.com/office/officeart/2018/5/layout/IconCircleLabelList"/>
-    <dgm:cxn modelId="{55D5E82B-7CA4-4E3A-81EE-D89F26C39C09}" type="presParOf" srcId="{B6E8362C-D5A3-4FE0-ABC6-C60E800787A8}" destId="{82285FA9-6853-4896-A9D4-A30900072AE2}" srcOrd="3" destOrd="0" presId="urn:microsoft.com/office/officeart/2018/5/layout/IconCircleLabelList"/>
-    <dgm:cxn modelId="{3DF84991-F66D-4331-8FEA-19F7E98AFC06}" type="presParOf" srcId="{80E35DB8-74BF-4F3B-85C1-992BC5515348}" destId="{D831D7BA-6149-4498-918C-4F628DBE8295}" srcOrd="1" destOrd="0" presId="urn:microsoft.com/office/officeart/2018/5/layout/IconCircleLabelList"/>
-    <dgm:cxn modelId="{59AA7237-54D3-46D8-8C28-E5FD222E2393}" type="presParOf" srcId="{80E35DB8-74BF-4F3B-85C1-992BC5515348}" destId="{45A2AE15-B8AF-4617-BA42-D0D47571F54C}" srcOrd="2" destOrd="0" presId="urn:microsoft.com/office/officeart/2018/5/layout/IconCircleLabelList"/>
-    <dgm:cxn modelId="{091E0A23-C2C1-43E6-B97D-D147E9C99428}" type="presParOf" srcId="{45A2AE15-B8AF-4617-BA42-D0D47571F54C}" destId="{D7AFBA4D-DD8E-4373-A867-CB340B815F60}" srcOrd="0" destOrd="0" presId="urn:microsoft.com/office/officeart/2018/5/layout/IconCircleLabelList"/>
-    <dgm:cxn modelId="{209D43D6-568B-4A65-801C-CC39A804BD4D}" type="presParOf" srcId="{45A2AE15-B8AF-4617-BA42-D0D47571F54C}" destId="{ED880087-8A38-42C9-B7AE-C62F6CCB3093}" srcOrd="1" destOrd="0" presId="urn:microsoft.com/office/officeart/2018/5/layout/IconCircleLabelList"/>
-    <dgm:cxn modelId="{48FB5CB3-7D6E-4BC1-A7D5-91AD9F09B88E}" type="presParOf" srcId="{45A2AE15-B8AF-4617-BA42-D0D47571F54C}" destId="{0266473B-EAAF-4874-8E81-2519199E5D63}" srcOrd="2" destOrd="0" presId="urn:microsoft.com/office/officeart/2018/5/layout/IconCircleLabelList"/>
-    <dgm:cxn modelId="{8A5B72B7-9830-4A74-8EF3-D98E2964FF9C}" type="presParOf" srcId="{45A2AE15-B8AF-4617-BA42-D0D47571F54C}" destId="{DFC640BA-7DE7-47A8-9AAB-37E176C83FAB}" srcOrd="3" destOrd="0" presId="urn:microsoft.com/office/officeart/2018/5/layout/IconCircleLabelList"/>
-    <dgm:cxn modelId="{1DB0EA1D-FF89-4D16-8ECF-EBE0A995D3F1}" type="presParOf" srcId="{80E35DB8-74BF-4F3B-85C1-992BC5515348}" destId="{E74ACACB-611E-402A-AE69-ED80BB009E6F}" srcOrd="3" destOrd="0" presId="urn:microsoft.com/office/officeart/2018/5/layout/IconCircleLabelList"/>
-    <dgm:cxn modelId="{8518D0C5-F8B5-4962-A461-C2F58C706BF6}" type="presParOf" srcId="{80E35DB8-74BF-4F3B-85C1-992BC5515348}" destId="{69E7BCF7-26FD-4C34-A0FB-4B75A45F4ED5}" srcOrd="4" destOrd="0" presId="urn:microsoft.com/office/officeart/2018/5/layout/IconCircleLabelList"/>
-    <dgm:cxn modelId="{B3DD7B3A-9F40-4E43-B99D-C8A175E71B44}" type="presParOf" srcId="{69E7BCF7-26FD-4C34-A0FB-4B75A45F4ED5}" destId="{92567E4D-3F1F-449D-9484-745B951303AD}" srcOrd="0" destOrd="0" presId="urn:microsoft.com/office/officeart/2018/5/layout/IconCircleLabelList"/>
-    <dgm:cxn modelId="{3A335FE5-1B0B-4F44-BB97-2FF5BB3A0451}" type="presParOf" srcId="{69E7BCF7-26FD-4C34-A0FB-4B75A45F4ED5}" destId="{D73E3A4C-80B5-4E9E-95A9-76EDCD461873}" srcOrd="1" destOrd="0" presId="urn:microsoft.com/office/officeart/2018/5/layout/IconCircleLabelList"/>
-    <dgm:cxn modelId="{2B14B694-AB23-457D-B927-D2B8C7F1CA05}" type="presParOf" srcId="{69E7BCF7-26FD-4C34-A0FB-4B75A45F4ED5}" destId="{EBB5509F-FB84-42FD-961A-D29DDEDC8C31}" srcOrd="2" destOrd="0" presId="urn:microsoft.com/office/officeart/2018/5/layout/IconCircleLabelList"/>
-    <dgm:cxn modelId="{04571129-AC76-43EE-8588-D7D63430B961}" type="presParOf" srcId="{69E7BCF7-26FD-4C34-A0FB-4B75A45F4ED5}" destId="{B416C443-D9E7-4C5A-993C-DDE6DCDC8303}" srcOrd="3" destOrd="0" presId="urn:microsoft.com/office/officeart/2018/5/layout/IconCircleLabelList"/>
-    <dgm:cxn modelId="{3663ADDC-656C-4484-AE41-77324E033179}" type="presParOf" srcId="{80E35DB8-74BF-4F3B-85C1-992BC5515348}" destId="{B2E382D8-6AEB-42EC-8402-B812B682F097}" srcOrd="5" destOrd="0" presId="urn:microsoft.com/office/officeart/2018/5/layout/IconCircleLabelList"/>
-    <dgm:cxn modelId="{3333F072-5387-4F60-86DB-6907D6EC5C3C}" type="presParOf" srcId="{80E35DB8-74BF-4F3B-85C1-992BC5515348}" destId="{663689CD-85AC-499D-A6CC-5EB98E13A643}" srcOrd="6" destOrd="0" presId="urn:microsoft.com/office/officeart/2018/5/layout/IconCircleLabelList"/>
-    <dgm:cxn modelId="{15094840-5155-49A2-B39F-1A229A818CC1}" type="presParOf" srcId="{663689CD-85AC-499D-A6CC-5EB98E13A643}" destId="{E8D8944A-FA43-4DC2-94F6-466A06E1367C}" srcOrd="0" destOrd="0" presId="urn:microsoft.com/office/officeart/2018/5/layout/IconCircleLabelList"/>
-    <dgm:cxn modelId="{278BC633-9B6C-435E-A62B-E2E451656B38}" type="presParOf" srcId="{663689CD-85AC-499D-A6CC-5EB98E13A643}" destId="{EACFD84E-C2F6-4344-82BD-2FE20EC91B31}" srcOrd="1" destOrd="0" presId="urn:microsoft.com/office/officeart/2018/5/layout/IconCircleLabelList"/>
-    <dgm:cxn modelId="{F5B6D6FA-C931-4C87-8439-12B8AC319184}" type="presParOf" srcId="{663689CD-85AC-499D-A6CC-5EB98E13A643}" destId="{81D9D642-DB6E-41C0-9EFA-B075F8A310FC}" srcOrd="2" destOrd="0" presId="urn:microsoft.com/office/officeart/2018/5/layout/IconCircleLabelList"/>
-    <dgm:cxn modelId="{F9799352-3220-401F-865C-128FAF38ECD5}" type="presParOf" srcId="{663689CD-85AC-499D-A6CC-5EB98E13A643}" destId="{A87C37A6-C7E9-40B5-AD06-8D996373FC65}" srcOrd="3" destOrd="0" presId="urn:microsoft.com/office/officeart/2018/5/layout/IconCircleLabelList"/>
-    <dgm:cxn modelId="{E77B61C0-ADC4-4DD4-92EE-0EB904BB3987}" type="presParOf" srcId="{80E35DB8-74BF-4F3B-85C1-992BC5515348}" destId="{C56AF9E1-920C-48C0-8A8E-601534436EFA}" srcOrd="7" destOrd="0" presId="urn:microsoft.com/office/officeart/2018/5/layout/IconCircleLabelList"/>
-    <dgm:cxn modelId="{F703197A-75D9-4DA4-823E-F54828185D98}" type="presParOf" srcId="{80E35DB8-74BF-4F3B-85C1-992BC5515348}" destId="{1C531B5B-3B25-48A9-AC48-09B26E76FBDA}" srcOrd="8" destOrd="0" presId="urn:microsoft.com/office/officeart/2018/5/layout/IconCircleLabelList"/>
-    <dgm:cxn modelId="{CE129081-1485-4829-A061-366038806593}" type="presParOf" srcId="{1C531B5B-3B25-48A9-AC48-09B26E76FBDA}" destId="{2E77D58A-A79B-4FCB-B4BE-F70C43D24B26}" srcOrd="0" destOrd="0" presId="urn:microsoft.com/office/officeart/2018/5/layout/IconCircleLabelList"/>
-    <dgm:cxn modelId="{CAD49A5E-EF39-4BA9-A022-672A018E2824}" type="presParOf" srcId="{1C531B5B-3B25-48A9-AC48-09B26E76FBDA}" destId="{0C74A257-396D-472F-B8C7-E69ED76067CD}" srcOrd="1" destOrd="0" presId="urn:microsoft.com/office/officeart/2018/5/layout/IconCircleLabelList"/>
-    <dgm:cxn modelId="{0A74B4AD-9144-4B82-AAAF-E1A30A56C7F4}" type="presParOf" srcId="{1C531B5B-3B25-48A9-AC48-09B26E76FBDA}" destId="{E49DD6C7-11D0-40F9-B89E-023EAEAAC76C}" srcOrd="2" destOrd="0" presId="urn:microsoft.com/office/officeart/2018/5/layout/IconCircleLabelList"/>
-    <dgm:cxn modelId="{94985538-AC3A-4AB6-9AFE-9FB6BB050C64}" type="presParOf" srcId="{1C531B5B-3B25-48A9-AC48-09B26E76FBDA}" destId="{918DD7F0-CEB4-400D-B7BD-103AF02E58EA}" srcOrd="3" destOrd="0" presId="urn:microsoft.com/office/officeart/2018/5/layout/IconCircleLabelList"/>
-    <dgm:cxn modelId="{F4387AA8-82AD-4E7A-AFDD-1091C78F2FB2}" type="presParOf" srcId="{80E35DB8-74BF-4F3B-85C1-992BC5515348}" destId="{04D9C717-D7CE-4BD8-AD05-EE34C14D3BE7}" srcOrd="9" destOrd="0" presId="urn:microsoft.com/office/officeart/2018/5/layout/IconCircleLabelList"/>
-    <dgm:cxn modelId="{5EC8155F-7AC0-44B4-8356-B16EA87384F8}" type="presParOf" srcId="{80E35DB8-74BF-4F3B-85C1-992BC5515348}" destId="{3898DDE0-81D1-4628-8B58-38FDAC573AAF}" srcOrd="10" destOrd="0" presId="urn:microsoft.com/office/officeart/2018/5/layout/IconCircleLabelList"/>
-    <dgm:cxn modelId="{1499DF06-7F21-454E-9883-5E34DB70D710}" type="presParOf" srcId="{3898DDE0-81D1-4628-8B58-38FDAC573AAF}" destId="{48D90551-70EF-482C-BA13-DA627354DA74}" srcOrd="0" destOrd="0" presId="urn:microsoft.com/office/officeart/2018/5/layout/IconCircleLabelList"/>
-    <dgm:cxn modelId="{CF756A50-E25E-4831-A5C3-C03E1C9A59FC}" type="presParOf" srcId="{3898DDE0-81D1-4628-8B58-38FDAC573AAF}" destId="{D276F701-7A36-461C-87B4-77C84195BCCB}" srcOrd="1" destOrd="0" presId="urn:microsoft.com/office/officeart/2018/5/layout/IconCircleLabelList"/>
-    <dgm:cxn modelId="{10EC6C61-33EE-431C-9725-A0D5D6D871A8}" type="presParOf" srcId="{3898DDE0-81D1-4628-8B58-38FDAC573AAF}" destId="{D9D2F411-2F9D-4995-B5F3-78F70159F019}" srcOrd="2" destOrd="0" presId="urn:microsoft.com/office/officeart/2018/5/layout/IconCircleLabelList"/>
-    <dgm:cxn modelId="{6D5CE956-7BAA-4C48-83DB-59A7E116B892}" type="presParOf" srcId="{3898DDE0-81D1-4628-8B58-38FDAC573AAF}" destId="{59FFA5C9-4534-4FC3-9FB3-CC72DF77079B}" srcOrd="3" destOrd="0" presId="urn:microsoft.com/office/officeart/2018/5/layout/IconCircleLabelList"/>
+    <dgm:cxn modelId="{D7E459A8-DACE-AE45-A7AF-4202FF8F88CA}" type="presParOf" srcId="{80E35DB8-74BF-4F3B-85C1-992BC5515348}" destId="{B6E8362C-D5A3-4FE0-ABC6-C60E800787A8}" srcOrd="0" destOrd="0" presId="urn:microsoft.com/office/officeart/2018/5/layout/IconCircleLabelList"/>
+    <dgm:cxn modelId="{1C6A5E20-DAAE-E341-BA31-D4015148AAAB}" type="presParOf" srcId="{B6E8362C-D5A3-4FE0-ABC6-C60E800787A8}" destId="{299FF4E4-EB96-4935-869F-0008E7D41896}" srcOrd="0" destOrd="0" presId="urn:microsoft.com/office/officeart/2018/5/layout/IconCircleLabelList"/>
+    <dgm:cxn modelId="{505AD089-F240-3F42-A038-789AAB47E651}" type="presParOf" srcId="{B6E8362C-D5A3-4FE0-ABC6-C60E800787A8}" destId="{5F251DE1-9E73-4AC9-B072-DD2A587B1041}" srcOrd="1" destOrd="0" presId="urn:microsoft.com/office/officeart/2018/5/layout/IconCircleLabelList"/>
+    <dgm:cxn modelId="{9432F15B-37DD-C740-9856-9EC26421C971}" type="presParOf" srcId="{B6E8362C-D5A3-4FE0-ABC6-C60E800787A8}" destId="{9EC19D17-197F-4F05-83AE-A7A0CF4999AA}" srcOrd="2" destOrd="0" presId="urn:microsoft.com/office/officeart/2018/5/layout/IconCircleLabelList"/>
+    <dgm:cxn modelId="{34FE2EDA-8C40-4742-89B5-A839AD4D44AB}" type="presParOf" srcId="{B6E8362C-D5A3-4FE0-ABC6-C60E800787A8}" destId="{82285FA9-6853-4896-A9D4-A30900072AE2}" srcOrd="3" destOrd="0" presId="urn:microsoft.com/office/officeart/2018/5/layout/IconCircleLabelList"/>
+    <dgm:cxn modelId="{38CD9210-C4C5-9244-8F42-4AF340E791D8}" type="presParOf" srcId="{80E35DB8-74BF-4F3B-85C1-992BC5515348}" destId="{D831D7BA-6149-4498-918C-4F628DBE8295}" srcOrd="1" destOrd="0" presId="urn:microsoft.com/office/officeart/2018/5/layout/IconCircleLabelList"/>
+    <dgm:cxn modelId="{C8689AB4-AC48-BF4D-8DD8-5A8C5881463B}" type="presParOf" srcId="{80E35DB8-74BF-4F3B-85C1-992BC5515348}" destId="{45A2AE15-B8AF-4617-BA42-D0D47571F54C}" srcOrd="2" destOrd="0" presId="urn:microsoft.com/office/officeart/2018/5/layout/IconCircleLabelList"/>
+    <dgm:cxn modelId="{EDF928F9-4522-0F4E-A8E4-DA4128FAC8CA}" type="presParOf" srcId="{45A2AE15-B8AF-4617-BA42-D0D47571F54C}" destId="{D7AFBA4D-DD8E-4373-A867-CB340B815F60}" srcOrd="0" destOrd="0" presId="urn:microsoft.com/office/officeart/2018/5/layout/IconCircleLabelList"/>
+    <dgm:cxn modelId="{88376626-7BD6-D74B-A121-A301AE052A51}" type="presParOf" srcId="{45A2AE15-B8AF-4617-BA42-D0D47571F54C}" destId="{ED880087-8A38-42C9-B7AE-C62F6CCB3093}" srcOrd="1" destOrd="0" presId="urn:microsoft.com/office/officeart/2018/5/layout/IconCircleLabelList"/>
+    <dgm:cxn modelId="{27503E71-45A0-0441-96A1-BC85B1339384}" type="presParOf" srcId="{45A2AE15-B8AF-4617-BA42-D0D47571F54C}" destId="{0266473B-EAAF-4874-8E81-2519199E5D63}" srcOrd="2" destOrd="0" presId="urn:microsoft.com/office/officeart/2018/5/layout/IconCircleLabelList"/>
+    <dgm:cxn modelId="{F2269918-F8CA-164F-859C-CA46855024C1}" type="presParOf" srcId="{45A2AE15-B8AF-4617-BA42-D0D47571F54C}" destId="{DFC640BA-7DE7-47A8-9AAB-37E176C83FAB}" srcOrd="3" destOrd="0" presId="urn:microsoft.com/office/officeart/2018/5/layout/IconCircleLabelList"/>
+    <dgm:cxn modelId="{7629C240-2824-7D42-B659-0CCEDF2680E8}" type="presParOf" srcId="{80E35DB8-74BF-4F3B-85C1-992BC5515348}" destId="{E74ACACB-611E-402A-AE69-ED80BB009E6F}" srcOrd="3" destOrd="0" presId="urn:microsoft.com/office/officeart/2018/5/layout/IconCircleLabelList"/>
+    <dgm:cxn modelId="{9836812E-61A5-3444-8B2D-4C9B33530572}" type="presParOf" srcId="{80E35DB8-74BF-4F3B-85C1-992BC5515348}" destId="{69E7BCF7-26FD-4C34-A0FB-4B75A45F4ED5}" srcOrd="4" destOrd="0" presId="urn:microsoft.com/office/officeart/2018/5/layout/IconCircleLabelList"/>
+    <dgm:cxn modelId="{6C895B6C-81A7-6149-8667-3CF3AC604C89}" type="presParOf" srcId="{69E7BCF7-26FD-4C34-A0FB-4B75A45F4ED5}" destId="{92567E4D-3F1F-449D-9484-745B951303AD}" srcOrd="0" destOrd="0" presId="urn:microsoft.com/office/officeart/2018/5/layout/IconCircleLabelList"/>
+    <dgm:cxn modelId="{D2D07764-B54A-7B4B-B63A-50B77A1D7C74}" type="presParOf" srcId="{69E7BCF7-26FD-4C34-A0FB-4B75A45F4ED5}" destId="{D73E3A4C-80B5-4E9E-95A9-76EDCD461873}" srcOrd="1" destOrd="0" presId="urn:microsoft.com/office/officeart/2018/5/layout/IconCircleLabelList"/>
+    <dgm:cxn modelId="{2140FD46-D277-EC4E-9C73-B56810B2BB00}" type="presParOf" srcId="{69E7BCF7-26FD-4C34-A0FB-4B75A45F4ED5}" destId="{EBB5509F-FB84-42FD-961A-D29DDEDC8C31}" srcOrd="2" destOrd="0" presId="urn:microsoft.com/office/officeart/2018/5/layout/IconCircleLabelList"/>
+    <dgm:cxn modelId="{9384D172-63A0-5C47-992C-8EE86061D472}" type="presParOf" srcId="{69E7BCF7-26FD-4C34-A0FB-4B75A45F4ED5}" destId="{B416C443-D9E7-4C5A-993C-DDE6DCDC8303}" srcOrd="3" destOrd="0" presId="urn:microsoft.com/office/officeart/2018/5/layout/IconCircleLabelList"/>
+    <dgm:cxn modelId="{CF2A4DFC-17D6-EE4F-9D13-9546D2095C8A}" type="presParOf" srcId="{80E35DB8-74BF-4F3B-85C1-992BC5515348}" destId="{B2E382D8-6AEB-42EC-8402-B812B682F097}" srcOrd="5" destOrd="0" presId="urn:microsoft.com/office/officeart/2018/5/layout/IconCircleLabelList"/>
+    <dgm:cxn modelId="{E0F4BCC7-6CFE-8B45-8ABE-A8C941885FE0}" type="presParOf" srcId="{80E35DB8-74BF-4F3B-85C1-992BC5515348}" destId="{1C531B5B-3B25-48A9-AC48-09B26E76FBDA}" srcOrd="6" destOrd="0" presId="urn:microsoft.com/office/officeart/2018/5/layout/IconCircleLabelList"/>
+    <dgm:cxn modelId="{D1E3DE6A-2F88-C248-A12B-67E9412CF359}" type="presParOf" srcId="{1C531B5B-3B25-48A9-AC48-09B26E76FBDA}" destId="{2E77D58A-A79B-4FCB-B4BE-F70C43D24B26}" srcOrd="0" destOrd="0" presId="urn:microsoft.com/office/officeart/2018/5/layout/IconCircleLabelList"/>
+    <dgm:cxn modelId="{A026F583-2703-9B46-B734-774A6DDAD36B}" type="presParOf" srcId="{1C531B5B-3B25-48A9-AC48-09B26E76FBDA}" destId="{0C74A257-396D-472F-B8C7-E69ED76067CD}" srcOrd="1" destOrd="0" presId="urn:microsoft.com/office/officeart/2018/5/layout/IconCircleLabelList"/>
+    <dgm:cxn modelId="{1C8C845B-385A-B846-A17A-6BCC55EF2BEE}" type="presParOf" srcId="{1C531B5B-3B25-48A9-AC48-09B26E76FBDA}" destId="{E49DD6C7-11D0-40F9-B89E-023EAEAAC76C}" srcOrd="2" destOrd="0" presId="urn:microsoft.com/office/officeart/2018/5/layout/IconCircleLabelList"/>
+    <dgm:cxn modelId="{72822681-65C9-5D48-8CD8-8B50D2C67AD2}" type="presParOf" srcId="{1C531B5B-3B25-48A9-AC48-09B26E76FBDA}" destId="{918DD7F0-CEB4-400D-B7BD-103AF02E58EA}" srcOrd="3" destOrd="0" presId="urn:microsoft.com/office/officeart/2018/5/layout/IconCircleLabelList"/>
+    <dgm:cxn modelId="{6BEAE3F2-6613-C24D-9E29-18D06EEAC607}" type="presParOf" srcId="{80E35DB8-74BF-4F3B-85C1-992BC5515348}" destId="{4697E41A-F374-2343-A7A4-E0CD37EF47B0}" srcOrd="7" destOrd="0" presId="urn:microsoft.com/office/officeart/2018/5/layout/IconCircleLabelList"/>
+    <dgm:cxn modelId="{6FBED447-AA32-524A-A162-908E437D435C}" type="presParOf" srcId="{80E35DB8-74BF-4F3B-85C1-992BC5515348}" destId="{3898DDE0-81D1-4628-8B58-38FDAC573AAF}" srcOrd="8" destOrd="0" presId="urn:microsoft.com/office/officeart/2018/5/layout/IconCircleLabelList"/>
+    <dgm:cxn modelId="{32B092E0-7498-0C4E-94FF-721D074F9BB6}" type="presParOf" srcId="{3898DDE0-81D1-4628-8B58-38FDAC573AAF}" destId="{48D90551-70EF-482C-BA13-DA627354DA74}" srcOrd="0" destOrd="0" presId="urn:microsoft.com/office/officeart/2018/5/layout/IconCircleLabelList"/>
+    <dgm:cxn modelId="{E2A5B8B5-47C3-CA43-B4BA-2D9C7189A8AB}" type="presParOf" srcId="{3898DDE0-81D1-4628-8B58-38FDAC573AAF}" destId="{D276F701-7A36-461C-87B4-77C84195BCCB}" srcOrd="1" destOrd="0" presId="urn:microsoft.com/office/officeart/2018/5/layout/IconCircleLabelList"/>
+    <dgm:cxn modelId="{1494E3B0-C812-AE4B-8F75-6A577F9B1A04}" type="presParOf" srcId="{3898DDE0-81D1-4628-8B58-38FDAC573AAF}" destId="{D9D2F411-2F9D-4995-B5F3-78F70159F019}" srcOrd="2" destOrd="0" presId="urn:microsoft.com/office/officeart/2018/5/layout/IconCircleLabelList"/>
+    <dgm:cxn modelId="{0AC8675F-9840-7B48-9A4B-3D7ADF8A0000}" type="presParOf" srcId="{3898DDE0-81D1-4628-8B58-38FDAC573AAF}" destId="{59FFA5C9-4534-4FC3-9FB3-CC72DF77079B}" srcOrd="3" destOrd="0" presId="urn:microsoft.com/office/officeart/2018/5/layout/IconCircleLabelList"/>
+    <dgm:cxn modelId="{EF1189BA-E3BC-5D4B-81D9-DB6B928317EC}" type="presParOf" srcId="{80E35DB8-74BF-4F3B-85C1-992BC5515348}" destId="{9D26502F-27CF-5743-8D8F-60404CC4C1B6}" srcOrd="9" destOrd="0" presId="urn:microsoft.com/office/officeart/2018/5/layout/IconCircleLabelList"/>
+    <dgm:cxn modelId="{3F497A5A-CF31-9244-A7B3-FBE58AC8D826}" type="presParOf" srcId="{80E35DB8-74BF-4F3B-85C1-992BC5515348}" destId="{663689CD-85AC-499D-A6CC-5EB98E13A643}" srcOrd="10" destOrd="0" presId="urn:microsoft.com/office/officeart/2018/5/layout/IconCircleLabelList"/>
+    <dgm:cxn modelId="{A6A5B7E8-4AC6-4946-9C77-644409A22BDD}" type="presParOf" srcId="{663689CD-85AC-499D-A6CC-5EB98E13A643}" destId="{E8D8944A-FA43-4DC2-94F6-466A06E1367C}" srcOrd="0" destOrd="0" presId="urn:microsoft.com/office/officeart/2018/5/layout/IconCircleLabelList"/>
+    <dgm:cxn modelId="{4070A659-44F8-1E44-877B-ED0B2D09C778}" type="presParOf" srcId="{663689CD-85AC-499D-A6CC-5EB98E13A643}" destId="{EACFD84E-C2F6-4344-82BD-2FE20EC91B31}" srcOrd="1" destOrd="0" presId="urn:microsoft.com/office/officeart/2018/5/layout/IconCircleLabelList"/>
+    <dgm:cxn modelId="{4D52C5C0-B334-F54D-A91E-41E05A3D9AAC}" type="presParOf" srcId="{663689CD-85AC-499D-A6CC-5EB98E13A643}" destId="{81D9D642-DB6E-41C0-9EFA-B075F8A310FC}" srcOrd="2" destOrd="0" presId="urn:microsoft.com/office/officeart/2018/5/layout/IconCircleLabelList"/>
+    <dgm:cxn modelId="{AE8AE153-BF57-C44D-A03A-AA9433BF385C}" type="presParOf" srcId="{663689CD-85AC-499D-A6CC-5EB98E13A643}" destId="{A87C37A6-C7E9-40B5-AD06-8D996373FC65}" srcOrd="3" destOrd="0" presId="urn:microsoft.com/office/officeart/2018/5/layout/IconCircleLabelList"/>
   </dgm:cxnLst>
   <dgm:bg/>
   <dgm:whole/>
   <dgm:extLst>
     <a:ext uri="http://schemas.microsoft.com/office/drawing/2008/diagram">
-      <dsp:dataModelExt xmlns:dsp="http://schemas.microsoft.com/office/drawing/2008/diagram" relId="rId6" minVer="http://schemas.openxmlformats.org/drawingml/2006/diagram"/>
+      <dsp:dataModelExt xmlns:dsp="http://schemas.microsoft.com/office/drawing/2008/diagram" relId="rId7" minVer="http://schemas.openxmlformats.org/drawingml/2006/diagram"/>
     </a:ext>
   </dgm:extLst>
 </dgm:dataModel>
@@ -5222,8 +5208,8 @@
       </dsp:nvSpPr>
       <dsp:spPr>
         <a:xfrm rot="5400000">
-          <a:off x="-301364" y="304118"/>
-          <a:ext cx="2009093" cy="1406365"/>
+          <a:off x="-301069" y="306581"/>
+          <a:ext cx="2007131" cy="1404991"/>
         </a:xfrm>
         <a:prstGeom prst="chevron">
           <a:avLst/>
@@ -5289,8 +5275,8 @@
         </a:p>
       </dsp:txBody>
       <dsp:txXfrm rot="-5400000">
-        <a:off x="1" y="705937"/>
-        <a:ext cx="1406365" cy="602728"/>
+        <a:off x="2" y="708007"/>
+        <a:ext cx="1404991" cy="602140"/>
       </dsp:txXfrm>
     </dsp:sp>
     <dsp:sp modelId="{598CBAD3-65DF-7D44-BCA4-0E0BDC6F3214}">
@@ -5300,8 +5286,8 @@
       </dsp:nvSpPr>
       <dsp:spPr>
         <a:xfrm rot="5400000">
-          <a:off x="2464313" y="-1055193"/>
-          <a:ext cx="1305910" cy="3421806"/>
+          <a:off x="2464264" y="-1053760"/>
+          <a:ext cx="1304635" cy="3423180"/>
         </a:xfrm>
         <a:prstGeom prst="round2SameRect">
           <a:avLst/>
@@ -5349,8 +5335,8 @@
       </dsp:nvSpPr>
       <dsp:spPr>
         <a:xfrm rot="5400000">
-          <a:off x="-301364" y="2122794"/>
-          <a:ext cx="2009093" cy="1406365"/>
+          <a:off x="-301069" y="2123481"/>
+          <a:ext cx="2007131" cy="1404991"/>
         </a:xfrm>
         <a:prstGeom prst="chevron">
           <a:avLst/>
@@ -5421,8 +5407,8 @@
         </a:p>
       </dsp:txBody>
       <dsp:txXfrm rot="-5400000">
-        <a:off x="1" y="2524613"/>
-        <a:ext cx="1406365" cy="602728"/>
+        <a:off x="2" y="2524907"/>
+        <a:ext cx="1404991" cy="602140"/>
       </dsp:txXfrm>
     </dsp:sp>
     <dsp:sp modelId="{FE40B42E-3165-7344-9322-8E9C39B285F7}">
@@ -5432,8 +5418,8 @@
       </dsp:nvSpPr>
       <dsp:spPr>
         <a:xfrm rot="5400000">
-          <a:off x="2464313" y="763482"/>
-          <a:ext cx="1305910" cy="3421806"/>
+          <a:off x="2464264" y="763139"/>
+          <a:ext cx="1304635" cy="3423180"/>
         </a:xfrm>
         <a:prstGeom prst="round2SameRect">
           <a:avLst/>
@@ -5474,12 +5460,12 @@
         <a:fontRef idx="minor"/>
       </dsp:style>
       <dsp:txBody>
-        <a:bodyPr spcFirstLastPara="0" vert="horz" wrap="square" lIns="206248" tIns="18415" rIns="18415" bIns="18415" numCol="1" spcCol="1270" anchor="ctr" anchorCtr="0">
+        <a:bodyPr spcFirstLastPara="0" vert="horz" wrap="square" lIns="227584" tIns="20320" rIns="20320" bIns="20320" numCol="1" spcCol="1270" anchor="ctr" anchorCtr="0">
           <a:noAutofit/>
         </a:bodyPr>
         <a:lstStyle/>
         <a:p>
-          <a:pPr marL="285750" lvl="1" indent="-285750" algn="l" defTabSz="1289050">
+          <a:pPr marL="285750" lvl="1" indent="-285750" algn="l" defTabSz="1422400">
             <a:lnSpc>
               <a:spcPct val="90000"/>
             </a:lnSpc>
@@ -5492,32 +5478,14 @@
             <a:buChar char="•"/>
           </a:pPr>
           <a:r>
-            <a:rPr lang="en-GB" sz="2900" kern="1200" dirty="0"/>
-            <a:t>Run tests</a:t>
-          </a:r>
-        </a:p>
-        <a:p>
-          <a:pPr marL="285750" lvl="1" indent="-285750" algn="l" defTabSz="1289050">
-            <a:lnSpc>
-              <a:spcPct val="90000"/>
-            </a:lnSpc>
-            <a:spcBef>
-              <a:spcPct val="0"/>
-            </a:spcBef>
-            <a:spcAft>
-              <a:spcPct val="15000"/>
-            </a:spcAft>
-            <a:buChar char="•"/>
-          </a:pPr>
-          <a:r>
-            <a:rPr lang="en-GB" sz="2900" kern="1200" dirty="0"/>
-            <a:t>Vulnerability scan</a:t>
+            <a:rPr lang="en-GB" sz="3200" kern="1200" dirty="0"/>
+            <a:t>Run tests and vulnerability scans</a:t>
           </a:r>
         </a:p>
       </dsp:txBody>
       <dsp:txXfrm rot="-5400000">
-        <a:off x="1406366" y="1885179"/>
-        <a:ext cx="3358057" cy="1178412"/>
+        <a:off x="1404992" y="1886099"/>
+        <a:ext cx="3359493" cy="1177261"/>
       </dsp:txXfrm>
     </dsp:sp>
     <dsp:sp modelId="{9EE9FC58-5729-C144-97FF-8AFF6B61214C}">
@@ -5527,8 +5495,8 @@
       </dsp:nvSpPr>
       <dsp:spPr>
         <a:xfrm rot="5400000">
-          <a:off x="-301364" y="3941470"/>
-          <a:ext cx="2009093" cy="1406365"/>
+          <a:off x="-301069" y="3940381"/>
+          <a:ext cx="2007131" cy="1404991"/>
         </a:xfrm>
         <a:prstGeom prst="chevron">
           <a:avLst/>
@@ -5594,8 +5562,8 @@
         </a:p>
       </dsp:txBody>
       <dsp:txXfrm rot="-5400000">
-        <a:off x="1" y="4343289"/>
-        <a:ext cx="1406365" cy="602728"/>
+        <a:off x="2" y="4341807"/>
+        <a:ext cx="1404991" cy="602140"/>
       </dsp:txXfrm>
     </dsp:sp>
     <dsp:sp modelId="{BDBF9403-8CA0-6F47-9312-57C5B9577E08}">
@@ -5605,8 +5573,8 @@
       </dsp:nvSpPr>
       <dsp:spPr>
         <a:xfrm rot="5400000">
-          <a:off x="2464313" y="2582158"/>
-          <a:ext cx="1305910" cy="3421806"/>
+          <a:off x="2464264" y="2580039"/>
+          <a:ext cx="1304635" cy="3423180"/>
         </a:xfrm>
         <a:prstGeom prst="round2SameRect">
           <a:avLst/>
@@ -5870,7 +5838,7 @@
           </a:pPr>
           <a:r>
             <a:rPr lang="en-GB" sz="2300" kern="1200" dirty="0"/>
-            <a:t>Format Check and Test</a:t>
+            <a:t>Pipeline jobs run</a:t>
           </a:r>
         </a:p>
       </dsp:txBody>
@@ -6047,8 +6015,8 @@
       </dsp:nvSpPr>
       <dsp:spPr>
         <a:xfrm>
-          <a:off x="517957" y="1349543"/>
-          <a:ext cx="556171" cy="556171"/>
+          <a:off x="517957" y="1351314"/>
+          <a:ext cx="556171" cy="552629"/>
         </a:xfrm>
         <a:prstGeom prst="rect">
           <a:avLst/>
@@ -6056,14 +6024,12 @@
         <a:blipFill>
           <a:blip xmlns:r="http://schemas.openxmlformats.org/officeDocument/2006/relationships" r:embed="rId1">
             <a:extLst>
-              <a:ext uri="{28A0092B-C50C-407E-A947-70E740481C1C}">
-                <a14:useLocalDpi xmlns:a14="http://schemas.microsoft.com/office/drawing/2010/main" val="0"/>
-              </a:ext>
               <a:ext uri="{96DAC541-7B7A-43D3-8B79-37D633B846F1}">
                 <asvg:svgBlip xmlns:asvg="http://schemas.microsoft.com/office/drawing/2016/SVG/main" r:embed="rId2"/>
               </a:ext>
             </a:extLst>
           </a:blip>
+          <a:srcRect/>
           <a:stretch>
             <a:fillRect/>
           </a:stretch>
@@ -6097,7 +6063,7 @@
       </dsp:nvSpPr>
       <dsp:spPr>
         <a:xfrm>
-          <a:off x="1512" y="2414215"/>
+          <a:off x="1512" y="2414214"/>
           <a:ext cx="1589062" cy="635625"/>
         </a:xfrm>
         <a:prstGeom prst="rect">
@@ -6129,7 +6095,7 @@
         <a:p>
           <a:pPr marL="0" lvl="0" indent="0" algn="ctr" defTabSz="488950">
             <a:lnSpc>
-              <a:spcPct val="90000"/>
+              <a:spcPct val="100000"/>
             </a:lnSpc>
             <a:spcBef>
               <a:spcPct val="0"/>
@@ -6141,13 +6107,13 @@
             <a:defRPr cap="all"/>
           </a:pPr>
           <a:r>
-            <a:rPr lang="en-US" sz="1100" kern="1200"/>
-            <a:t>What you see is what you get</a:t>
+            <a:rPr lang="en-US" sz="1100" kern="1200" dirty="0"/>
+            <a:t>Encourage Experiments</a:t>
           </a:r>
         </a:p>
       </dsp:txBody>
       <dsp:txXfrm>
-        <a:off x="1512" y="2414215"/>
+        <a:off x="1512" y="2414214"/>
         <a:ext cx="1589062" cy="635625"/>
       </dsp:txXfrm>
     </dsp:sp>
@@ -6247,7 +6213,7 @@
       </dsp:nvSpPr>
       <dsp:spPr>
         <a:xfrm>
-          <a:off x="1868660" y="2414215"/>
+          <a:off x="1868660" y="2414214"/>
           <a:ext cx="1589062" cy="635625"/>
         </a:xfrm>
         <a:prstGeom prst="rect">
@@ -6279,7 +6245,7 @@
         <a:p>
           <a:pPr marL="0" lvl="0" indent="0" algn="ctr" defTabSz="488950">
             <a:lnSpc>
-              <a:spcPct val="90000"/>
+              <a:spcPct val="100000"/>
             </a:lnSpc>
             <a:spcBef>
               <a:spcPct val="0"/>
@@ -6291,13 +6257,13 @@
             <a:defRPr cap="all"/>
           </a:pPr>
           <a:r>
-            <a:rPr lang="en-US" sz="1100" kern="1200"/>
-            <a:t>Reduce manual work for static test</a:t>
+            <a:rPr lang="en-US" sz="1100" kern="1200" dirty="0"/>
+            <a:t>Reduce manual work for test</a:t>
           </a:r>
         </a:p>
       </dsp:txBody>
       <dsp:txXfrm>
-        <a:off x="1868660" y="2414215"/>
+        <a:off x="1868660" y="2414214"/>
         <a:ext cx="1589062" cy="635625"/>
       </dsp:txXfrm>
     </dsp:sp>
@@ -6397,7 +6363,7 @@
       </dsp:nvSpPr>
       <dsp:spPr>
         <a:xfrm>
-          <a:off x="3735809" y="2414215"/>
+          <a:off x="3735809" y="2414214"/>
           <a:ext cx="1589062" cy="635625"/>
         </a:xfrm>
         <a:prstGeom prst="rect">
@@ -6429,7 +6395,7 @@
         <a:p>
           <a:pPr marL="0" lvl="0" indent="0" algn="ctr" defTabSz="488950">
             <a:lnSpc>
-              <a:spcPct val="90000"/>
+              <a:spcPct val="100000"/>
             </a:lnSpc>
             <a:spcBef>
               <a:spcPct val="0"/>
@@ -6447,11 +6413,11 @@
         </a:p>
       </dsp:txBody>
       <dsp:txXfrm>
-        <a:off x="3735809" y="2414215"/>
+        <a:off x="3735809" y="2414214"/>
         <a:ext cx="1589062" cy="635625"/>
       </dsp:txXfrm>
     </dsp:sp>
-    <dsp:sp modelId="{E8D8944A-FA43-4DC2-94F6-466A06E1367C}">
+    <dsp:sp modelId="{2E77D58A-A79B-4FCB-B4BE-F70C43D24B26}">
       <dsp:nvSpPr>
         <dsp:cNvPr id="0" name=""/>
         <dsp:cNvSpPr/>
@@ -6490,7 +6456,7 @@
         <a:fontRef idx="minor"/>
       </dsp:style>
     </dsp:sp>
-    <dsp:sp modelId="{EACFD84E-C2F6-4344-82BD-2FE20EC91B31}">
+    <dsp:sp modelId="{0C74A257-396D-472F-B8C7-E69ED76067CD}">
       <dsp:nvSpPr>
         <dsp:cNvPr id="0" name=""/>
         <dsp:cNvSpPr/>
@@ -6540,14 +6506,14 @@
         </a:fontRef>
       </dsp:style>
     </dsp:sp>
-    <dsp:sp modelId="{A87C37A6-C7E9-40B5-AD06-8D996373FC65}">
+    <dsp:sp modelId="{918DD7F0-CEB4-400D-B7BD-103AF02E58EA}">
       <dsp:nvSpPr>
         <dsp:cNvPr id="0" name=""/>
         <dsp:cNvSpPr/>
       </dsp:nvSpPr>
       <dsp:spPr>
         <a:xfrm>
-          <a:off x="5602957" y="2414215"/>
+          <a:off x="5602957" y="2414214"/>
           <a:ext cx="1589062" cy="635625"/>
         </a:xfrm>
         <a:prstGeom prst="rect">
@@ -6579,7 +6545,7 @@
         <a:p>
           <a:pPr marL="0" lvl="0" indent="0" algn="ctr" defTabSz="488950">
             <a:lnSpc>
-              <a:spcPct val="90000"/>
+              <a:spcPct val="100000"/>
             </a:lnSpc>
             <a:spcBef>
               <a:spcPct val="0"/>
@@ -6591,17 +6557,21 @@
             <a:defRPr cap="all"/>
           </a:pPr>
           <a:r>
-            <a:rPr lang="en-US" sz="1100" kern="1200"/>
-            <a:t>Faster feedback loop to identify bugs or issues early</a:t>
+            <a:rPr lang="en-US" sz="1100" kern="1200" dirty="0">
+              <a:solidFill>
+                <a:schemeClr val="accent5"/>
+              </a:solidFill>
+            </a:rPr>
+            <a:t>Reduce manual builds/ deployments</a:t>
           </a:r>
         </a:p>
       </dsp:txBody>
       <dsp:txXfrm>
-        <a:off x="5602957" y="2414215"/>
+        <a:off x="5602957" y="2414214"/>
         <a:ext cx="1589062" cy="635625"/>
       </dsp:txXfrm>
     </dsp:sp>
-    <dsp:sp modelId="{2E77D58A-A79B-4FCB-B4BE-F70C43D24B26}">
+    <dsp:sp modelId="{48D90551-70EF-482C-BA13-DA627354DA74}">
       <dsp:nvSpPr>
         <dsp:cNvPr id="0" name=""/>
         <dsp:cNvSpPr/>
@@ -6640,7 +6610,7 @@
         <a:fontRef idx="minor"/>
       </dsp:style>
     </dsp:sp>
-    <dsp:sp modelId="{0C74A257-396D-472F-B8C7-E69ED76067CD}">
+    <dsp:sp modelId="{D276F701-7A36-461C-87B4-77C84195BCCB}">
       <dsp:nvSpPr>
         <dsp:cNvPr id="0" name=""/>
         <dsp:cNvSpPr/>
@@ -6690,14 +6660,14 @@
         </a:fontRef>
       </dsp:style>
     </dsp:sp>
-    <dsp:sp modelId="{918DD7F0-CEB4-400D-B7BD-103AF02E58EA}">
+    <dsp:sp modelId="{59FFA5C9-4534-4FC3-9FB3-CC72DF77079B}">
       <dsp:nvSpPr>
         <dsp:cNvPr id="0" name=""/>
         <dsp:cNvSpPr/>
       </dsp:nvSpPr>
       <dsp:spPr>
         <a:xfrm>
-          <a:off x="7470105" y="2414215"/>
+          <a:off x="7470105" y="2414214"/>
           <a:ext cx="1589062" cy="635625"/>
         </a:xfrm>
         <a:prstGeom prst="rect">
@@ -6729,7 +6699,7 @@
         <a:p>
           <a:pPr marL="0" lvl="0" indent="0" algn="ctr" defTabSz="488950">
             <a:lnSpc>
-              <a:spcPct val="90000"/>
+              <a:spcPct val="100000"/>
             </a:lnSpc>
             <a:spcBef>
               <a:spcPct val="0"/>
@@ -6741,17 +6711,17 @@
             <a:defRPr cap="all"/>
           </a:pPr>
           <a:r>
-            <a:rPr lang="en-US" sz="1100" kern="1200"/>
-            <a:t>Reduce manual builds/ deployments</a:t>
+            <a:rPr lang="en-US" sz="1100" kern="1200" dirty="0"/>
+            <a:t>Improves alignment between development team and other teams</a:t>
           </a:r>
         </a:p>
       </dsp:txBody>
       <dsp:txXfrm>
-        <a:off x="7470105" y="2414215"/>
+        <a:off x="7470105" y="2414214"/>
         <a:ext cx="1589062" cy="635625"/>
       </dsp:txXfrm>
     </dsp:sp>
-    <dsp:sp modelId="{48D90551-70EF-482C-BA13-DA627354DA74}">
+    <dsp:sp modelId="{E8D8944A-FA43-4DC2-94F6-466A06E1367C}">
       <dsp:nvSpPr>
         <dsp:cNvPr id="0" name=""/>
         <dsp:cNvSpPr/>
@@ -6790,7 +6760,7 @@
         <a:fontRef idx="minor"/>
       </dsp:style>
     </dsp:sp>
-    <dsp:sp modelId="{D276F701-7A36-461C-87B4-77C84195BCCB}">
+    <dsp:sp modelId="{EACFD84E-C2F6-4344-82BD-2FE20EC91B31}">
       <dsp:nvSpPr>
         <dsp:cNvPr id="0" name=""/>
         <dsp:cNvSpPr/>
@@ -6840,14 +6810,14 @@
         </a:fontRef>
       </dsp:style>
     </dsp:sp>
-    <dsp:sp modelId="{59FFA5C9-4534-4FC3-9FB3-CC72DF77079B}">
+    <dsp:sp modelId="{A87C37A6-C7E9-40B5-AD06-8D996373FC65}">
       <dsp:nvSpPr>
         <dsp:cNvPr id="0" name=""/>
         <dsp:cNvSpPr/>
       </dsp:nvSpPr>
       <dsp:spPr>
         <a:xfrm>
-          <a:off x="9337254" y="2414215"/>
+          <a:off x="9337254" y="2414214"/>
           <a:ext cx="1589062" cy="635625"/>
         </a:xfrm>
         <a:prstGeom prst="rect">
@@ -6879,7 +6849,7 @@
         <a:p>
           <a:pPr marL="0" lvl="0" indent="0" algn="ctr" defTabSz="488950">
             <a:lnSpc>
-              <a:spcPct val="90000"/>
+              <a:spcPct val="100000"/>
             </a:lnSpc>
             <a:spcBef>
               <a:spcPct val="0"/>
@@ -6891,13 +6861,17 @@
             <a:defRPr cap="all"/>
           </a:pPr>
           <a:r>
-            <a:rPr lang="en-US" sz="1100" kern="1200"/>
-            <a:t>Improves alignment between development team and other teams</a:t>
+            <a:rPr lang="en-US" sz="1100" kern="1200" dirty="0">
+              <a:solidFill>
+                <a:schemeClr val="accent2"/>
+              </a:solidFill>
+            </a:rPr>
+            <a:t>Faster feedback loop to identify bugs or issues early</a:t>
           </a:r>
         </a:p>
       </dsp:txBody>
       <dsp:txXfrm>
-        <a:off x="9337254" y="2414215"/>
+        <a:off x="9337254" y="2414214"/>
         <a:ext cx="1589062" cy="635625"/>
       </dsp:txXfrm>
     </dsp:sp>
@@ -12917,7 +12891,44 @@
           <a:bodyPr/>
           <a:lstStyle/>
           <a:p>
-            <a:endParaRPr lang="en-US" dirty="0"/>
+            <a:pPr marL="0" lvl="0" indent="0">
+              <a:buFontTx/>
+              <a:buNone/>
+            </a:pPr>
+            <a:r>
+              <a:rPr lang="en-US" dirty="0"/>
+              <a:t>3 jobs run sequentially, which means one job has to be completed after next one starts:</a:t>
+            </a:r>
+          </a:p>
+          <a:p>
+            <a:pPr marL="171450" indent="-171450">
+              <a:buFontTx/>
+              <a:buChar char="-"/>
+            </a:pPr>
+            <a:r>
+              <a:rPr lang="en-US" dirty="0"/>
+              <a:t>lint: format check</a:t>
+            </a:r>
+          </a:p>
+          <a:p>
+            <a:pPr marL="171450" indent="-171450">
+              <a:buFontTx/>
+              <a:buChar char="-"/>
+            </a:pPr>
+            <a:r>
+              <a:rPr lang="en-US" dirty="0"/>
+              <a:t>Build and push image: it spins up a docker container with the pushed image and runs a unit test. It also scans the images for security issues. </a:t>
+            </a:r>
+          </a:p>
+          <a:p>
+            <a:pPr marL="171450" indent="-171450">
+              <a:buFontTx/>
+              <a:buChar char="-"/>
+            </a:pPr>
+            <a:r>
+              <a:rPr lang="en-US" dirty="0"/>
+              <a:t>Deploy app to dev env</a:t>
+            </a:r>
           </a:p>
         </p:txBody>
       </p:sp>
@@ -12938,7 +12949,7 @@
           <a:p>
             <a:fld id="{FA7903AB-3CB2-DA44-B03A-6491E58851DC}" type="slidenum">
               <a:rPr lang="en-US" smtClean="0"/>
-              <a:t>3</a:t>
+              <a:t>2</a:t>
             </a:fld>
             <a:endParaRPr lang="en-US"/>
           </a:p>
@@ -12947,7 +12958,7 @@
     </p:spTree>
     <p:extLst>
       <p:ext uri="{BB962C8B-B14F-4D97-AF65-F5344CB8AC3E}">
-        <p14:creationId xmlns:p14="http://schemas.microsoft.com/office/powerpoint/2010/main" val="2639431324"/>
+        <p14:creationId xmlns:p14="http://schemas.microsoft.com/office/powerpoint/2010/main" val="1381656703"/>
       </p:ext>
     </p:extLst>
   </p:cSld>
@@ -13003,6 +13014,354 @@
           <a:p>
             <a:r>
               <a:rPr lang="en-US" dirty="0"/>
+              <a:t>From the developer’s perspective, when they raise a PR, the pipeline will be triggered. If all the jobs complete successfully, the app will be deployed to dev environment. They will be able to see the changes directly. Hence, what you see is what you have done in your PR. </a:t>
+            </a:r>
+          </a:p>
+        </p:txBody>
+      </p:sp>
+      <p:sp>
+        <p:nvSpPr>
+          <p:cNvPr id="4" name="Slide Number Placeholder 3"/>
+          <p:cNvSpPr>
+            <a:spLocks noGrp="1"/>
+          </p:cNvSpPr>
+          <p:nvPr>
+            <p:ph type="sldNum" sz="quarter" idx="5"/>
+          </p:nvPr>
+        </p:nvSpPr>
+        <p:spPr/>
+        <p:txBody>
+          <a:bodyPr/>
+          <a:lstStyle/>
+          <a:p>
+            <a:fld id="{FA7903AB-3CB2-DA44-B03A-6491E58851DC}" type="slidenum">
+              <a:rPr lang="en-US" smtClean="0"/>
+              <a:t>3</a:t>
+            </a:fld>
+            <a:endParaRPr lang="en-US"/>
+          </a:p>
+        </p:txBody>
+      </p:sp>
+    </p:spTree>
+    <p:extLst>
+      <p:ext uri="{BB962C8B-B14F-4D97-AF65-F5344CB8AC3E}">
+        <p14:creationId xmlns:p14="http://schemas.microsoft.com/office/powerpoint/2010/main" val="2639431324"/>
+      </p:ext>
+    </p:extLst>
+  </p:cSld>
+  <p:clrMapOvr>
+    <a:masterClrMapping/>
+  </p:clrMapOvr>
+</p:notes>
+</file>
+
+<file path=ppt/notesSlides/notesSlide3.xml><?xml version="1.0" encoding="utf-8"?>
+<p:notes xmlns:a="http://schemas.openxmlformats.org/drawingml/2006/main" xmlns:r="http://schemas.openxmlformats.org/officeDocument/2006/relationships" xmlns:p="http://schemas.openxmlformats.org/presentationml/2006/main">
+  <p:cSld>
+    <p:spTree>
+      <p:nvGrpSpPr>
+        <p:cNvPr id="1" name=""/>
+        <p:cNvGrpSpPr/>
+        <p:nvPr/>
+      </p:nvGrpSpPr>
+      <p:grpSpPr>
+        <a:xfrm>
+          <a:off x="0" y="0"/>
+          <a:ext cx="0" cy="0"/>
+          <a:chOff x="0" y="0"/>
+          <a:chExt cx="0" cy="0"/>
+        </a:xfrm>
+      </p:grpSpPr>
+      <p:sp>
+        <p:nvSpPr>
+          <p:cNvPr id="2" name="Slide Image Placeholder 1"/>
+          <p:cNvSpPr>
+            <a:spLocks noGrp="1" noRot="1" noChangeAspect="1"/>
+          </p:cNvSpPr>
+          <p:nvPr>
+            <p:ph type="sldImg"/>
+          </p:nvPr>
+        </p:nvSpPr>
+        <p:spPr/>
+      </p:sp>
+      <p:sp>
+        <p:nvSpPr>
+          <p:cNvPr id="3" name="Notes Placeholder 2"/>
+          <p:cNvSpPr>
+            <a:spLocks noGrp="1"/>
+          </p:cNvSpPr>
+          <p:nvPr>
+            <p:ph type="body" idx="1"/>
+          </p:nvPr>
+        </p:nvSpPr>
+        <p:spPr/>
+        <p:txBody>
+          <a:bodyPr/>
+          <a:lstStyle/>
+          <a:p>
+            <a:endParaRPr lang="en-US" dirty="0"/>
+          </a:p>
+        </p:txBody>
+      </p:sp>
+      <p:sp>
+        <p:nvSpPr>
+          <p:cNvPr id="4" name="Slide Number Placeholder 3"/>
+          <p:cNvSpPr>
+            <a:spLocks noGrp="1"/>
+          </p:cNvSpPr>
+          <p:nvPr>
+            <p:ph type="sldNum" sz="quarter" idx="5"/>
+          </p:nvPr>
+        </p:nvSpPr>
+        <p:spPr/>
+        <p:txBody>
+          <a:bodyPr/>
+          <a:lstStyle/>
+          <a:p>
+            <a:fld id="{FA7903AB-3CB2-DA44-B03A-6491E58851DC}" type="slidenum">
+              <a:rPr lang="en-US" smtClean="0"/>
+              <a:t>4</a:t>
+            </a:fld>
+            <a:endParaRPr lang="en-US"/>
+          </a:p>
+        </p:txBody>
+      </p:sp>
+    </p:spTree>
+    <p:extLst>
+      <p:ext uri="{BB962C8B-B14F-4D97-AF65-F5344CB8AC3E}">
+        <p14:creationId xmlns:p14="http://schemas.microsoft.com/office/powerpoint/2010/main" val="2809756156"/>
+      </p:ext>
+    </p:extLst>
+  </p:cSld>
+  <p:clrMapOvr>
+    <a:masterClrMapping/>
+  </p:clrMapOvr>
+</p:notes>
+</file>
+
+<file path=ppt/notesSlides/notesSlide4.xml><?xml version="1.0" encoding="utf-8"?>
+<p:notes xmlns:a="http://schemas.openxmlformats.org/drawingml/2006/main" xmlns:r="http://schemas.openxmlformats.org/officeDocument/2006/relationships" xmlns:p="http://schemas.openxmlformats.org/presentationml/2006/main">
+  <p:cSld>
+    <p:spTree>
+      <p:nvGrpSpPr>
+        <p:cNvPr id="1" name=""/>
+        <p:cNvGrpSpPr/>
+        <p:nvPr/>
+      </p:nvGrpSpPr>
+      <p:grpSpPr>
+        <a:xfrm>
+          <a:off x="0" y="0"/>
+          <a:ext cx="0" cy="0"/>
+          <a:chOff x="0" y="0"/>
+          <a:chExt cx="0" cy="0"/>
+        </a:xfrm>
+      </p:grpSpPr>
+      <p:sp>
+        <p:nvSpPr>
+          <p:cNvPr id="2" name="Slide Image Placeholder 1"/>
+          <p:cNvSpPr>
+            <a:spLocks noGrp="1" noRot="1" noChangeAspect="1"/>
+          </p:cNvSpPr>
+          <p:nvPr>
+            <p:ph type="sldImg"/>
+          </p:nvPr>
+        </p:nvSpPr>
+        <p:spPr/>
+      </p:sp>
+      <p:sp>
+        <p:nvSpPr>
+          <p:cNvPr id="3" name="Notes Placeholder 2"/>
+          <p:cNvSpPr>
+            <a:spLocks noGrp="1"/>
+          </p:cNvSpPr>
+          <p:nvPr>
+            <p:ph type="body" idx="1"/>
+          </p:nvPr>
+        </p:nvSpPr>
+        <p:spPr/>
+        <p:txBody>
+          <a:bodyPr/>
+          <a:lstStyle/>
+          <a:p>
+            <a:pPr marL="0" indent="0">
+              <a:buFontTx/>
+              <a:buNone/>
+            </a:pPr>
+            <a:r>
+              <a:rPr lang="en-US" dirty="0"/>
+              <a:t>This pipeline improves efficiency, testing and reliability of developer’s workflow:</a:t>
+            </a:r>
+          </a:p>
+          <a:p>
+            <a:pPr marL="171450" indent="-171450">
+              <a:buFontTx/>
+              <a:buChar char="-"/>
+            </a:pPr>
+            <a:r>
+              <a:rPr lang="en-US" dirty="0"/>
+              <a:t>With the self-serving pipeline, developers can immediately see code changes reflected on application. Hence it encourages experiments.</a:t>
+            </a:r>
+          </a:p>
+          <a:p>
+            <a:pPr marL="171450" indent="-171450">
+              <a:buFontTx/>
+              <a:buChar char="-"/>
+            </a:pPr>
+            <a:r>
+              <a:rPr lang="en-US" dirty="0"/>
+              <a:t>Unit tests are automatically done by the pipeline which reduces manual workload. </a:t>
+            </a:r>
+          </a:p>
+          <a:p>
+            <a:pPr marL="171450" indent="-171450">
+              <a:buFontTx/>
+              <a:buChar char="-"/>
+            </a:pPr>
+            <a:r>
+              <a:rPr lang="en-US" dirty="0"/>
+              <a:t>Lint jobs make sure the code format is up to the standards. </a:t>
+            </a:r>
+          </a:p>
+          <a:p>
+            <a:pPr marL="171450" marR="0" lvl="0" indent="-171450" algn="l" defTabSz="914400" rtl="0" eaLnBrk="1" fontAlgn="auto" latinLnBrk="0" hangingPunct="1">
+              <a:lnSpc>
+                <a:spcPct val="100000"/>
+              </a:lnSpc>
+              <a:spcBef>
+                <a:spcPts val="0"/>
+              </a:spcBef>
+              <a:spcAft>
+                <a:spcPts val="0"/>
+              </a:spcAft>
+              <a:buClrTx/>
+              <a:buSzTx/>
+              <a:buFontTx/>
+              <a:buChar char="-"/>
+              <a:tabLst/>
+              <a:defRPr/>
+            </a:pPr>
+            <a:r>
+              <a:rPr lang="en-US" dirty="0"/>
+              <a:t>There is no need for the developers to run the builds or manage the environment and infrastructure for application deployment.</a:t>
+            </a:r>
+          </a:p>
+          <a:p>
+            <a:pPr marL="171450" marR="0" lvl="0" indent="-171450" algn="l" defTabSz="914400" rtl="0" eaLnBrk="1" fontAlgn="auto" latinLnBrk="0" hangingPunct="1">
+              <a:lnSpc>
+                <a:spcPct val="100000"/>
+              </a:lnSpc>
+              <a:spcBef>
+                <a:spcPts val="0"/>
+              </a:spcBef>
+              <a:spcAft>
+                <a:spcPts val="0"/>
+              </a:spcAft>
+              <a:buClrTx/>
+              <a:buSzTx/>
+              <a:buFontTx/>
+              <a:buChar char="-"/>
+              <a:tabLst/>
+              <a:defRPr/>
+            </a:pPr>
+            <a:r>
+              <a:rPr lang="en-US" dirty="0"/>
+              <a:t>As the code changes being quickly deployed as application, non-technical team can align with development team and provides feedbacks. </a:t>
+            </a:r>
+          </a:p>
+          <a:p>
+            <a:pPr marL="171450" indent="-171450">
+              <a:buFontTx/>
+              <a:buChar char="-"/>
+            </a:pPr>
+            <a:r>
+              <a:rPr lang="en-US" dirty="0"/>
+              <a:t>Bugs and issues can be identified early with the faster feedback loop.</a:t>
+            </a:r>
+          </a:p>
+        </p:txBody>
+      </p:sp>
+      <p:sp>
+        <p:nvSpPr>
+          <p:cNvPr id="4" name="Slide Number Placeholder 3"/>
+          <p:cNvSpPr>
+            <a:spLocks noGrp="1"/>
+          </p:cNvSpPr>
+          <p:nvPr>
+            <p:ph type="sldNum" sz="quarter" idx="5"/>
+          </p:nvPr>
+        </p:nvSpPr>
+        <p:spPr/>
+        <p:txBody>
+          <a:bodyPr/>
+          <a:lstStyle/>
+          <a:p>
+            <a:fld id="{FA7903AB-3CB2-DA44-B03A-6491E58851DC}" type="slidenum">
+              <a:rPr lang="en-US" smtClean="0"/>
+              <a:t>5</a:t>
+            </a:fld>
+            <a:endParaRPr lang="en-US"/>
+          </a:p>
+        </p:txBody>
+      </p:sp>
+    </p:spTree>
+    <p:extLst>
+      <p:ext uri="{BB962C8B-B14F-4D97-AF65-F5344CB8AC3E}">
+        <p14:creationId xmlns:p14="http://schemas.microsoft.com/office/powerpoint/2010/main" val="3176745046"/>
+      </p:ext>
+    </p:extLst>
+  </p:cSld>
+  <p:clrMapOvr>
+    <a:masterClrMapping/>
+  </p:clrMapOvr>
+</p:notes>
+</file>
+
+<file path=ppt/notesSlides/notesSlide5.xml><?xml version="1.0" encoding="utf-8"?>
+<p:notes xmlns:a="http://schemas.openxmlformats.org/drawingml/2006/main" xmlns:r="http://schemas.openxmlformats.org/officeDocument/2006/relationships" xmlns:p="http://schemas.openxmlformats.org/presentationml/2006/main">
+  <p:cSld>
+    <p:spTree>
+      <p:nvGrpSpPr>
+        <p:cNvPr id="1" name=""/>
+        <p:cNvGrpSpPr/>
+        <p:nvPr/>
+      </p:nvGrpSpPr>
+      <p:grpSpPr>
+        <a:xfrm>
+          <a:off x="0" y="0"/>
+          <a:ext cx="0" cy="0"/>
+          <a:chOff x="0" y="0"/>
+          <a:chExt cx="0" cy="0"/>
+        </a:xfrm>
+      </p:grpSpPr>
+      <p:sp>
+        <p:nvSpPr>
+          <p:cNvPr id="2" name="Slide Image Placeholder 1"/>
+          <p:cNvSpPr>
+            <a:spLocks noGrp="1" noRot="1" noChangeAspect="1"/>
+          </p:cNvSpPr>
+          <p:nvPr>
+            <p:ph type="sldImg"/>
+          </p:nvPr>
+        </p:nvSpPr>
+        <p:spPr/>
+      </p:sp>
+      <p:sp>
+        <p:nvSpPr>
+          <p:cNvPr id="3" name="Notes Placeholder 2"/>
+          <p:cNvSpPr>
+            <a:spLocks noGrp="1"/>
+          </p:cNvSpPr>
+          <p:nvPr>
+            <p:ph type="body" idx="1"/>
+          </p:nvPr>
+        </p:nvSpPr>
+        <p:spPr/>
+        <p:txBody>
+          <a:bodyPr/>
+          <a:lstStyle/>
+          <a:p>
+            <a:r>
+              <a:rPr lang="en-US" dirty="0"/>
               <a:t>The current pipeline has a few limitations:</a:t>
             </a:r>
           </a:p>
@@ -13012,7 +13371,7 @@
             </a:pPr>
             <a:r>
               <a:rPr lang="en-US" dirty="0"/>
-              <a:t>The previous container gets overwritten by the current deployments, which may create discrepancy if two developers create PR at the same time. This could be resolved by creating a temporary and reproducible container for each PR, so that each developer gets their changes deployed to separate containers. And each container can be killed after a certain amount of time for cost optimization.</a:t>
+              <a:t>The previous container gets overwritten by the current deployments, which may create discrepancy if two developers create PR at the same time. This could be resolved by creating a temporary and reproducible container for each PR, so that each developer gets their code changes deployed to separate containers. And each container can be killed after a certain amount of time for cost optimization.</a:t>
             </a:r>
           </a:p>
           <a:p>
@@ -13021,7 +13380,7 @@
             </a:pPr>
             <a:r>
               <a:rPr lang="en-US" dirty="0"/>
-              <a:t>We only have PR approver for the current pipeline. This is not ideal. We should assign multiple PR approvers to allow peer review. Also, other approvers can review the PR in case one approver is on leave. </a:t>
+              <a:t>We only have one PR approver for the current pipeline. This is not ideal. We should assign multiple PR approvers to allow peer review. Also, other approvers can review the PR in case one approver is on leave. </a:t>
             </a:r>
           </a:p>
           <a:p>
@@ -17910,7 +18269,7 @@
             <p:ph idx="1"/>
             <p:extLst>
               <p:ext uri="{D42A27DB-BD31-4B8C-83A1-F6EECF244321}">
-                <p14:modId xmlns:p14="http://schemas.microsoft.com/office/powerpoint/2010/main" val="120303131"/>
+                <p14:modId xmlns:p14="http://schemas.microsoft.com/office/powerpoint/2010/main" val="4238348579"/>
               </p:ext>
             </p:extLst>
           </p:nvPr>
@@ -17921,7 +18280,7 @@
         </p:xfrm>
         <a:graphic>
           <a:graphicData uri="http://schemas.openxmlformats.org/drawingml/2006/diagram">
-            <dgm:relIds xmlns:dgm="http://schemas.openxmlformats.org/drawingml/2006/diagram" xmlns:r="http://schemas.openxmlformats.org/officeDocument/2006/relationships" r:dm="rId2" r:lo="rId3" r:qs="rId4" r:cs="rId5"/>
+            <dgm:relIds xmlns:dgm="http://schemas.openxmlformats.org/drawingml/2006/diagram" xmlns:r="http://schemas.openxmlformats.org/officeDocument/2006/relationships" r:dm="rId3" r:lo="rId4" r:qs="rId5" r:cs="rId6"/>
           </a:graphicData>
         </a:graphic>
       </p:graphicFrame>
@@ -18320,7 +18679,7 @@
             <p:ph idx="1"/>
             <p:extLst>
               <p:ext uri="{D42A27DB-BD31-4B8C-83A1-F6EECF244321}">
-                <p14:modId xmlns:p14="http://schemas.microsoft.com/office/powerpoint/2010/main" val="3142876022"/>
+                <p14:modId xmlns:p14="http://schemas.microsoft.com/office/powerpoint/2010/main" val="1020473124"/>
               </p:ext>
             </p:extLst>
           </p:nvPr>
@@ -18349,416 +18708,6 @@
 </file>
 
 <file path=ppt/slides/slide4.xml><?xml version="1.0" encoding="utf-8"?>
-<p:sld xmlns:a="http://schemas.openxmlformats.org/drawingml/2006/main" xmlns:r="http://schemas.openxmlformats.org/officeDocument/2006/relationships" xmlns:p="http://schemas.openxmlformats.org/presentationml/2006/main">
-  <p:cSld>
-    <p:bg>
-      <p:bgPr>
-        <a:solidFill>
-          <a:schemeClr val="bg1"/>
-        </a:solidFill>
-        <a:effectLst/>
-      </p:bgPr>
-    </p:bg>
-    <p:spTree>
-      <p:nvGrpSpPr>
-        <p:cNvPr id="1" name=""/>
-        <p:cNvGrpSpPr/>
-        <p:nvPr/>
-      </p:nvGrpSpPr>
-      <p:grpSpPr>
-        <a:xfrm>
-          <a:off x="0" y="0"/>
-          <a:ext cx="0" cy="0"/>
-          <a:chOff x="0" y="0"/>
-          <a:chExt cx="0" cy="0"/>
-        </a:xfrm>
-      </p:grpSpPr>
-      <p:sp useBgFill="1">
-        <p:nvSpPr>
-          <p:cNvPr id="9" name="Rectangle 8">
-            <a:extLst>
-              <a:ext uri="{FF2B5EF4-FFF2-40B4-BE49-F238E27FC236}">
-                <a16:creationId xmlns:a16="http://schemas.microsoft.com/office/drawing/2014/main" id="{BACC6370-2D7E-4714-9D71-7542949D7D5D}"/>
-              </a:ext>
-              <a:ext uri="{C183D7F6-B498-43B3-948B-1728B52AA6E4}">
-                <adec:decorative xmlns:adec="http://schemas.microsoft.com/office/drawing/2017/decorative" val="1"/>
-              </a:ext>
-            </a:extLst>
-          </p:cNvPr>
-          <p:cNvSpPr>
-            <a:spLocks noGrp="1" noRot="1" noChangeAspect="1" noMove="1" noResize="1" noEditPoints="1" noAdjustHandles="1" noChangeArrowheads="1" noChangeShapeType="1" noTextEdit="1"/>
-          </p:cNvSpPr>
-          <p:nvPr>
-            <p:extLst>
-              <p:ext uri="{386F3935-93C4-4BCD-93E2-E3B085C9AB24}">
-                <p16:designElem xmlns:p16="http://schemas.microsoft.com/office/powerpoint/2015/main" val="1"/>
-              </p:ext>
-            </p:extLst>
-          </p:nvPr>
-        </p:nvSpPr>
-        <p:spPr>
-          <a:xfrm>
-            <a:off x="0" y="0"/>
-            <a:ext cx="12192000" cy="6858000"/>
-          </a:xfrm>
-          <a:prstGeom prst="rect">
-            <a:avLst/>
-          </a:prstGeom>
-          <a:ln w="12700" cap="flat" cmpd="sng" algn="ctr">
-            <a:noFill/>
-            <a:prstDash val="solid"/>
-            <a:miter lim="800000"/>
-          </a:ln>
-          <a:effectLst/>
-          <a:extLst>
-            <a:ext uri="{91240B29-F687-4F45-9708-019B960494DF}">
-              <a14:hiddenLine xmlns:a14="http://schemas.microsoft.com/office/drawing/2010/main" w="12700" cap="flat" cmpd="sng" algn="ctr">
-                <a:solidFill>
-                  <a:schemeClr val="accent1">
-                    <a:shade val="50000"/>
-                  </a:schemeClr>
-                </a:solidFill>
-                <a:prstDash val="solid"/>
-                <a:miter lim="800000"/>
-              </a14:hiddenLine>
-            </a:ext>
-          </a:extLst>
-        </p:spPr>
-        <p:style>
-          <a:lnRef idx="2">
-            <a:schemeClr val="accent1">
-              <a:shade val="50000"/>
-            </a:schemeClr>
-          </a:lnRef>
-          <a:fillRef idx="1">
-            <a:schemeClr val="accent1"/>
-          </a:fillRef>
-          <a:effectRef idx="0">
-            <a:schemeClr val="accent1"/>
-          </a:effectRef>
-          <a:fontRef idx="minor">
-            <a:schemeClr val="lt1"/>
-          </a:fontRef>
-        </p:style>
-        <p:txBody>
-          <a:bodyPr rtlCol="0" anchor="ctr"/>
-          <a:lstStyle/>
-          <a:p>
-            <a:pPr algn="ctr"/>
-            <a:endParaRPr lang="en-US"/>
-          </a:p>
-        </p:txBody>
-      </p:sp>
-      <p:sp>
-        <p:nvSpPr>
-          <p:cNvPr id="11" name="Rectangle 10">
-            <a:extLst>
-              <a:ext uri="{FF2B5EF4-FFF2-40B4-BE49-F238E27FC236}">
-                <a16:creationId xmlns:a16="http://schemas.microsoft.com/office/drawing/2014/main" id="{F68B3F68-107C-434F-AA38-110D5EA91B85}"/>
-              </a:ext>
-              <a:ext uri="{C183D7F6-B498-43B3-948B-1728B52AA6E4}">
-                <adec:decorative xmlns:adec="http://schemas.microsoft.com/office/drawing/2017/decorative" val="1"/>
-              </a:ext>
-            </a:extLst>
-          </p:cNvPr>
-          <p:cNvSpPr>
-            <a:spLocks noGrp="1" noRot="1" noChangeAspect="1" noMove="1" noResize="1" noEditPoints="1" noAdjustHandles="1" noChangeArrowheads="1" noChangeShapeType="1" noTextEdit="1"/>
-          </p:cNvSpPr>
-          <p:nvPr>
-            <p:extLst>
-              <p:ext uri="{386F3935-93C4-4BCD-93E2-E3B085C9AB24}">
-                <p16:designElem xmlns:p16="http://schemas.microsoft.com/office/powerpoint/2015/main" val="1"/>
-              </p:ext>
-            </p:extLst>
-          </p:nvPr>
-        </p:nvSpPr>
-        <p:spPr>
-          <a:xfrm flipH="1">
-            <a:off x="2" y="0"/>
-            <a:ext cx="12191998" cy="1575955"/>
-          </a:xfrm>
-          <a:prstGeom prst="rect">
-            <a:avLst/>
-          </a:prstGeom>
-          <a:gradFill>
-            <a:gsLst>
-              <a:gs pos="0">
-                <a:srgbClr val="000000">
-                  <a:alpha val="96000"/>
-                </a:srgbClr>
-              </a:gs>
-              <a:gs pos="100000">
-                <a:schemeClr val="accent1">
-                  <a:lumMod val="75000"/>
-                </a:schemeClr>
-              </a:gs>
-            </a:gsLst>
-            <a:lin ang="8400000" scaled="0"/>
-          </a:gradFill>
-          <a:ln>
-            <a:noFill/>
-          </a:ln>
-        </p:spPr>
-        <p:style>
-          <a:lnRef idx="2">
-            <a:schemeClr val="accent1">
-              <a:shade val="50000"/>
-            </a:schemeClr>
-          </a:lnRef>
-          <a:fillRef idx="1">
-            <a:schemeClr val="accent1"/>
-          </a:fillRef>
-          <a:effectRef idx="0">
-            <a:schemeClr val="accent1"/>
-          </a:effectRef>
-          <a:fontRef idx="minor">
-            <a:schemeClr val="lt1"/>
-          </a:fontRef>
-        </p:style>
-        <p:txBody>
-          <a:bodyPr rtlCol="0" anchor="ctr"/>
-          <a:lstStyle/>
-          <a:p>
-            <a:pPr algn="ctr"/>
-            <a:endParaRPr lang="en-US"/>
-          </a:p>
-        </p:txBody>
-      </p:sp>
-      <p:sp>
-        <p:nvSpPr>
-          <p:cNvPr id="13" name="Rectangle 12">
-            <a:extLst>
-              <a:ext uri="{FF2B5EF4-FFF2-40B4-BE49-F238E27FC236}">
-                <a16:creationId xmlns:a16="http://schemas.microsoft.com/office/drawing/2014/main" id="{AAD0DBB9-1A4B-4391-81D4-CB19F9AB918A}"/>
-              </a:ext>
-              <a:ext uri="{C183D7F6-B498-43B3-948B-1728B52AA6E4}">
-                <adec:decorative xmlns:adec="http://schemas.microsoft.com/office/drawing/2017/decorative" val="1"/>
-              </a:ext>
-            </a:extLst>
-          </p:cNvPr>
-          <p:cNvSpPr>
-            <a:spLocks noGrp="1" noRot="1" noChangeAspect="1" noMove="1" noResize="1" noEditPoints="1" noAdjustHandles="1" noChangeArrowheads="1" noChangeShapeType="1" noTextEdit="1"/>
-          </p:cNvSpPr>
-          <p:nvPr>
-            <p:extLst>
-              <p:ext uri="{386F3935-93C4-4BCD-93E2-E3B085C9AB24}">
-                <p16:designElem xmlns:p16="http://schemas.microsoft.com/office/powerpoint/2015/main" val="1"/>
-              </p:ext>
-            </p:extLst>
-          </p:nvPr>
-        </p:nvSpPr>
-        <p:spPr>
-          <a:xfrm rot="10800000" flipH="1">
-            <a:off x="8128857" y="0"/>
-            <a:ext cx="4063143" cy="1576412"/>
-          </a:xfrm>
-          <a:prstGeom prst="rect">
-            <a:avLst/>
-          </a:prstGeom>
-          <a:gradFill>
-            <a:gsLst>
-              <a:gs pos="19000">
-                <a:schemeClr val="accent1">
-                  <a:lumMod val="50000"/>
-                  <a:alpha val="68000"/>
-                </a:schemeClr>
-              </a:gs>
-              <a:gs pos="100000">
-                <a:schemeClr val="accent1">
-                  <a:alpha val="79000"/>
-                </a:schemeClr>
-              </a:gs>
-            </a:gsLst>
-            <a:lin ang="19200000" scaled="0"/>
-          </a:gradFill>
-          <a:ln>
-            <a:noFill/>
-          </a:ln>
-        </p:spPr>
-        <p:style>
-          <a:lnRef idx="2">
-            <a:schemeClr val="accent1">
-              <a:shade val="50000"/>
-            </a:schemeClr>
-          </a:lnRef>
-          <a:fillRef idx="1">
-            <a:schemeClr val="accent1"/>
-          </a:fillRef>
-          <a:effectRef idx="0">
-            <a:schemeClr val="accent1"/>
-          </a:effectRef>
-          <a:fontRef idx="minor">
-            <a:schemeClr val="lt1"/>
-          </a:fontRef>
-        </p:style>
-        <p:txBody>
-          <a:bodyPr rtlCol="0" anchor="ctr"/>
-          <a:lstStyle/>
-          <a:p>
-            <a:pPr algn="ctr"/>
-            <a:endParaRPr lang="en-US"/>
-          </a:p>
-        </p:txBody>
-      </p:sp>
-      <p:sp>
-        <p:nvSpPr>
-          <p:cNvPr id="15" name="Rectangle 14">
-            <a:extLst>
-              <a:ext uri="{FF2B5EF4-FFF2-40B4-BE49-F238E27FC236}">
-                <a16:creationId xmlns:a16="http://schemas.microsoft.com/office/drawing/2014/main" id="{063BBA22-50EA-4C4D-BE05-F1CE4E63AA56}"/>
-              </a:ext>
-              <a:ext uri="{C183D7F6-B498-43B3-948B-1728B52AA6E4}">
-                <adec:decorative xmlns:adec="http://schemas.microsoft.com/office/drawing/2017/decorative" val="1"/>
-              </a:ext>
-            </a:extLst>
-          </p:cNvPr>
-          <p:cNvSpPr>
-            <a:spLocks noGrp="1" noRot="1" noChangeAspect="1" noMove="1" noResize="1" noEditPoints="1" noAdjustHandles="1" noChangeArrowheads="1" noChangeShapeType="1" noTextEdit="1"/>
-          </p:cNvSpPr>
-          <p:nvPr>
-            <p:extLst>
-              <p:ext uri="{386F3935-93C4-4BCD-93E2-E3B085C9AB24}">
-                <p16:designElem xmlns:p16="http://schemas.microsoft.com/office/powerpoint/2015/main" val="1"/>
-              </p:ext>
-            </p:extLst>
-          </p:nvPr>
-        </p:nvSpPr>
-        <p:spPr>
-          <a:xfrm rot="5400000">
-            <a:off x="5307777" y="-5307778"/>
-            <a:ext cx="1576446" cy="12192002"/>
-          </a:xfrm>
-          <a:prstGeom prst="rect">
-            <a:avLst/>
-          </a:prstGeom>
-          <a:gradFill>
-            <a:gsLst>
-              <a:gs pos="23000">
-                <a:schemeClr val="accent1">
-                  <a:alpha val="0"/>
-                </a:schemeClr>
-              </a:gs>
-              <a:gs pos="99000">
-                <a:srgbClr val="000000">
-                  <a:alpha val="74000"/>
-                </a:srgbClr>
-              </a:gs>
-            </a:gsLst>
-            <a:lin ang="20400000" scaled="0"/>
-          </a:gradFill>
-          <a:ln>
-            <a:noFill/>
-          </a:ln>
-        </p:spPr>
-        <p:style>
-          <a:lnRef idx="2">
-            <a:schemeClr val="accent1">
-              <a:shade val="50000"/>
-            </a:schemeClr>
-          </a:lnRef>
-          <a:fillRef idx="1">
-            <a:schemeClr val="accent1"/>
-          </a:fillRef>
-          <a:effectRef idx="0">
-            <a:schemeClr val="accent1"/>
-          </a:effectRef>
-          <a:fontRef idx="minor">
-            <a:schemeClr val="lt1"/>
-          </a:fontRef>
-        </p:style>
-        <p:txBody>
-          <a:bodyPr rtlCol="0" anchor="ctr"/>
-          <a:lstStyle/>
-          <a:p>
-            <a:pPr algn="ctr"/>
-            <a:endParaRPr lang="en-US" dirty="0"/>
-          </a:p>
-        </p:txBody>
-      </p:sp>
-      <p:sp>
-        <p:nvSpPr>
-          <p:cNvPr id="2" name="Title 1">
-            <a:extLst>
-              <a:ext uri="{FF2B5EF4-FFF2-40B4-BE49-F238E27FC236}">
-                <a16:creationId xmlns:a16="http://schemas.microsoft.com/office/drawing/2014/main" id="{CA2249BF-3E05-DA03-4D06-BAFE954AEBA1}"/>
-              </a:ext>
-            </a:extLst>
-          </p:cNvPr>
-          <p:cNvSpPr>
-            <a:spLocks noGrp="1"/>
-          </p:cNvSpPr>
-          <p:nvPr>
-            <p:ph type="title"/>
-          </p:nvPr>
-        </p:nvSpPr>
-        <p:spPr>
-          <a:xfrm>
-            <a:off x="1371597" y="348865"/>
-            <a:ext cx="10044023" cy="877729"/>
-          </a:xfrm>
-        </p:spPr>
-        <p:txBody>
-          <a:bodyPr anchor="ctr">
-            <a:normAutofit/>
-          </a:bodyPr>
-          <a:lstStyle/>
-          <a:p>
-            <a:r>
-              <a:rPr lang="en-US" sz="4000">
-                <a:solidFill>
-                  <a:srgbClr val="FFFFFF"/>
-                </a:solidFill>
-              </a:rPr>
-              <a:t>Benefits</a:t>
-            </a:r>
-          </a:p>
-        </p:txBody>
-      </p:sp>
-      <p:graphicFrame>
-        <p:nvGraphicFramePr>
-          <p:cNvPr id="5" name="Content Placeholder 2">
-            <a:extLst>
-              <a:ext uri="{FF2B5EF4-FFF2-40B4-BE49-F238E27FC236}">
-                <a16:creationId xmlns:a16="http://schemas.microsoft.com/office/drawing/2014/main" id="{97BBA8B9-953F-1F2F-0A31-F6EB9574DC83}"/>
-              </a:ext>
-            </a:extLst>
-          </p:cNvPr>
-          <p:cNvGraphicFramePr>
-            <a:graphicFrameLocks noGrp="1"/>
-          </p:cNvGraphicFramePr>
-          <p:nvPr>
-            <p:ph idx="1"/>
-            <p:extLst>
-              <p:ext uri="{D42A27DB-BD31-4B8C-83A1-F6EECF244321}">
-                <p14:modId xmlns:p14="http://schemas.microsoft.com/office/powerpoint/2010/main" val="3274776402"/>
-              </p:ext>
-            </p:extLst>
-          </p:nvPr>
-        </p:nvGraphicFramePr>
-        <p:xfrm>
-          <a:off x="644056" y="2112579"/>
-          <a:ext cx="10927829" cy="4192805"/>
-        </p:xfrm>
-        <a:graphic>
-          <a:graphicData uri="http://schemas.openxmlformats.org/drawingml/2006/diagram">
-            <dgm:relIds xmlns:dgm="http://schemas.openxmlformats.org/drawingml/2006/diagram" xmlns:r="http://schemas.openxmlformats.org/officeDocument/2006/relationships" r:dm="rId2" r:lo="rId3" r:qs="rId4" r:cs="rId5"/>
-          </a:graphicData>
-        </a:graphic>
-      </p:graphicFrame>
-    </p:spTree>
-    <p:extLst>
-      <p:ext uri="{BB962C8B-B14F-4D97-AF65-F5344CB8AC3E}">
-        <p14:creationId xmlns:p14="http://schemas.microsoft.com/office/powerpoint/2010/main" val="371233242"/>
-      </p:ext>
-    </p:extLst>
-  </p:cSld>
-  <p:clrMapOvr>
-    <a:masterClrMapping/>
-  </p:clrMapOvr>
-</p:sld>
-</file>
-
-<file path=ppt/slides/slide5.xml><?xml version="1.0" encoding="utf-8"?>
 <p:sld xmlns:a="http://schemas.openxmlformats.org/drawingml/2006/main" xmlns:r="http://schemas.openxmlformats.org/officeDocument/2006/relationships" xmlns:p="http://schemas.openxmlformats.org/presentationml/2006/main">
   <p:cSld>
     <p:bg>
@@ -19708,6 +19657,416 @@
 </p:sld>
 </file>
 
+<file path=ppt/slides/slide5.xml><?xml version="1.0" encoding="utf-8"?>
+<p:sld xmlns:a="http://schemas.openxmlformats.org/drawingml/2006/main" xmlns:r="http://schemas.openxmlformats.org/officeDocument/2006/relationships" xmlns:p="http://schemas.openxmlformats.org/presentationml/2006/main">
+  <p:cSld>
+    <p:bg>
+      <p:bgPr>
+        <a:solidFill>
+          <a:schemeClr val="bg1"/>
+        </a:solidFill>
+        <a:effectLst/>
+      </p:bgPr>
+    </p:bg>
+    <p:spTree>
+      <p:nvGrpSpPr>
+        <p:cNvPr id="1" name=""/>
+        <p:cNvGrpSpPr/>
+        <p:nvPr/>
+      </p:nvGrpSpPr>
+      <p:grpSpPr>
+        <a:xfrm>
+          <a:off x="0" y="0"/>
+          <a:ext cx="0" cy="0"/>
+          <a:chOff x="0" y="0"/>
+          <a:chExt cx="0" cy="0"/>
+        </a:xfrm>
+      </p:grpSpPr>
+      <p:sp useBgFill="1">
+        <p:nvSpPr>
+          <p:cNvPr id="9" name="Rectangle 8">
+            <a:extLst>
+              <a:ext uri="{FF2B5EF4-FFF2-40B4-BE49-F238E27FC236}">
+                <a16:creationId xmlns:a16="http://schemas.microsoft.com/office/drawing/2014/main" id="{BACC6370-2D7E-4714-9D71-7542949D7D5D}"/>
+              </a:ext>
+              <a:ext uri="{C183D7F6-B498-43B3-948B-1728B52AA6E4}">
+                <adec:decorative xmlns:adec="http://schemas.microsoft.com/office/drawing/2017/decorative" val="1"/>
+              </a:ext>
+            </a:extLst>
+          </p:cNvPr>
+          <p:cNvSpPr>
+            <a:spLocks noGrp="1" noRot="1" noChangeAspect="1" noMove="1" noResize="1" noEditPoints="1" noAdjustHandles="1" noChangeArrowheads="1" noChangeShapeType="1" noTextEdit="1"/>
+          </p:cNvSpPr>
+          <p:nvPr>
+            <p:extLst>
+              <p:ext uri="{386F3935-93C4-4BCD-93E2-E3B085C9AB24}">
+                <p16:designElem xmlns:p16="http://schemas.microsoft.com/office/powerpoint/2015/main" val="1"/>
+              </p:ext>
+            </p:extLst>
+          </p:nvPr>
+        </p:nvSpPr>
+        <p:spPr>
+          <a:xfrm>
+            <a:off x="0" y="0"/>
+            <a:ext cx="12192000" cy="6858000"/>
+          </a:xfrm>
+          <a:prstGeom prst="rect">
+            <a:avLst/>
+          </a:prstGeom>
+          <a:ln w="12700" cap="flat" cmpd="sng" algn="ctr">
+            <a:noFill/>
+            <a:prstDash val="solid"/>
+            <a:miter lim="800000"/>
+          </a:ln>
+          <a:effectLst/>
+          <a:extLst>
+            <a:ext uri="{91240B29-F687-4F45-9708-019B960494DF}">
+              <a14:hiddenLine xmlns:a14="http://schemas.microsoft.com/office/drawing/2010/main" w="12700" cap="flat" cmpd="sng" algn="ctr">
+                <a:solidFill>
+                  <a:schemeClr val="accent1">
+                    <a:shade val="50000"/>
+                  </a:schemeClr>
+                </a:solidFill>
+                <a:prstDash val="solid"/>
+                <a:miter lim="800000"/>
+              </a14:hiddenLine>
+            </a:ext>
+          </a:extLst>
+        </p:spPr>
+        <p:style>
+          <a:lnRef idx="2">
+            <a:schemeClr val="accent1">
+              <a:shade val="50000"/>
+            </a:schemeClr>
+          </a:lnRef>
+          <a:fillRef idx="1">
+            <a:schemeClr val="accent1"/>
+          </a:fillRef>
+          <a:effectRef idx="0">
+            <a:schemeClr val="accent1"/>
+          </a:effectRef>
+          <a:fontRef idx="minor">
+            <a:schemeClr val="lt1"/>
+          </a:fontRef>
+        </p:style>
+        <p:txBody>
+          <a:bodyPr rtlCol="0" anchor="ctr"/>
+          <a:lstStyle/>
+          <a:p>
+            <a:pPr algn="ctr"/>
+            <a:endParaRPr lang="en-US"/>
+          </a:p>
+        </p:txBody>
+      </p:sp>
+      <p:sp>
+        <p:nvSpPr>
+          <p:cNvPr id="11" name="Rectangle 10">
+            <a:extLst>
+              <a:ext uri="{FF2B5EF4-FFF2-40B4-BE49-F238E27FC236}">
+                <a16:creationId xmlns:a16="http://schemas.microsoft.com/office/drawing/2014/main" id="{F68B3F68-107C-434F-AA38-110D5EA91B85}"/>
+              </a:ext>
+              <a:ext uri="{C183D7F6-B498-43B3-948B-1728B52AA6E4}">
+                <adec:decorative xmlns:adec="http://schemas.microsoft.com/office/drawing/2017/decorative" val="1"/>
+              </a:ext>
+            </a:extLst>
+          </p:cNvPr>
+          <p:cNvSpPr>
+            <a:spLocks noGrp="1" noRot="1" noChangeAspect="1" noMove="1" noResize="1" noEditPoints="1" noAdjustHandles="1" noChangeArrowheads="1" noChangeShapeType="1" noTextEdit="1"/>
+          </p:cNvSpPr>
+          <p:nvPr>
+            <p:extLst>
+              <p:ext uri="{386F3935-93C4-4BCD-93E2-E3B085C9AB24}">
+                <p16:designElem xmlns:p16="http://schemas.microsoft.com/office/powerpoint/2015/main" val="1"/>
+              </p:ext>
+            </p:extLst>
+          </p:nvPr>
+        </p:nvSpPr>
+        <p:spPr>
+          <a:xfrm flipH="1">
+            <a:off x="2" y="0"/>
+            <a:ext cx="12191998" cy="1575955"/>
+          </a:xfrm>
+          <a:prstGeom prst="rect">
+            <a:avLst/>
+          </a:prstGeom>
+          <a:gradFill>
+            <a:gsLst>
+              <a:gs pos="0">
+                <a:srgbClr val="000000">
+                  <a:alpha val="96000"/>
+                </a:srgbClr>
+              </a:gs>
+              <a:gs pos="100000">
+                <a:schemeClr val="accent1">
+                  <a:lumMod val="75000"/>
+                </a:schemeClr>
+              </a:gs>
+            </a:gsLst>
+            <a:lin ang="8400000" scaled="0"/>
+          </a:gradFill>
+          <a:ln>
+            <a:noFill/>
+          </a:ln>
+        </p:spPr>
+        <p:style>
+          <a:lnRef idx="2">
+            <a:schemeClr val="accent1">
+              <a:shade val="50000"/>
+            </a:schemeClr>
+          </a:lnRef>
+          <a:fillRef idx="1">
+            <a:schemeClr val="accent1"/>
+          </a:fillRef>
+          <a:effectRef idx="0">
+            <a:schemeClr val="accent1"/>
+          </a:effectRef>
+          <a:fontRef idx="minor">
+            <a:schemeClr val="lt1"/>
+          </a:fontRef>
+        </p:style>
+        <p:txBody>
+          <a:bodyPr rtlCol="0" anchor="ctr"/>
+          <a:lstStyle/>
+          <a:p>
+            <a:pPr algn="ctr"/>
+            <a:endParaRPr lang="en-US"/>
+          </a:p>
+        </p:txBody>
+      </p:sp>
+      <p:sp>
+        <p:nvSpPr>
+          <p:cNvPr id="13" name="Rectangle 12">
+            <a:extLst>
+              <a:ext uri="{FF2B5EF4-FFF2-40B4-BE49-F238E27FC236}">
+                <a16:creationId xmlns:a16="http://schemas.microsoft.com/office/drawing/2014/main" id="{AAD0DBB9-1A4B-4391-81D4-CB19F9AB918A}"/>
+              </a:ext>
+              <a:ext uri="{C183D7F6-B498-43B3-948B-1728B52AA6E4}">
+                <adec:decorative xmlns:adec="http://schemas.microsoft.com/office/drawing/2017/decorative" val="1"/>
+              </a:ext>
+            </a:extLst>
+          </p:cNvPr>
+          <p:cNvSpPr>
+            <a:spLocks noGrp="1" noRot="1" noChangeAspect="1" noMove="1" noResize="1" noEditPoints="1" noAdjustHandles="1" noChangeArrowheads="1" noChangeShapeType="1" noTextEdit="1"/>
+          </p:cNvSpPr>
+          <p:nvPr>
+            <p:extLst>
+              <p:ext uri="{386F3935-93C4-4BCD-93E2-E3B085C9AB24}">
+                <p16:designElem xmlns:p16="http://schemas.microsoft.com/office/powerpoint/2015/main" val="1"/>
+              </p:ext>
+            </p:extLst>
+          </p:nvPr>
+        </p:nvSpPr>
+        <p:spPr>
+          <a:xfrm rot="10800000" flipH="1">
+            <a:off x="8128857" y="0"/>
+            <a:ext cx="4063143" cy="1576412"/>
+          </a:xfrm>
+          <a:prstGeom prst="rect">
+            <a:avLst/>
+          </a:prstGeom>
+          <a:gradFill>
+            <a:gsLst>
+              <a:gs pos="19000">
+                <a:schemeClr val="accent1">
+                  <a:lumMod val="50000"/>
+                  <a:alpha val="68000"/>
+                </a:schemeClr>
+              </a:gs>
+              <a:gs pos="100000">
+                <a:schemeClr val="accent1">
+                  <a:alpha val="79000"/>
+                </a:schemeClr>
+              </a:gs>
+            </a:gsLst>
+            <a:lin ang="19200000" scaled="0"/>
+          </a:gradFill>
+          <a:ln>
+            <a:noFill/>
+          </a:ln>
+        </p:spPr>
+        <p:style>
+          <a:lnRef idx="2">
+            <a:schemeClr val="accent1">
+              <a:shade val="50000"/>
+            </a:schemeClr>
+          </a:lnRef>
+          <a:fillRef idx="1">
+            <a:schemeClr val="accent1"/>
+          </a:fillRef>
+          <a:effectRef idx="0">
+            <a:schemeClr val="accent1"/>
+          </a:effectRef>
+          <a:fontRef idx="minor">
+            <a:schemeClr val="lt1"/>
+          </a:fontRef>
+        </p:style>
+        <p:txBody>
+          <a:bodyPr rtlCol="0" anchor="ctr"/>
+          <a:lstStyle/>
+          <a:p>
+            <a:pPr algn="ctr"/>
+            <a:endParaRPr lang="en-US"/>
+          </a:p>
+        </p:txBody>
+      </p:sp>
+      <p:sp>
+        <p:nvSpPr>
+          <p:cNvPr id="15" name="Rectangle 14">
+            <a:extLst>
+              <a:ext uri="{FF2B5EF4-FFF2-40B4-BE49-F238E27FC236}">
+                <a16:creationId xmlns:a16="http://schemas.microsoft.com/office/drawing/2014/main" id="{063BBA22-50EA-4C4D-BE05-F1CE4E63AA56}"/>
+              </a:ext>
+              <a:ext uri="{C183D7F6-B498-43B3-948B-1728B52AA6E4}">
+                <adec:decorative xmlns:adec="http://schemas.microsoft.com/office/drawing/2017/decorative" val="1"/>
+              </a:ext>
+            </a:extLst>
+          </p:cNvPr>
+          <p:cNvSpPr>
+            <a:spLocks noGrp="1" noRot="1" noChangeAspect="1" noMove="1" noResize="1" noEditPoints="1" noAdjustHandles="1" noChangeArrowheads="1" noChangeShapeType="1" noTextEdit="1"/>
+          </p:cNvSpPr>
+          <p:nvPr>
+            <p:extLst>
+              <p:ext uri="{386F3935-93C4-4BCD-93E2-E3B085C9AB24}">
+                <p16:designElem xmlns:p16="http://schemas.microsoft.com/office/powerpoint/2015/main" val="1"/>
+              </p:ext>
+            </p:extLst>
+          </p:nvPr>
+        </p:nvSpPr>
+        <p:spPr>
+          <a:xfrm rot="5400000">
+            <a:off x="5307777" y="-5307778"/>
+            <a:ext cx="1576446" cy="12192002"/>
+          </a:xfrm>
+          <a:prstGeom prst="rect">
+            <a:avLst/>
+          </a:prstGeom>
+          <a:gradFill>
+            <a:gsLst>
+              <a:gs pos="23000">
+                <a:schemeClr val="accent1">
+                  <a:alpha val="0"/>
+                </a:schemeClr>
+              </a:gs>
+              <a:gs pos="99000">
+                <a:srgbClr val="000000">
+                  <a:alpha val="74000"/>
+                </a:srgbClr>
+              </a:gs>
+            </a:gsLst>
+            <a:lin ang="20400000" scaled="0"/>
+          </a:gradFill>
+          <a:ln>
+            <a:noFill/>
+          </a:ln>
+        </p:spPr>
+        <p:style>
+          <a:lnRef idx="2">
+            <a:schemeClr val="accent1">
+              <a:shade val="50000"/>
+            </a:schemeClr>
+          </a:lnRef>
+          <a:fillRef idx="1">
+            <a:schemeClr val="accent1"/>
+          </a:fillRef>
+          <a:effectRef idx="0">
+            <a:schemeClr val="accent1"/>
+          </a:effectRef>
+          <a:fontRef idx="minor">
+            <a:schemeClr val="lt1"/>
+          </a:fontRef>
+        </p:style>
+        <p:txBody>
+          <a:bodyPr rtlCol="0" anchor="ctr"/>
+          <a:lstStyle/>
+          <a:p>
+            <a:pPr algn="ctr"/>
+            <a:endParaRPr lang="en-US" dirty="0"/>
+          </a:p>
+        </p:txBody>
+      </p:sp>
+      <p:sp>
+        <p:nvSpPr>
+          <p:cNvPr id="2" name="Title 1">
+            <a:extLst>
+              <a:ext uri="{FF2B5EF4-FFF2-40B4-BE49-F238E27FC236}">
+                <a16:creationId xmlns:a16="http://schemas.microsoft.com/office/drawing/2014/main" id="{CA2249BF-3E05-DA03-4D06-BAFE954AEBA1}"/>
+              </a:ext>
+            </a:extLst>
+          </p:cNvPr>
+          <p:cNvSpPr>
+            <a:spLocks noGrp="1"/>
+          </p:cNvSpPr>
+          <p:nvPr>
+            <p:ph type="title"/>
+          </p:nvPr>
+        </p:nvSpPr>
+        <p:spPr>
+          <a:xfrm>
+            <a:off x="1371597" y="348865"/>
+            <a:ext cx="10044023" cy="877729"/>
+          </a:xfrm>
+        </p:spPr>
+        <p:txBody>
+          <a:bodyPr anchor="ctr">
+            <a:normAutofit/>
+          </a:bodyPr>
+          <a:lstStyle/>
+          <a:p>
+            <a:r>
+              <a:rPr lang="en-US" sz="4000">
+                <a:solidFill>
+                  <a:srgbClr val="FFFFFF"/>
+                </a:solidFill>
+              </a:rPr>
+              <a:t>Benefits</a:t>
+            </a:r>
+          </a:p>
+        </p:txBody>
+      </p:sp>
+      <p:graphicFrame>
+        <p:nvGraphicFramePr>
+          <p:cNvPr id="5" name="Content Placeholder 2">
+            <a:extLst>
+              <a:ext uri="{FF2B5EF4-FFF2-40B4-BE49-F238E27FC236}">
+                <a16:creationId xmlns:a16="http://schemas.microsoft.com/office/drawing/2014/main" id="{97BBA8B9-953F-1F2F-0A31-F6EB9574DC83}"/>
+              </a:ext>
+            </a:extLst>
+          </p:cNvPr>
+          <p:cNvGraphicFramePr>
+            <a:graphicFrameLocks noGrp="1"/>
+          </p:cNvGraphicFramePr>
+          <p:nvPr>
+            <p:ph idx="1"/>
+            <p:extLst>
+              <p:ext uri="{D42A27DB-BD31-4B8C-83A1-F6EECF244321}">
+                <p14:modId xmlns:p14="http://schemas.microsoft.com/office/powerpoint/2010/main" val="476896968"/>
+              </p:ext>
+            </p:extLst>
+          </p:nvPr>
+        </p:nvGraphicFramePr>
+        <p:xfrm>
+          <a:off x="644056" y="2112579"/>
+          <a:ext cx="10927829" cy="4192805"/>
+        </p:xfrm>
+        <a:graphic>
+          <a:graphicData uri="http://schemas.openxmlformats.org/drawingml/2006/diagram">
+            <dgm:relIds xmlns:dgm="http://schemas.openxmlformats.org/drawingml/2006/diagram" xmlns:r="http://schemas.openxmlformats.org/officeDocument/2006/relationships" r:dm="rId3" r:lo="rId4" r:qs="rId5" r:cs="rId6"/>
+          </a:graphicData>
+        </a:graphic>
+      </p:graphicFrame>
+    </p:spTree>
+    <p:extLst>
+      <p:ext uri="{BB962C8B-B14F-4D97-AF65-F5344CB8AC3E}">
+        <p14:creationId xmlns:p14="http://schemas.microsoft.com/office/powerpoint/2010/main" val="371233242"/>
+      </p:ext>
+    </p:extLst>
+  </p:cSld>
+  <p:clrMapOvr>
+    <a:masterClrMapping/>
+  </p:clrMapOvr>
+</p:sld>
+</file>
+
 <file path=ppt/slides/slide6.xml><?xml version="1.0" encoding="utf-8"?>
 <p:sld xmlns:a="http://schemas.openxmlformats.org/drawingml/2006/main" xmlns:r="http://schemas.openxmlformats.org/officeDocument/2006/relationships" xmlns:p="http://schemas.openxmlformats.org/presentationml/2006/main">
   <p:cSld>

--- a/Presentation.pptx
+++ b/Presentation.pptx
@@ -4761,9 +4761,10 @@
             <a:defRPr b="1"/>
           </a:pPr>
           <a:r>
-            <a:rPr lang="en-US" dirty="0"/>
+            <a:rPr lang="en-US"/>
             <a:t>Create temporary and reproducible container for each PR</a:t>
           </a:r>
+          <a:endParaRPr lang="en-US" dirty="0"/>
         </a:p>
       </dgm:t>
     </dgm:pt>
@@ -4803,9 +4804,10 @@
             <a:defRPr b="1"/>
           </a:pPr>
           <a:r>
-            <a:rPr lang="en-US" dirty="0"/>
+            <a:rPr lang="en-US"/>
             <a:t>Assign multiple PR approvers to allow peer reviews</a:t>
           </a:r>
+          <a:endParaRPr lang="en-US" dirty="0"/>
         </a:p>
       </dgm:t>
     </dgm:pt>
@@ -4845,9 +4847,10 @@
             <a:defRPr b="1"/>
           </a:pPr>
           <a:r>
-            <a:rPr lang="en-US" dirty="0"/>
-            <a:t>Separate pipelines for feature different test</a:t>
+            <a:rPr lang="en-US"/>
+            <a:t>Separate pipelines for different tests</a:t>
           </a:r>
+          <a:endParaRPr lang="en-US" dirty="0"/>
         </a:p>
       </dgm:t>
     </dgm:pt>
@@ -4887,9 +4890,10 @@
             <a:defRPr b="1"/>
           </a:pPr>
           <a:r>
-            <a:rPr lang="en-GB" dirty="0"/>
+            <a:rPr lang="en-GB"/>
             <a:t>Monitor performance and address issues post-deployments</a:t>
           </a:r>
+          <a:endParaRPr lang="en-GB" dirty="0"/>
         </a:p>
       </dgm:t>
     </dgm:pt>
@@ -4915,6 +4919,49 @@
         </a:p>
       </dgm:t>
     </dgm:pt>
+    <dgm:pt modelId="{E2DB945A-DAE6-AF49-A8EB-54514A306EB2}">
+      <dgm:prSet/>
+      <dgm:spPr/>
+      <dgm:t>
+        <a:bodyPr/>
+        <a:lstStyle/>
+        <a:p>
+          <a:pPr>
+            <a:lnSpc>
+              <a:spcPct val="100000"/>
+            </a:lnSpc>
+            <a:defRPr b="1"/>
+          </a:pPr>
+          <a:r>
+            <a:rPr lang="en-GB"/>
+            <a:t>Users should be grouped to manage access</a:t>
+          </a:r>
+          <a:endParaRPr lang="en-GB" dirty="0"/>
+        </a:p>
+      </dgm:t>
+    </dgm:pt>
+    <dgm:pt modelId="{AD300A7A-B3DD-C24E-BBBA-C38840C10538}" type="parTrans" cxnId="{A4849F05-2F10-CE4E-9E3E-D3CC73C19329}">
+      <dgm:prSet/>
+      <dgm:spPr/>
+      <dgm:t>
+        <a:bodyPr/>
+        <a:lstStyle/>
+        <a:p>
+          <a:endParaRPr lang="en-GB"/>
+        </a:p>
+      </dgm:t>
+    </dgm:pt>
+    <dgm:pt modelId="{46B6AF33-1D1B-B441-869C-A54C2B59B455}" type="sibTrans" cxnId="{A4849F05-2F10-CE4E-9E3E-D3CC73C19329}">
+      <dgm:prSet/>
+      <dgm:spPr/>
+      <dgm:t>
+        <a:bodyPr/>
+        <a:lstStyle/>
+        <a:p>
+          <a:endParaRPr lang="en-GB"/>
+        </a:p>
+      </dgm:t>
+    </dgm:pt>
     <dgm:pt modelId="{F9F44BD6-510C-49B3-82D8-7F0C9840FCED}" type="pres">
       <dgm:prSet presAssocID="{1543B059-F5EE-42EC-92CF-725EF9D46358}" presName="root" presStyleCnt="0">
         <dgm:presLayoutVars>
@@ -4929,7 +4976,7 @@
       <dgm:spPr/>
     </dgm:pt>
     <dgm:pt modelId="{478FF3E9-1BC4-4412-AAFB-C58B769B4E68}" type="pres">
-      <dgm:prSet presAssocID="{C5980CAA-EA71-4A15-85B5-AFE6073498A3}" presName="iconRect" presStyleLbl="node1" presStyleIdx="0" presStyleCnt="4"/>
+      <dgm:prSet presAssocID="{C5980CAA-EA71-4A15-85B5-AFE6073498A3}" presName="iconRect" presStyleLbl="node1" presStyleIdx="0" presStyleCnt="5"/>
       <dgm:spPr>
         <a:blipFill>
           <a:blip xmlns:r="http://schemas.openxmlformats.org/officeDocument/2006/relationships" r:embed="rId1">
@@ -4958,7 +5005,7 @@
       <dgm:spPr/>
     </dgm:pt>
     <dgm:pt modelId="{229ACD7B-EE85-4F56-A26B-70825274C3A1}" type="pres">
-      <dgm:prSet presAssocID="{C5980CAA-EA71-4A15-85B5-AFE6073498A3}" presName="parTx" presStyleLbl="revTx" presStyleIdx="0" presStyleCnt="8">
+      <dgm:prSet presAssocID="{C5980CAA-EA71-4A15-85B5-AFE6073498A3}" presName="parTx" presStyleLbl="revTx" presStyleIdx="0" presStyleCnt="10">
         <dgm:presLayoutVars>
           <dgm:chMax val="0"/>
           <dgm:chPref val="0"/>
@@ -4971,7 +5018,7 @@
       <dgm:spPr/>
     </dgm:pt>
     <dgm:pt modelId="{13F1B88F-3E61-40A7-842B-FFD7C4596B87}" type="pres">
-      <dgm:prSet presAssocID="{C5980CAA-EA71-4A15-85B5-AFE6073498A3}" presName="desTx" presStyleLbl="revTx" presStyleIdx="1" presStyleCnt="8">
+      <dgm:prSet presAssocID="{C5980CAA-EA71-4A15-85B5-AFE6073498A3}" presName="desTx" presStyleLbl="revTx" presStyleIdx="1" presStyleCnt="10">
         <dgm:presLayoutVars/>
       </dgm:prSet>
       <dgm:spPr/>
@@ -4985,7 +5032,7 @@
       <dgm:spPr/>
     </dgm:pt>
     <dgm:pt modelId="{8DC71DAD-2CF0-43F2-BF11-414D403EB9C2}" type="pres">
-      <dgm:prSet presAssocID="{FFE500AA-5786-4977-AED2-ECC753EFD117}" presName="iconRect" presStyleLbl="node1" presStyleIdx="1" presStyleCnt="4"/>
+      <dgm:prSet presAssocID="{FFE500AA-5786-4977-AED2-ECC753EFD117}" presName="iconRect" presStyleLbl="node1" presStyleIdx="1" presStyleCnt="5"/>
       <dgm:spPr>
         <a:blipFill>
           <a:blip xmlns:r="http://schemas.openxmlformats.org/officeDocument/2006/relationships" r:embed="rId3">
@@ -5014,7 +5061,7 @@
       <dgm:spPr/>
     </dgm:pt>
     <dgm:pt modelId="{304B654E-AEEA-4211-88DD-DDAEA1524D4E}" type="pres">
-      <dgm:prSet presAssocID="{FFE500AA-5786-4977-AED2-ECC753EFD117}" presName="parTx" presStyleLbl="revTx" presStyleIdx="2" presStyleCnt="8">
+      <dgm:prSet presAssocID="{FFE500AA-5786-4977-AED2-ECC753EFD117}" presName="parTx" presStyleLbl="revTx" presStyleIdx="2" presStyleCnt="10">
         <dgm:presLayoutVars>
           <dgm:chMax val="0"/>
           <dgm:chPref val="0"/>
@@ -5027,7 +5074,7 @@
       <dgm:spPr/>
     </dgm:pt>
     <dgm:pt modelId="{39D620B7-5BAB-4991-8626-26A41201B5CF}" type="pres">
-      <dgm:prSet presAssocID="{FFE500AA-5786-4977-AED2-ECC753EFD117}" presName="desTx" presStyleLbl="revTx" presStyleIdx="3" presStyleCnt="8">
+      <dgm:prSet presAssocID="{FFE500AA-5786-4977-AED2-ECC753EFD117}" presName="desTx" presStyleLbl="revTx" presStyleIdx="3" presStyleCnt="10">
         <dgm:presLayoutVars/>
       </dgm:prSet>
       <dgm:spPr/>
@@ -5041,7 +5088,7 @@
       <dgm:spPr/>
     </dgm:pt>
     <dgm:pt modelId="{954ACD82-46B6-4852-B564-DDC2F6099ABA}" type="pres">
-      <dgm:prSet presAssocID="{F0713754-C009-4AD6-9BE3-D54621ED8124}" presName="iconRect" presStyleLbl="node1" presStyleIdx="2" presStyleCnt="4"/>
+      <dgm:prSet presAssocID="{F0713754-C009-4AD6-9BE3-D54621ED8124}" presName="iconRect" presStyleLbl="node1" presStyleIdx="2" presStyleCnt="5"/>
       <dgm:spPr>
         <a:blipFill>
           <a:blip xmlns:r="http://schemas.openxmlformats.org/officeDocument/2006/relationships" r:embed="rId5">
@@ -5070,7 +5117,7 @@
       <dgm:spPr/>
     </dgm:pt>
     <dgm:pt modelId="{2E90175F-75A5-4405-9AFC-59C9C568DE13}" type="pres">
-      <dgm:prSet presAssocID="{F0713754-C009-4AD6-9BE3-D54621ED8124}" presName="parTx" presStyleLbl="revTx" presStyleIdx="4" presStyleCnt="8">
+      <dgm:prSet presAssocID="{F0713754-C009-4AD6-9BE3-D54621ED8124}" presName="parTx" presStyleLbl="revTx" presStyleIdx="4" presStyleCnt="10">
         <dgm:presLayoutVars>
           <dgm:chMax val="0"/>
           <dgm:chPref val="0"/>
@@ -5083,7 +5130,7 @@
       <dgm:spPr/>
     </dgm:pt>
     <dgm:pt modelId="{B0A24FBF-B9AE-42E3-9383-EF72B3F1D5B3}" type="pres">
-      <dgm:prSet presAssocID="{F0713754-C009-4AD6-9BE3-D54621ED8124}" presName="desTx" presStyleLbl="revTx" presStyleIdx="5" presStyleCnt="8">
+      <dgm:prSet presAssocID="{F0713754-C009-4AD6-9BE3-D54621ED8124}" presName="desTx" presStyleLbl="revTx" presStyleIdx="5" presStyleCnt="10">
         <dgm:presLayoutVars/>
       </dgm:prSet>
       <dgm:spPr/>
@@ -5097,7 +5144,7 @@
       <dgm:spPr/>
     </dgm:pt>
     <dgm:pt modelId="{6B63253A-8911-477C-8E4E-E8E7F00918CF}" type="pres">
-      <dgm:prSet presAssocID="{3FEB6CC6-9CFD-B740-9698-E2388CAA8244}" presName="iconRect" presStyleLbl="node1" presStyleIdx="3" presStyleCnt="4"/>
+      <dgm:prSet presAssocID="{3FEB6CC6-9CFD-B740-9698-E2388CAA8244}" presName="iconRect" presStyleLbl="node1" presStyleIdx="3" presStyleCnt="5"/>
       <dgm:spPr>
         <a:blipFill>
           <a:blip xmlns:r="http://schemas.openxmlformats.org/officeDocument/2006/relationships" r:embed="rId7">
@@ -5126,7 +5173,7 @@
       <dgm:spPr/>
     </dgm:pt>
     <dgm:pt modelId="{35E8D195-69FC-4661-8B4D-39657C5F68D9}" type="pres">
-      <dgm:prSet presAssocID="{3FEB6CC6-9CFD-B740-9698-E2388CAA8244}" presName="parTx" presStyleLbl="revTx" presStyleIdx="6" presStyleCnt="8">
+      <dgm:prSet presAssocID="{3FEB6CC6-9CFD-B740-9698-E2388CAA8244}" presName="parTx" presStyleLbl="revTx" presStyleIdx="6" presStyleCnt="10">
         <dgm:presLayoutVars>
           <dgm:chMax val="0"/>
           <dgm:chPref val="0"/>
@@ -5139,49 +5186,112 @@
       <dgm:spPr/>
     </dgm:pt>
     <dgm:pt modelId="{126A6526-7ADE-42A1-A469-A72869C641C0}" type="pres">
-      <dgm:prSet presAssocID="{3FEB6CC6-9CFD-B740-9698-E2388CAA8244}" presName="desTx" presStyleLbl="revTx" presStyleIdx="7" presStyleCnt="8">
+      <dgm:prSet presAssocID="{3FEB6CC6-9CFD-B740-9698-E2388CAA8244}" presName="desTx" presStyleLbl="revTx" presStyleIdx="7" presStyleCnt="10">
+        <dgm:presLayoutVars/>
+      </dgm:prSet>
+      <dgm:spPr/>
+    </dgm:pt>
+    <dgm:pt modelId="{D80C0246-5DDA-1E4E-8555-6FDE618FC647}" type="pres">
+      <dgm:prSet presAssocID="{BF0635BD-B6E0-D643-9CEE-2FA313EBB90A}" presName="sibTrans" presStyleCnt="0"/>
+      <dgm:spPr/>
+    </dgm:pt>
+    <dgm:pt modelId="{49B2A6DE-12FF-0741-B5D6-74CD7007CFF3}" type="pres">
+      <dgm:prSet presAssocID="{E2DB945A-DAE6-AF49-A8EB-54514A306EB2}" presName="compNode" presStyleCnt="0"/>
+      <dgm:spPr/>
+    </dgm:pt>
+    <dgm:pt modelId="{1DB21737-ED94-BE41-993D-6013CF5DF2A0}" type="pres">
+      <dgm:prSet presAssocID="{E2DB945A-DAE6-AF49-A8EB-54514A306EB2}" presName="iconRect" presStyleLbl="node1" presStyleIdx="4" presStyleCnt="5"/>
+      <dgm:spPr>
+        <a:blipFill>
+          <a:blip xmlns:r="http://schemas.openxmlformats.org/officeDocument/2006/relationships" r:embed="rId9">
+            <a:extLst>
+              <a:ext uri="{96DAC541-7B7A-43D3-8B79-37D633B846F1}">
+                <asvg:svgBlip xmlns:asvg="http://schemas.microsoft.com/office/drawing/2016/SVG/main" r:embed="rId10"/>
+              </a:ext>
+            </a:extLst>
+          </a:blip>
+          <a:srcRect/>
+          <a:stretch>
+            <a:fillRect/>
+          </a:stretch>
+        </a:blipFill>
+      </dgm:spPr>
+      <dgm:extLst>
+        <a:ext uri="{E40237B7-FDA0-4F09-8148-C483321AD2D9}">
+          <dgm14:cNvPr xmlns:dgm14="http://schemas.microsoft.com/office/drawing/2010/diagram" id="0" name="" descr="Key with solid fill"/>
+        </a:ext>
+      </dgm:extLst>
+    </dgm:pt>
+    <dgm:pt modelId="{93B840E1-1D2E-8841-8EDA-053F6ACE3908}" type="pres">
+      <dgm:prSet presAssocID="{E2DB945A-DAE6-AF49-A8EB-54514A306EB2}" presName="iconSpace" presStyleCnt="0"/>
+      <dgm:spPr/>
+    </dgm:pt>
+    <dgm:pt modelId="{72B42350-55BB-614F-B2A8-6DC3BD31ADBD}" type="pres">
+      <dgm:prSet presAssocID="{E2DB945A-DAE6-AF49-A8EB-54514A306EB2}" presName="parTx" presStyleLbl="revTx" presStyleIdx="8" presStyleCnt="10">
+        <dgm:presLayoutVars>
+          <dgm:chMax val="0"/>
+          <dgm:chPref val="0"/>
+        </dgm:presLayoutVars>
+      </dgm:prSet>
+      <dgm:spPr/>
+    </dgm:pt>
+    <dgm:pt modelId="{1CAD6176-5AED-4942-B69B-7F3A4FDC0208}" type="pres">
+      <dgm:prSet presAssocID="{E2DB945A-DAE6-AF49-A8EB-54514A306EB2}" presName="txSpace" presStyleCnt="0"/>
+      <dgm:spPr/>
+    </dgm:pt>
+    <dgm:pt modelId="{5E2794BC-C698-A24D-A80E-2634A73932C0}" type="pres">
+      <dgm:prSet presAssocID="{E2DB945A-DAE6-AF49-A8EB-54514A306EB2}" presName="desTx" presStyleLbl="revTx" presStyleIdx="9" presStyleCnt="10">
         <dgm:presLayoutVars/>
       </dgm:prSet>
       <dgm:spPr/>
     </dgm:pt>
   </dgm:ptLst>
   <dgm:cxnLst>
-    <dgm:cxn modelId="{196CC206-9032-AC4E-91CC-44D2BF4E0E6C}" type="presOf" srcId="{3FEB6CC6-9CFD-B740-9698-E2388CAA8244}" destId="{35E8D195-69FC-4661-8B4D-39657C5F68D9}" srcOrd="0" destOrd="0" presId="urn:microsoft.com/office/officeart/2018/2/layout/IconLabelDescriptionList"/>
-    <dgm:cxn modelId="{9E7A670A-9457-034F-9A82-8A8A79C2D5C5}" type="presOf" srcId="{FFE500AA-5786-4977-AED2-ECC753EFD117}" destId="{304B654E-AEEA-4211-88DD-DDAEA1524D4E}" srcOrd="0" destOrd="0" presId="urn:microsoft.com/office/officeart/2018/2/layout/IconLabelDescriptionList"/>
-    <dgm:cxn modelId="{1BE6BB13-3F4C-4B44-8E7E-9A3E7FF58FF0}" type="presOf" srcId="{C5980CAA-EA71-4A15-85B5-AFE6073498A3}" destId="{229ACD7B-EE85-4F56-A26B-70825274C3A1}" srcOrd="0" destOrd="0" presId="urn:microsoft.com/office/officeart/2018/2/layout/IconLabelDescriptionList"/>
+    <dgm:cxn modelId="{A4849F05-2F10-CE4E-9E3E-D3CC73C19329}" srcId="{1543B059-F5EE-42EC-92CF-725EF9D46358}" destId="{E2DB945A-DAE6-AF49-A8EB-54514A306EB2}" srcOrd="4" destOrd="0" parTransId="{AD300A7A-B3DD-C24E-BBBA-C38840C10538}" sibTransId="{46B6AF33-1D1B-B441-869C-A54C2B59B455}"/>
+    <dgm:cxn modelId="{400DE841-D60B-0642-AB6F-C2E5DF0D9F24}" type="presOf" srcId="{E2DB945A-DAE6-AF49-A8EB-54514A306EB2}" destId="{72B42350-55BB-614F-B2A8-6DC3BD31ADBD}" srcOrd="0" destOrd="0" presId="urn:microsoft.com/office/officeart/2018/2/layout/IconLabelDescriptionList"/>
+    <dgm:cxn modelId="{7A4B4E4C-EB34-1E40-B281-B809DA6162F2}" type="presOf" srcId="{F0713754-C009-4AD6-9BE3-D54621ED8124}" destId="{2E90175F-75A5-4405-9AFC-59C9C568DE13}" srcOrd="0" destOrd="0" presId="urn:microsoft.com/office/officeart/2018/2/layout/IconLabelDescriptionList"/>
     <dgm:cxn modelId="{AE42E453-0175-4405-B248-0D45ABB27AA8}" srcId="{1543B059-F5EE-42EC-92CF-725EF9D46358}" destId="{C5980CAA-EA71-4A15-85B5-AFE6073498A3}" srcOrd="0" destOrd="0" parTransId="{786AFF85-4BB0-4714-8C2F-17AAFB5911F3}" sibTransId="{19A08F65-9D45-4B5D-B7A0-52AAA59E926F}"/>
+    <dgm:cxn modelId="{B0527A6A-9188-2046-8DD5-7172215C48A2}" type="presOf" srcId="{3FEB6CC6-9CFD-B740-9698-E2388CAA8244}" destId="{35E8D195-69FC-4661-8B4D-39657C5F68D9}" srcOrd="0" destOrd="0" presId="urn:microsoft.com/office/officeart/2018/2/layout/IconLabelDescriptionList"/>
     <dgm:cxn modelId="{94226376-8288-4EDE-8B8C-FDB82B5B0E11}" srcId="{1543B059-F5EE-42EC-92CF-725EF9D46358}" destId="{F0713754-C009-4AD6-9BE3-D54621ED8124}" srcOrd="2" destOrd="0" parTransId="{B98F8F38-4A4E-4C39-9A5B-BA59F342A8F6}" sibTransId="{F145C851-F93D-4463-BA4E-2A181B93B118}"/>
-    <dgm:cxn modelId="{F9F5CBA7-B9A1-B946-A44E-B0E49D75BFBF}" type="presOf" srcId="{F0713754-C009-4AD6-9BE3-D54621ED8124}" destId="{2E90175F-75A5-4405-9AFC-59C9C568DE13}" srcOrd="0" destOrd="0" presId="urn:microsoft.com/office/officeart/2018/2/layout/IconLabelDescriptionList"/>
+    <dgm:cxn modelId="{F412298E-0158-D04F-AEC6-4F42E5B76BDB}" type="presOf" srcId="{FFE500AA-5786-4977-AED2-ECC753EFD117}" destId="{304B654E-AEEA-4211-88DD-DDAEA1524D4E}" srcOrd="0" destOrd="0" presId="urn:microsoft.com/office/officeart/2018/2/layout/IconLabelDescriptionList"/>
+    <dgm:cxn modelId="{19DFD796-6498-804D-8680-6969AC0F0846}" type="presOf" srcId="{1543B059-F5EE-42EC-92CF-725EF9D46358}" destId="{F9F44BD6-510C-49B3-82D8-7F0C9840FCED}" srcOrd="0" destOrd="0" presId="urn:microsoft.com/office/officeart/2018/2/layout/IconLabelDescriptionList"/>
     <dgm:cxn modelId="{DA5796BB-C824-4898-B8D7-F043FA1209FF}" srcId="{1543B059-F5EE-42EC-92CF-725EF9D46358}" destId="{FFE500AA-5786-4977-AED2-ECC753EFD117}" srcOrd="1" destOrd="0" parTransId="{5C80A466-D4D1-4911-BD30-DB933B1AB010}" sibTransId="{3E08AAE7-FD8C-44ED-A521-641D9ED34F63}"/>
     <dgm:cxn modelId="{B656B1C5-ACE9-1D40-BAC6-9A68CDF29E74}" srcId="{1543B059-F5EE-42EC-92CF-725EF9D46358}" destId="{3FEB6CC6-9CFD-B740-9698-E2388CAA8244}" srcOrd="3" destOrd="0" parTransId="{936F5840-4B1E-1240-81C2-9168FC6F8B94}" sibTransId="{BF0635BD-B6E0-D643-9CEE-2FA313EBB90A}"/>
-    <dgm:cxn modelId="{EB8627DA-8962-6B4C-90FB-565DC8849C17}" type="presOf" srcId="{1543B059-F5EE-42EC-92CF-725EF9D46358}" destId="{F9F44BD6-510C-49B3-82D8-7F0C9840FCED}" srcOrd="0" destOrd="0" presId="urn:microsoft.com/office/officeart/2018/2/layout/IconLabelDescriptionList"/>
-    <dgm:cxn modelId="{C16961F8-534E-894F-B075-BF89951C56E9}" type="presParOf" srcId="{F9F44BD6-510C-49B3-82D8-7F0C9840FCED}" destId="{537925AF-B9BA-4CC7-A15F-2BB37E07982E}" srcOrd="0" destOrd="0" presId="urn:microsoft.com/office/officeart/2018/2/layout/IconLabelDescriptionList"/>
-    <dgm:cxn modelId="{1F46D38D-633C-6143-9C05-772D59401B75}" type="presParOf" srcId="{537925AF-B9BA-4CC7-A15F-2BB37E07982E}" destId="{478FF3E9-1BC4-4412-AAFB-C58B769B4E68}" srcOrd="0" destOrd="0" presId="urn:microsoft.com/office/officeart/2018/2/layout/IconLabelDescriptionList"/>
-    <dgm:cxn modelId="{C933B7AE-8565-B449-8D01-5D747F8CC8F3}" type="presParOf" srcId="{537925AF-B9BA-4CC7-A15F-2BB37E07982E}" destId="{5D225464-6E66-4545-AAEF-B4E2B30DCC45}" srcOrd="1" destOrd="0" presId="urn:microsoft.com/office/officeart/2018/2/layout/IconLabelDescriptionList"/>
-    <dgm:cxn modelId="{DB5AD4DB-78A4-8C42-9703-6C6457EF0D16}" type="presParOf" srcId="{537925AF-B9BA-4CC7-A15F-2BB37E07982E}" destId="{229ACD7B-EE85-4F56-A26B-70825274C3A1}" srcOrd="2" destOrd="0" presId="urn:microsoft.com/office/officeart/2018/2/layout/IconLabelDescriptionList"/>
-    <dgm:cxn modelId="{8E48C00D-7317-9347-924B-272C3FF3666C}" type="presParOf" srcId="{537925AF-B9BA-4CC7-A15F-2BB37E07982E}" destId="{5EF7C9E4-19D5-4D4A-9A84-6BB0C2A9F6B5}" srcOrd="3" destOrd="0" presId="urn:microsoft.com/office/officeart/2018/2/layout/IconLabelDescriptionList"/>
-    <dgm:cxn modelId="{96E02C6D-A132-DD46-823D-FE2DD1D4225D}" type="presParOf" srcId="{537925AF-B9BA-4CC7-A15F-2BB37E07982E}" destId="{13F1B88F-3E61-40A7-842B-FFD7C4596B87}" srcOrd="4" destOrd="0" presId="urn:microsoft.com/office/officeart/2018/2/layout/IconLabelDescriptionList"/>
-    <dgm:cxn modelId="{A3087053-7257-8545-BF7D-1C0E3D172D53}" type="presParOf" srcId="{F9F44BD6-510C-49B3-82D8-7F0C9840FCED}" destId="{603CC1C8-F522-429C-99CC-BA1BD8ADFF4C}" srcOrd="1" destOrd="0" presId="urn:microsoft.com/office/officeart/2018/2/layout/IconLabelDescriptionList"/>
-    <dgm:cxn modelId="{2A03C97D-9F02-7747-99DC-377B551E93DB}" type="presParOf" srcId="{F9F44BD6-510C-49B3-82D8-7F0C9840FCED}" destId="{558D2BED-E092-4156-B4E8-A822E6B10C37}" srcOrd="2" destOrd="0" presId="urn:microsoft.com/office/officeart/2018/2/layout/IconLabelDescriptionList"/>
-    <dgm:cxn modelId="{64EB9191-E9F2-6E4F-9453-7DA3688201C3}" type="presParOf" srcId="{558D2BED-E092-4156-B4E8-A822E6B10C37}" destId="{8DC71DAD-2CF0-43F2-BF11-414D403EB9C2}" srcOrd="0" destOrd="0" presId="urn:microsoft.com/office/officeart/2018/2/layout/IconLabelDescriptionList"/>
-    <dgm:cxn modelId="{FEE97636-A858-1346-BAB7-DA3A6DC178AF}" type="presParOf" srcId="{558D2BED-E092-4156-B4E8-A822E6B10C37}" destId="{C2C6E436-BA50-4C90-B9BA-76EA08ECEB3B}" srcOrd="1" destOrd="0" presId="urn:microsoft.com/office/officeart/2018/2/layout/IconLabelDescriptionList"/>
-    <dgm:cxn modelId="{958644A6-CEEA-7045-8881-431B2380955F}" type="presParOf" srcId="{558D2BED-E092-4156-B4E8-A822E6B10C37}" destId="{304B654E-AEEA-4211-88DD-DDAEA1524D4E}" srcOrd="2" destOrd="0" presId="urn:microsoft.com/office/officeart/2018/2/layout/IconLabelDescriptionList"/>
-    <dgm:cxn modelId="{7BAD8573-5840-5843-8457-FAE2A404D7D6}" type="presParOf" srcId="{558D2BED-E092-4156-B4E8-A822E6B10C37}" destId="{3DE90605-1C30-43FF-9B92-90E6D1D90FB7}" srcOrd="3" destOrd="0" presId="urn:microsoft.com/office/officeart/2018/2/layout/IconLabelDescriptionList"/>
-    <dgm:cxn modelId="{716CCA30-EF07-4649-A1A3-FD2E50A0172B}" type="presParOf" srcId="{558D2BED-E092-4156-B4E8-A822E6B10C37}" destId="{39D620B7-5BAB-4991-8626-26A41201B5CF}" srcOrd="4" destOrd="0" presId="urn:microsoft.com/office/officeart/2018/2/layout/IconLabelDescriptionList"/>
-    <dgm:cxn modelId="{5D281442-F5FC-A247-86D9-39CE1DBB73F8}" type="presParOf" srcId="{F9F44BD6-510C-49B3-82D8-7F0C9840FCED}" destId="{D92B6C7E-21E8-4C94-90DE-CE2FAEA4A0E5}" srcOrd="3" destOrd="0" presId="urn:microsoft.com/office/officeart/2018/2/layout/IconLabelDescriptionList"/>
-    <dgm:cxn modelId="{613107ED-173E-3B43-8058-1C3DC58B75F9}" type="presParOf" srcId="{F9F44BD6-510C-49B3-82D8-7F0C9840FCED}" destId="{2D390492-7887-45E8-A65B-ED30F8022CC2}" srcOrd="4" destOrd="0" presId="urn:microsoft.com/office/officeart/2018/2/layout/IconLabelDescriptionList"/>
-    <dgm:cxn modelId="{8349CE6A-5A9D-244A-ADEE-6846CCFF18C4}" type="presParOf" srcId="{2D390492-7887-45E8-A65B-ED30F8022CC2}" destId="{954ACD82-46B6-4852-B564-DDC2F6099ABA}" srcOrd="0" destOrd="0" presId="urn:microsoft.com/office/officeart/2018/2/layout/IconLabelDescriptionList"/>
-    <dgm:cxn modelId="{1E3DA256-6C9E-D342-B828-1B79E59FEB73}" type="presParOf" srcId="{2D390492-7887-45E8-A65B-ED30F8022CC2}" destId="{AE85A5B5-A11C-4037-81C1-CDBBC1FCA810}" srcOrd="1" destOrd="0" presId="urn:microsoft.com/office/officeart/2018/2/layout/IconLabelDescriptionList"/>
-    <dgm:cxn modelId="{0D5CFE91-B079-1E4E-A3D0-CFF7BDB3851A}" type="presParOf" srcId="{2D390492-7887-45E8-A65B-ED30F8022CC2}" destId="{2E90175F-75A5-4405-9AFC-59C9C568DE13}" srcOrd="2" destOrd="0" presId="urn:microsoft.com/office/officeart/2018/2/layout/IconLabelDescriptionList"/>
-    <dgm:cxn modelId="{FC668277-9410-BE40-9B2A-2E2046E7E586}" type="presParOf" srcId="{2D390492-7887-45E8-A65B-ED30F8022CC2}" destId="{16D9FF96-6D6F-4054-BBB2-69D29EB9D46F}" srcOrd="3" destOrd="0" presId="urn:microsoft.com/office/officeart/2018/2/layout/IconLabelDescriptionList"/>
-    <dgm:cxn modelId="{25D8C833-7EF0-4846-A5CC-048E57B45740}" type="presParOf" srcId="{2D390492-7887-45E8-A65B-ED30F8022CC2}" destId="{B0A24FBF-B9AE-42E3-9383-EF72B3F1D5B3}" srcOrd="4" destOrd="0" presId="urn:microsoft.com/office/officeart/2018/2/layout/IconLabelDescriptionList"/>
-    <dgm:cxn modelId="{E9C7DEC9-476C-8844-8F1E-27DFE5741755}" type="presParOf" srcId="{F9F44BD6-510C-49B3-82D8-7F0C9840FCED}" destId="{315ECA0E-3058-49E2-B25E-A88526C7859A}" srcOrd="5" destOrd="0" presId="urn:microsoft.com/office/officeart/2018/2/layout/IconLabelDescriptionList"/>
-    <dgm:cxn modelId="{3861EA26-F066-4D42-8EC3-E22C628DD087}" type="presParOf" srcId="{F9F44BD6-510C-49B3-82D8-7F0C9840FCED}" destId="{A160B043-4302-4600-9093-742347CE2AF0}" srcOrd="6" destOrd="0" presId="urn:microsoft.com/office/officeart/2018/2/layout/IconLabelDescriptionList"/>
-    <dgm:cxn modelId="{236DDAE2-26CE-6C48-A35B-A9C703479CAD}" type="presParOf" srcId="{A160B043-4302-4600-9093-742347CE2AF0}" destId="{6B63253A-8911-477C-8E4E-E8E7F00918CF}" srcOrd="0" destOrd="0" presId="urn:microsoft.com/office/officeart/2018/2/layout/IconLabelDescriptionList"/>
-    <dgm:cxn modelId="{073994CA-C969-B24F-8D3E-9DC559F4BD74}" type="presParOf" srcId="{A160B043-4302-4600-9093-742347CE2AF0}" destId="{B6A6D248-0853-42F7-867C-FB4171BF0B44}" srcOrd="1" destOrd="0" presId="urn:microsoft.com/office/officeart/2018/2/layout/IconLabelDescriptionList"/>
-    <dgm:cxn modelId="{667AC473-FCC7-294F-AE52-2F365AB56112}" type="presParOf" srcId="{A160B043-4302-4600-9093-742347CE2AF0}" destId="{35E8D195-69FC-4661-8B4D-39657C5F68D9}" srcOrd="2" destOrd="0" presId="urn:microsoft.com/office/officeart/2018/2/layout/IconLabelDescriptionList"/>
-    <dgm:cxn modelId="{F48645DC-A312-3A40-9681-A02E52B085E7}" type="presParOf" srcId="{A160B043-4302-4600-9093-742347CE2AF0}" destId="{7CEB778B-86D4-4FC4-8210-70DB7C04B6AD}" srcOrd="3" destOrd="0" presId="urn:microsoft.com/office/officeart/2018/2/layout/IconLabelDescriptionList"/>
-    <dgm:cxn modelId="{C7E4CE0D-1219-8349-B8F5-FC02E8C3DB6A}" type="presParOf" srcId="{A160B043-4302-4600-9093-742347CE2AF0}" destId="{126A6526-7ADE-42A1-A469-A72869C641C0}" srcOrd="4" destOrd="0" presId="urn:microsoft.com/office/officeart/2018/2/layout/IconLabelDescriptionList"/>
+    <dgm:cxn modelId="{F999EFE5-6BCD-CB43-A0C4-571E0E91EEAF}" type="presOf" srcId="{C5980CAA-EA71-4A15-85B5-AFE6073498A3}" destId="{229ACD7B-EE85-4F56-A26B-70825274C3A1}" srcOrd="0" destOrd="0" presId="urn:microsoft.com/office/officeart/2018/2/layout/IconLabelDescriptionList"/>
+    <dgm:cxn modelId="{8A1F7030-460B-3448-BE0B-FC04D45C9C6F}" type="presParOf" srcId="{F9F44BD6-510C-49B3-82D8-7F0C9840FCED}" destId="{537925AF-B9BA-4CC7-A15F-2BB37E07982E}" srcOrd="0" destOrd="0" presId="urn:microsoft.com/office/officeart/2018/2/layout/IconLabelDescriptionList"/>
+    <dgm:cxn modelId="{5E6D4162-4E65-F04B-BB7A-022FE417DA3A}" type="presParOf" srcId="{537925AF-B9BA-4CC7-A15F-2BB37E07982E}" destId="{478FF3E9-1BC4-4412-AAFB-C58B769B4E68}" srcOrd="0" destOrd="0" presId="urn:microsoft.com/office/officeart/2018/2/layout/IconLabelDescriptionList"/>
+    <dgm:cxn modelId="{5B71E487-457D-824C-8BD5-F87FAF01FF17}" type="presParOf" srcId="{537925AF-B9BA-4CC7-A15F-2BB37E07982E}" destId="{5D225464-6E66-4545-AAEF-B4E2B30DCC45}" srcOrd="1" destOrd="0" presId="urn:microsoft.com/office/officeart/2018/2/layout/IconLabelDescriptionList"/>
+    <dgm:cxn modelId="{EF8459DB-1AAD-9548-B6CC-6B4C0EB3A585}" type="presParOf" srcId="{537925AF-B9BA-4CC7-A15F-2BB37E07982E}" destId="{229ACD7B-EE85-4F56-A26B-70825274C3A1}" srcOrd="2" destOrd="0" presId="urn:microsoft.com/office/officeart/2018/2/layout/IconLabelDescriptionList"/>
+    <dgm:cxn modelId="{E876E1C1-847E-E849-8B82-4CA21F723308}" type="presParOf" srcId="{537925AF-B9BA-4CC7-A15F-2BB37E07982E}" destId="{5EF7C9E4-19D5-4D4A-9A84-6BB0C2A9F6B5}" srcOrd="3" destOrd="0" presId="urn:microsoft.com/office/officeart/2018/2/layout/IconLabelDescriptionList"/>
+    <dgm:cxn modelId="{BC0D9C72-1A01-C64C-BD0D-FA03CC63094C}" type="presParOf" srcId="{537925AF-B9BA-4CC7-A15F-2BB37E07982E}" destId="{13F1B88F-3E61-40A7-842B-FFD7C4596B87}" srcOrd="4" destOrd="0" presId="urn:microsoft.com/office/officeart/2018/2/layout/IconLabelDescriptionList"/>
+    <dgm:cxn modelId="{2BA17C2B-89C5-6D4B-8315-5105A9BBAD94}" type="presParOf" srcId="{F9F44BD6-510C-49B3-82D8-7F0C9840FCED}" destId="{603CC1C8-F522-429C-99CC-BA1BD8ADFF4C}" srcOrd="1" destOrd="0" presId="urn:microsoft.com/office/officeart/2018/2/layout/IconLabelDescriptionList"/>
+    <dgm:cxn modelId="{E5443E67-FEDF-7649-B3C3-45D40E250B93}" type="presParOf" srcId="{F9F44BD6-510C-49B3-82D8-7F0C9840FCED}" destId="{558D2BED-E092-4156-B4E8-A822E6B10C37}" srcOrd="2" destOrd="0" presId="urn:microsoft.com/office/officeart/2018/2/layout/IconLabelDescriptionList"/>
+    <dgm:cxn modelId="{EFF2F569-8952-2A43-A857-C7C0AAB47021}" type="presParOf" srcId="{558D2BED-E092-4156-B4E8-A822E6B10C37}" destId="{8DC71DAD-2CF0-43F2-BF11-414D403EB9C2}" srcOrd="0" destOrd="0" presId="urn:microsoft.com/office/officeart/2018/2/layout/IconLabelDescriptionList"/>
+    <dgm:cxn modelId="{35B15AEA-75A3-7743-8EFB-C4C4A524D4BF}" type="presParOf" srcId="{558D2BED-E092-4156-B4E8-A822E6B10C37}" destId="{C2C6E436-BA50-4C90-B9BA-76EA08ECEB3B}" srcOrd="1" destOrd="0" presId="urn:microsoft.com/office/officeart/2018/2/layout/IconLabelDescriptionList"/>
+    <dgm:cxn modelId="{915ECBF6-58CD-1640-8D44-0894E152A3EE}" type="presParOf" srcId="{558D2BED-E092-4156-B4E8-A822E6B10C37}" destId="{304B654E-AEEA-4211-88DD-DDAEA1524D4E}" srcOrd="2" destOrd="0" presId="urn:microsoft.com/office/officeart/2018/2/layout/IconLabelDescriptionList"/>
+    <dgm:cxn modelId="{32A7D6BE-7B13-6243-9193-09FC17147A7B}" type="presParOf" srcId="{558D2BED-E092-4156-B4E8-A822E6B10C37}" destId="{3DE90605-1C30-43FF-9B92-90E6D1D90FB7}" srcOrd="3" destOrd="0" presId="urn:microsoft.com/office/officeart/2018/2/layout/IconLabelDescriptionList"/>
+    <dgm:cxn modelId="{D6AB0D71-2388-1249-9D33-C93114674716}" type="presParOf" srcId="{558D2BED-E092-4156-B4E8-A822E6B10C37}" destId="{39D620B7-5BAB-4991-8626-26A41201B5CF}" srcOrd="4" destOrd="0" presId="urn:microsoft.com/office/officeart/2018/2/layout/IconLabelDescriptionList"/>
+    <dgm:cxn modelId="{CD1D7F6B-9134-8341-BE77-62BB4D648D1F}" type="presParOf" srcId="{F9F44BD6-510C-49B3-82D8-7F0C9840FCED}" destId="{D92B6C7E-21E8-4C94-90DE-CE2FAEA4A0E5}" srcOrd="3" destOrd="0" presId="urn:microsoft.com/office/officeart/2018/2/layout/IconLabelDescriptionList"/>
+    <dgm:cxn modelId="{3F113D6E-D732-B740-954B-68CEBDD142CE}" type="presParOf" srcId="{F9F44BD6-510C-49B3-82D8-7F0C9840FCED}" destId="{2D390492-7887-45E8-A65B-ED30F8022CC2}" srcOrd="4" destOrd="0" presId="urn:microsoft.com/office/officeart/2018/2/layout/IconLabelDescriptionList"/>
+    <dgm:cxn modelId="{AEE8E754-5649-164B-B501-74B759CE2D16}" type="presParOf" srcId="{2D390492-7887-45E8-A65B-ED30F8022CC2}" destId="{954ACD82-46B6-4852-B564-DDC2F6099ABA}" srcOrd="0" destOrd="0" presId="urn:microsoft.com/office/officeart/2018/2/layout/IconLabelDescriptionList"/>
+    <dgm:cxn modelId="{1E50C3E5-C9D0-0A45-A2B2-66F0864802E1}" type="presParOf" srcId="{2D390492-7887-45E8-A65B-ED30F8022CC2}" destId="{AE85A5B5-A11C-4037-81C1-CDBBC1FCA810}" srcOrd="1" destOrd="0" presId="urn:microsoft.com/office/officeart/2018/2/layout/IconLabelDescriptionList"/>
+    <dgm:cxn modelId="{7A7FA75B-26A9-FE43-AF47-DF6C4ECE282F}" type="presParOf" srcId="{2D390492-7887-45E8-A65B-ED30F8022CC2}" destId="{2E90175F-75A5-4405-9AFC-59C9C568DE13}" srcOrd="2" destOrd="0" presId="urn:microsoft.com/office/officeart/2018/2/layout/IconLabelDescriptionList"/>
+    <dgm:cxn modelId="{629B45A7-7510-A948-BB9E-7C0C2C684A2C}" type="presParOf" srcId="{2D390492-7887-45E8-A65B-ED30F8022CC2}" destId="{16D9FF96-6D6F-4054-BBB2-69D29EB9D46F}" srcOrd="3" destOrd="0" presId="urn:microsoft.com/office/officeart/2018/2/layout/IconLabelDescriptionList"/>
+    <dgm:cxn modelId="{A4ED080B-7F39-7749-A40C-30ECA473D432}" type="presParOf" srcId="{2D390492-7887-45E8-A65B-ED30F8022CC2}" destId="{B0A24FBF-B9AE-42E3-9383-EF72B3F1D5B3}" srcOrd="4" destOrd="0" presId="urn:microsoft.com/office/officeart/2018/2/layout/IconLabelDescriptionList"/>
+    <dgm:cxn modelId="{0C81D753-8836-0440-B8C4-3C01128CB32B}" type="presParOf" srcId="{F9F44BD6-510C-49B3-82D8-7F0C9840FCED}" destId="{315ECA0E-3058-49E2-B25E-A88526C7859A}" srcOrd="5" destOrd="0" presId="urn:microsoft.com/office/officeart/2018/2/layout/IconLabelDescriptionList"/>
+    <dgm:cxn modelId="{718D3C4F-37C8-614C-B01D-BD774E7F53DB}" type="presParOf" srcId="{F9F44BD6-510C-49B3-82D8-7F0C9840FCED}" destId="{A160B043-4302-4600-9093-742347CE2AF0}" srcOrd="6" destOrd="0" presId="urn:microsoft.com/office/officeart/2018/2/layout/IconLabelDescriptionList"/>
+    <dgm:cxn modelId="{E59D9957-5586-6640-B65A-CBD3083811FE}" type="presParOf" srcId="{A160B043-4302-4600-9093-742347CE2AF0}" destId="{6B63253A-8911-477C-8E4E-E8E7F00918CF}" srcOrd="0" destOrd="0" presId="urn:microsoft.com/office/officeart/2018/2/layout/IconLabelDescriptionList"/>
+    <dgm:cxn modelId="{EFD53414-95C5-7B4A-BB88-55DD0F1CAC33}" type="presParOf" srcId="{A160B043-4302-4600-9093-742347CE2AF0}" destId="{B6A6D248-0853-42F7-867C-FB4171BF0B44}" srcOrd="1" destOrd="0" presId="urn:microsoft.com/office/officeart/2018/2/layout/IconLabelDescriptionList"/>
+    <dgm:cxn modelId="{430DA603-E23B-E24E-9419-B5A468C98AD4}" type="presParOf" srcId="{A160B043-4302-4600-9093-742347CE2AF0}" destId="{35E8D195-69FC-4661-8B4D-39657C5F68D9}" srcOrd="2" destOrd="0" presId="urn:microsoft.com/office/officeart/2018/2/layout/IconLabelDescriptionList"/>
+    <dgm:cxn modelId="{E6556DD1-B359-644A-AFC9-A072B931DEFC}" type="presParOf" srcId="{A160B043-4302-4600-9093-742347CE2AF0}" destId="{7CEB778B-86D4-4FC4-8210-70DB7C04B6AD}" srcOrd="3" destOrd="0" presId="urn:microsoft.com/office/officeart/2018/2/layout/IconLabelDescriptionList"/>
+    <dgm:cxn modelId="{EDA9552B-3234-C34C-B0F3-EB05521B5091}" type="presParOf" srcId="{A160B043-4302-4600-9093-742347CE2AF0}" destId="{126A6526-7ADE-42A1-A469-A72869C641C0}" srcOrd="4" destOrd="0" presId="urn:microsoft.com/office/officeart/2018/2/layout/IconLabelDescriptionList"/>
+    <dgm:cxn modelId="{5B8FE75A-8BEB-2748-8C9C-2D9F5FD479E6}" type="presParOf" srcId="{F9F44BD6-510C-49B3-82D8-7F0C9840FCED}" destId="{D80C0246-5DDA-1E4E-8555-6FDE618FC647}" srcOrd="7" destOrd="0" presId="urn:microsoft.com/office/officeart/2018/2/layout/IconLabelDescriptionList"/>
+    <dgm:cxn modelId="{C0814F79-2661-974F-B389-55130F59C31A}" type="presParOf" srcId="{F9F44BD6-510C-49B3-82D8-7F0C9840FCED}" destId="{49B2A6DE-12FF-0741-B5D6-74CD7007CFF3}" srcOrd="8" destOrd="0" presId="urn:microsoft.com/office/officeart/2018/2/layout/IconLabelDescriptionList"/>
+    <dgm:cxn modelId="{B02BA5B0-0590-304B-8035-B835F3F3A3A4}" type="presParOf" srcId="{49B2A6DE-12FF-0741-B5D6-74CD7007CFF3}" destId="{1DB21737-ED94-BE41-993D-6013CF5DF2A0}" srcOrd="0" destOrd="0" presId="urn:microsoft.com/office/officeart/2018/2/layout/IconLabelDescriptionList"/>
+    <dgm:cxn modelId="{18A82839-666F-654A-B8B5-C02944182D4A}" type="presParOf" srcId="{49B2A6DE-12FF-0741-B5D6-74CD7007CFF3}" destId="{93B840E1-1D2E-8841-8EDA-053F6ACE3908}" srcOrd="1" destOrd="0" presId="urn:microsoft.com/office/officeart/2018/2/layout/IconLabelDescriptionList"/>
+    <dgm:cxn modelId="{84B0BA2C-8B01-FF47-B739-3CB785F79BE8}" type="presParOf" srcId="{49B2A6DE-12FF-0741-B5D6-74CD7007CFF3}" destId="{72B42350-55BB-614F-B2A8-6DC3BD31ADBD}" srcOrd="2" destOrd="0" presId="urn:microsoft.com/office/officeart/2018/2/layout/IconLabelDescriptionList"/>
+    <dgm:cxn modelId="{5E118929-448A-E64F-9A74-2BDEE9DCD93D}" type="presParOf" srcId="{49B2A6DE-12FF-0741-B5D6-74CD7007CFF3}" destId="{1CAD6176-5AED-4942-B69B-7F3A4FDC0208}" srcOrd="3" destOrd="0" presId="urn:microsoft.com/office/officeart/2018/2/layout/IconLabelDescriptionList"/>
+    <dgm:cxn modelId="{2FF814CE-9B46-7248-904E-0864F9CF2585}" type="presParOf" srcId="{49B2A6DE-12FF-0741-B5D6-74CD7007CFF3}" destId="{5E2794BC-C698-A24D-A80E-2634A73932C0}" srcOrd="4" destOrd="0" presId="urn:microsoft.com/office/officeart/2018/2/layout/IconLabelDescriptionList"/>
   </dgm:cxnLst>
   <dgm:bg/>
   <dgm:whole/>
@@ -6894,8 +7004,8 @@
       </dsp:nvSpPr>
       <dsp:spPr>
         <a:xfrm>
-          <a:off x="8092" y="1196617"/>
-          <a:ext cx="812109" cy="812109"/>
+          <a:off x="3557" y="1196617"/>
+          <a:ext cx="645257" cy="645257"/>
         </a:xfrm>
         <a:prstGeom prst="rect">
           <a:avLst/>
@@ -6951,8 +7061,8 @@
       </dsp:nvSpPr>
       <dsp:spPr>
         <a:xfrm>
-          <a:off x="8092" y="2092925"/>
-          <a:ext cx="2320312" cy="652587"/>
+          <a:off x="3557" y="1926074"/>
+          <a:ext cx="1843593" cy="656780"/>
         </a:xfrm>
         <a:prstGeom prst="rect">
           <a:avLst/>
@@ -6995,14 +7105,15 @@
             <a:defRPr b="1"/>
           </a:pPr>
           <a:r>
-            <a:rPr lang="en-US" sz="1400" kern="1200" dirty="0"/>
+            <a:rPr lang="en-US" sz="1400" kern="1200"/>
             <a:t>Create temporary and reproducible container for each PR</a:t>
           </a:r>
+          <a:endParaRPr lang="en-US" sz="1400" kern="1200" dirty="0"/>
         </a:p>
       </dsp:txBody>
       <dsp:txXfrm>
-        <a:off x="8092" y="2092925"/>
-        <a:ext cx="2320312" cy="652587"/>
+        <a:off x="3557" y="1926074"/>
+        <a:ext cx="1843593" cy="656780"/>
       </dsp:txXfrm>
     </dsp:sp>
     <dsp:sp modelId="{13F1B88F-3E61-40A7-842B-FFD7C4596B87}">
@@ -7012,8 +7123,8 @@
       </dsp:nvSpPr>
       <dsp:spPr>
         <a:xfrm>
-          <a:off x="8092" y="2784675"/>
-          <a:ext cx="2320312" cy="370044"/>
+          <a:off x="3557" y="2622016"/>
+          <a:ext cx="1843593" cy="532703"/>
         </a:xfrm>
         <a:prstGeom prst="rect">
           <a:avLst/>
@@ -7044,8 +7155,8 @@
       </dsp:nvSpPr>
       <dsp:spPr>
         <a:xfrm>
-          <a:off x="2734460" y="1196617"/>
-          <a:ext cx="812109" cy="812109"/>
+          <a:off x="2169780" y="1196617"/>
+          <a:ext cx="645257" cy="645257"/>
         </a:xfrm>
         <a:prstGeom prst="rect">
           <a:avLst/>
@@ -7101,8 +7212,8 @@
       </dsp:nvSpPr>
       <dsp:spPr>
         <a:xfrm>
-          <a:off x="2734460" y="2092925"/>
-          <a:ext cx="2320312" cy="652587"/>
+          <a:off x="2169780" y="1926074"/>
+          <a:ext cx="1843593" cy="656780"/>
         </a:xfrm>
         <a:prstGeom prst="rect">
           <a:avLst/>
@@ -7145,14 +7256,15 @@
             <a:defRPr b="1"/>
           </a:pPr>
           <a:r>
-            <a:rPr lang="en-US" sz="1400" kern="1200" dirty="0"/>
+            <a:rPr lang="en-US" sz="1400" kern="1200"/>
             <a:t>Assign multiple PR approvers to allow peer reviews</a:t>
           </a:r>
+          <a:endParaRPr lang="en-US" sz="1400" kern="1200" dirty="0"/>
         </a:p>
       </dsp:txBody>
       <dsp:txXfrm>
-        <a:off x="2734460" y="2092925"/>
-        <a:ext cx="2320312" cy="652587"/>
+        <a:off x="2169780" y="1926074"/>
+        <a:ext cx="1843593" cy="656780"/>
       </dsp:txXfrm>
     </dsp:sp>
     <dsp:sp modelId="{39D620B7-5BAB-4991-8626-26A41201B5CF}">
@@ -7162,8 +7274,8 @@
       </dsp:nvSpPr>
       <dsp:spPr>
         <a:xfrm>
-          <a:off x="2734460" y="2784675"/>
-          <a:ext cx="2320312" cy="370044"/>
+          <a:off x="2169780" y="2622016"/>
+          <a:ext cx="1843593" cy="532703"/>
         </a:xfrm>
         <a:prstGeom prst="rect">
           <a:avLst/>
@@ -7194,8 +7306,8 @@
       </dsp:nvSpPr>
       <dsp:spPr>
         <a:xfrm>
-          <a:off x="5460827" y="1196617"/>
-          <a:ext cx="812109" cy="812109"/>
+          <a:off x="4336003" y="1196617"/>
+          <a:ext cx="645257" cy="645257"/>
         </a:xfrm>
         <a:prstGeom prst="rect">
           <a:avLst/>
@@ -7251,8 +7363,8 @@
       </dsp:nvSpPr>
       <dsp:spPr>
         <a:xfrm>
-          <a:off x="5460827" y="2092925"/>
-          <a:ext cx="2320312" cy="652587"/>
+          <a:off x="4336003" y="1926074"/>
+          <a:ext cx="1843593" cy="656780"/>
         </a:xfrm>
         <a:prstGeom prst="rect">
           <a:avLst/>
@@ -7295,14 +7407,15 @@
             <a:defRPr b="1"/>
           </a:pPr>
           <a:r>
-            <a:rPr lang="en-US" sz="1400" kern="1200" dirty="0"/>
-            <a:t>Separate pipelines for feature different test</a:t>
+            <a:rPr lang="en-US" sz="1400" kern="1200"/>
+            <a:t>Separate pipelines for different tests</a:t>
           </a:r>
+          <a:endParaRPr lang="en-US" sz="1400" kern="1200" dirty="0"/>
         </a:p>
       </dsp:txBody>
       <dsp:txXfrm>
-        <a:off x="5460827" y="2092925"/>
-        <a:ext cx="2320312" cy="652587"/>
+        <a:off x="4336003" y="1926074"/>
+        <a:ext cx="1843593" cy="656780"/>
       </dsp:txXfrm>
     </dsp:sp>
     <dsp:sp modelId="{B0A24FBF-B9AE-42E3-9383-EF72B3F1D5B3}">
@@ -7312,8 +7425,8 @@
       </dsp:nvSpPr>
       <dsp:spPr>
         <a:xfrm>
-          <a:off x="5460827" y="2784675"/>
-          <a:ext cx="2320312" cy="370044"/>
+          <a:off x="4336003" y="2622016"/>
+          <a:ext cx="1843593" cy="532703"/>
         </a:xfrm>
         <a:prstGeom prst="rect">
           <a:avLst/>
@@ -7344,8 +7457,8 @@
       </dsp:nvSpPr>
       <dsp:spPr>
         <a:xfrm>
-          <a:off x="8187194" y="1196617"/>
-          <a:ext cx="812109" cy="812109"/>
+          <a:off x="6502225" y="1196617"/>
+          <a:ext cx="645257" cy="645257"/>
         </a:xfrm>
         <a:prstGeom prst="rect">
           <a:avLst/>
@@ -7401,8 +7514,8 @@
       </dsp:nvSpPr>
       <dsp:spPr>
         <a:xfrm>
-          <a:off x="8187194" y="2092925"/>
-          <a:ext cx="2320312" cy="652587"/>
+          <a:off x="6502225" y="1926074"/>
+          <a:ext cx="1843593" cy="656780"/>
         </a:xfrm>
         <a:prstGeom prst="rect">
           <a:avLst/>
@@ -7445,14 +7558,15 @@
             <a:defRPr b="1"/>
           </a:pPr>
           <a:r>
-            <a:rPr lang="en-GB" sz="1400" kern="1200" dirty="0"/>
+            <a:rPr lang="en-GB" sz="1400" kern="1200"/>
             <a:t>Monitor performance and address issues post-deployments</a:t>
           </a:r>
+          <a:endParaRPr lang="en-GB" sz="1400" kern="1200" dirty="0"/>
         </a:p>
       </dsp:txBody>
       <dsp:txXfrm>
-        <a:off x="8187194" y="2092925"/>
-        <a:ext cx="2320312" cy="652587"/>
+        <a:off x="6502225" y="1926074"/>
+        <a:ext cx="1843593" cy="656780"/>
       </dsp:txXfrm>
     </dsp:sp>
     <dsp:sp modelId="{126A6526-7ADE-42A1-A469-A72869C641C0}">
@@ -7462,8 +7576,157 @@
       </dsp:nvSpPr>
       <dsp:spPr>
         <a:xfrm>
-          <a:off x="8187194" y="2784675"/>
-          <a:ext cx="2320312" cy="370044"/>
+          <a:off x="6502225" y="2622016"/>
+          <a:ext cx="1843593" cy="532703"/>
+        </a:xfrm>
+        <a:prstGeom prst="rect">
+          <a:avLst/>
+        </a:prstGeom>
+        <a:noFill/>
+        <a:ln>
+          <a:noFill/>
+        </a:ln>
+        <a:effectLst/>
+      </dsp:spPr>
+      <dsp:style>
+        <a:lnRef idx="0">
+          <a:scrgbClr r="0" g="0" b="0"/>
+        </a:lnRef>
+        <a:fillRef idx="0">
+          <a:scrgbClr r="0" g="0" b="0"/>
+        </a:fillRef>
+        <a:effectRef idx="0">
+          <a:scrgbClr r="0" g="0" b="0"/>
+        </a:effectRef>
+        <a:fontRef idx="minor"/>
+      </dsp:style>
+    </dsp:sp>
+    <dsp:sp modelId="{1DB21737-ED94-BE41-993D-6013CF5DF2A0}">
+      <dsp:nvSpPr>
+        <dsp:cNvPr id="0" name=""/>
+        <dsp:cNvSpPr/>
+      </dsp:nvSpPr>
+      <dsp:spPr>
+        <a:xfrm>
+          <a:off x="8668448" y="1196617"/>
+          <a:ext cx="645257" cy="645257"/>
+        </a:xfrm>
+        <a:prstGeom prst="rect">
+          <a:avLst/>
+        </a:prstGeom>
+        <a:blipFill>
+          <a:blip xmlns:r="http://schemas.openxmlformats.org/officeDocument/2006/relationships" r:embed="rId9">
+            <a:extLst>
+              <a:ext uri="{96DAC541-7B7A-43D3-8B79-37D633B846F1}">
+                <asvg:svgBlip xmlns:asvg="http://schemas.microsoft.com/office/drawing/2016/SVG/main" r:embed="rId10"/>
+              </a:ext>
+            </a:extLst>
+          </a:blip>
+          <a:srcRect/>
+          <a:stretch>
+            <a:fillRect/>
+          </a:stretch>
+        </a:blipFill>
+        <a:ln w="19050" cap="flat" cmpd="sng" algn="ctr">
+          <a:solidFill>
+            <a:schemeClr val="lt1">
+              <a:hueOff val="0"/>
+              <a:satOff val="0"/>
+              <a:lumOff val="0"/>
+              <a:alphaOff val="0"/>
+            </a:schemeClr>
+          </a:solidFill>
+          <a:prstDash val="solid"/>
+          <a:miter lim="800000"/>
+        </a:ln>
+        <a:effectLst/>
+      </dsp:spPr>
+      <dsp:style>
+        <a:lnRef idx="2">
+          <a:scrgbClr r="0" g="0" b="0"/>
+        </a:lnRef>
+        <a:fillRef idx="1">
+          <a:scrgbClr r="0" g="0" b="0"/>
+        </a:fillRef>
+        <a:effectRef idx="0">
+          <a:scrgbClr r="0" g="0" b="0"/>
+        </a:effectRef>
+        <a:fontRef idx="minor">
+          <a:schemeClr val="lt1"/>
+        </a:fontRef>
+      </dsp:style>
+    </dsp:sp>
+    <dsp:sp modelId="{72B42350-55BB-614F-B2A8-6DC3BD31ADBD}">
+      <dsp:nvSpPr>
+        <dsp:cNvPr id="0" name=""/>
+        <dsp:cNvSpPr/>
+      </dsp:nvSpPr>
+      <dsp:spPr>
+        <a:xfrm>
+          <a:off x="8668448" y="1926074"/>
+          <a:ext cx="1843593" cy="656780"/>
+        </a:xfrm>
+        <a:prstGeom prst="rect">
+          <a:avLst/>
+        </a:prstGeom>
+        <a:noFill/>
+        <a:ln>
+          <a:noFill/>
+        </a:ln>
+        <a:effectLst/>
+      </dsp:spPr>
+      <dsp:style>
+        <a:lnRef idx="0">
+          <a:scrgbClr r="0" g="0" b="0"/>
+        </a:lnRef>
+        <a:fillRef idx="0">
+          <a:scrgbClr r="0" g="0" b="0"/>
+        </a:fillRef>
+        <a:effectRef idx="0">
+          <a:scrgbClr r="0" g="0" b="0"/>
+        </a:effectRef>
+        <a:fontRef idx="minor"/>
+      </dsp:style>
+      <dsp:txBody>
+        <a:bodyPr spcFirstLastPara="0" vert="horz" wrap="square" lIns="0" tIns="0" rIns="0" bIns="0" numCol="1" spcCol="1270" anchor="t" anchorCtr="0">
+          <a:noAutofit/>
+        </a:bodyPr>
+        <a:lstStyle/>
+        <a:p>
+          <a:pPr marL="0" lvl="0" indent="0" algn="l" defTabSz="622300">
+            <a:lnSpc>
+              <a:spcPct val="100000"/>
+            </a:lnSpc>
+            <a:spcBef>
+              <a:spcPct val="0"/>
+            </a:spcBef>
+            <a:spcAft>
+              <a:spcPct val="35000"/>
+            </a:spcAft>
+            <a:buNone/>
+            <a:defRPr b="1"/>
+          </a:pPr>
+          <a:r>
+            <a:rPr lang="en-GB" sz="1400" kern="1200"/>
+            <a:t>Users should be grouped to manage access</a:t>
+          </a:r>
+          <a:endParaRPr lang="en-GB" sz="1400" kern="1200" dirty="0"/>
+        </a:p>
+      </dsp:txBody>
+      <dsp:txXfrm>
+        <a:off x="8668448" y="1926074"/>
+        <a:ext cx="1843593" cy="656780"/>
+      </dsp:txXfrm>
+    </dsp:sp>
+    <dsp:sp modelId="{5E2794BC-C698-A24D-A80E-2634A73932C0}">
+      <dsp:nvSpPr>
+        <dsp:cNvPr id="0" name=""/>
+        <dsp:cNvSpPr/>
+      </dsp:nvSpPr>
+      <dsp:spPr>
+        <a:xfrm>
+          <a:off x="8668448" y="2622016"/>
+          <a:ext cx="1843593" cy="532703"/>
         </a:xfrm>
         <a:prstGeom prst="rect">
           <a:avLst/>
@@ -12897,7 +13160,7 @@
             </a:pPr>
             <a:r>
               <a:rPr lang="en-US" dirty="0"/>
-              <a:t>3 jobs run sequentially, which means one job has to be completed after next one starts:</a:t>
+              <a:t>3 jobs run sequentially, which means one job has to be completed successfully before the next one starts:</a:t>
             </a:r>
           </a:p>
           <a:p>
@@ -12917,7 +13180,7 @@
             </a:pPr>
             <a:r>
               <a:rPr lang="en-US" dirty="0"/>
-              <a:t>Build and push image: it spins up a docker container with the pushed image and runs a unit test. It also scans the images for security issues. </a:t>
+              <a:t>Build and push image to a container registry: it spins up a docker container with the pushed image and runs a unit test. It also scans the images for security issues. </a:t>
             </a:r>
           </a:p>
           <a:p>
@@ -13380,7 +13643,7 @@
             </a:pPr>
             <a:r>
               <a:rPr lang="en-US" dirty="0"/>
-              <a:t>We only have one PR approver for the current pipeline. This is not ideal. We should assign multiple PR approvers to allow peer review. Also, other approvers can review the PR in case one approver is on leave. </a:t>
+              <a:t>We only have one PR approver for this pipeline. And it is me approving my own PR. But normally, developers do not approve their own PR. It would be the tech lead approves the PR. We can also assign multiple PR approvers. If we only have one approver, and that person is on leave, no one is going to approve the PR so multiple approvers can solve this issue. </a:t>
             </a:r>
           </a:p>
           <a:p>
@@ -13398,7 +13661,27 @@
             </a:pPr>
             <a:r>
               <a:rPr lang="en-US" dirty="0"/>
-              <a:t>Monitoring and alert solutions needs to be provided for post-deployments to address issues that could occur. The logs should be stored for certain retention period and be available for alert and monitoring purpose.</a:t>
+              <a:t>Monitoring and alert solutions needs to be provided for post-deployments to address issues that could occur. Ideally, the logs should be stored for certain retention period and be available for alert and monitoring purpose. A dashboard can be built to visualize real-time metrics and improve operational efficiency. </a:t>
+            </a:r>
+          </a:p>
+          <a:p>
+            <a:pPr marL="228600" indent="-228600">
+              <a:buFont typeface="+mj-lt"/>
+              <a:buAutoNum type="arabicPeriod"/>
+            </a:pPr>
+            <a:r>
+              <a:rPr lang="en-US" dirty="0"/>
+              <a:t>Contributors and approvers needs to be put into different groups with access to different components</a:t>
+            </a:r>
+          </a:p>
+          <a:p>
+            <a:pPr marL="0" indent="0">
+              <a:buFont typeface="Arial" panose="020B0604020202020204" pitchFamily="34" charset="0"/>
+              <a:buNone/>
+            </a:pPr>
+            <a:r>
+              <a:rPr lang="en-US" dirty="0"/>
+              <a:t>This pipeline is a good starting point for new developers to understand how to run the application and make changes</a:t>
             </a:r>
           </a:p>
         </p:txBody>
@@ -20129,7 +20412,7 @@
             <p:ph idx="1"/>
             <p:extLst>
               <p:ext uri="{D42A27DB-BD31-4B8C-83A1-F6EECF244321}">
-                <p14:modId xmlns:p14="http://schemas.microsoft.com/office/powerpoint/2010/main" val="1972714491"/>
+                <p14:modId xmlns:p14="http://schemas.microsoft.com/office/powerpoint/2010/main" val="3449311549"/>
               </p:ext>
             </p:extLst>
           </p:nvPr>

--- a/Presentation.pptx
+++ b/Presentation.pptx
@@ -13154,6 +13154,101 @@
           <a:bodyPr/>
           <a:lstStyle/>
           <a:p>
+            <a:r>
+              <a:rPr lang="en-US" dirty="0"/>
+              <a:t>As a </a:t>
+            </a:r>
+            <a:r>
+              <a:rPr lang="en-US" dirty="0" err="1"/>
+              <a:t>devops</a:t>
+            </a:r>
+            <a:r>
+              <a:rPr lang="en-US" dirty="0"/>
+              <a:t> engineer, I am going to demonstrate CI/CD pipeline and explain how it can improve developer's workflow. </a:t>
+            </a:r>
+          </a:p>
+        </p:txBody>
+      </p:sp>
+      <p:sp>
+        <p:nvSpPr>
+          <p:cNvPr id="4" name="Slide Number Placeholder 3"/>
+          <p:cNvSpPr>
+            <a:spLocks noGrp="1"/>
+          </p:cNvSpPr>
+          <p:nvPr>
+            <p:ph type="sldNum" sz="quarter" idx="5"/>
+          </p:nvPr>
+        </p:nvSpPr>
+        <p:spPr/>
+        <p:txBody>
+          <a:bodyPr/>
+          <a:lstStyle/>
+          <a:p>
+            <a:fld id="{FA7903AB-3CB2-DA44-B03A-6491E58851DC}" type="slidenum">
+              <a:rPr lang="en-US" smtClean="0"/>
+              <a:t>1</a:t>
+            </a:fld>
+            <a:endParaRPr lang="en-US"/>
+          </a:p>
+        </p:txBody>
+      </p:sp>
+    </p:spTree>
+    <p:extLst>
+      <p:ext uri="{BB962C8B-B14F-4D97-AF65-F5344CB8AC3E}">
+        <p14:creationId xmlns:p14="http://schemas.microsoft.com/office/powerpoint/2010/main" val="2072918268"/>
+      </p:ext>
+    </p:extLst>
+  </p:cSld>
+  <p:clrMapOvr>
+    <a:masterClrMapping/>
+  </p:clrMapOvr>
+</p:notes>
+</file>
+
+<file path=ppt/notesSlides/notesSlide2.xml><?xml version="1.0" encoding="utf-8"?>
+<p:notes xmlns:a="http://schemas.openxmlformats.org/drawingml/2006/main" xmlns:r="http://schemas.openxmlformats.org/officeDocument/2006/relationships" xmlns:p="http://schemas.openxmlformats.org/presentationml/2006/main">
+  <p:cSld>
+    <p:spTree>
+      <p:nvGrpSpPr>
+        <p:cNvPr id="1" name=""/>
+        <p:cNvGrpSpPr/>
+        <p:nvPr/>
+      </p:nvGrpSpPr>
+      <p:grpSpPr>
+        <a:xfrm>
+          <a:off x="0" y="0"/>
+          <a:ext cx="0" cy="0"/>
+          <a:chOff x="0" y="0"/>
+          <a:chExt cx="0" cy="0"/>
+        </a:xfrm>
+      </p:grpSpPr>
+      <p:sp>
+        <p:nvSpPr>
+          <p:cNvPr id="2" name="Slide Image Placeholder 1"/>
+          <p:cNvSpPr>
+            <a:spLocks noGrp="1" noRot="1" noChangeAspect="1"/>
+          </p:cNvSpPr>
+          <p:nvPr>
+            <p:ph type="sldImg"/>
+          </p:nvPr>
+        </p:nvSpPr>
+        <p:spPr/>
+      </p:sp>
+      <p:sp>
+        <p:nvSpPr>
+          <p:cNvPr id="3" name="Notes Placeholder 2"/>
+          <p:cNvSpPr>
+            <a:spLocks noGrp="1"/>
+          </p:cNvSpPr>
+          <p:nvPr>
+            <p:ph type="body" idx="1"/>
+          </p:nvPr>
+        </p:nvSpPr>
+        <p:spPr/>
+        <p:txBody>
+          <a:bodyPr/>
+          <a:lstStyle/>
+          <a:p>
             <a:pPr marL="0" lvl="0" indent="0">
               <a:buFontTx/>
               <a:buNone/>
@@ -13231,7 +13326,7 @@
 </p:notes>
 </file>
 
-<file path=ppt/notesSlides/notesSlide2.xml><?xml version="1.0" encoding="utf-8"?>
+<file path=ppt/notesSlides/notesSlide3.xml><?xml version="1.0" encoding="utf-8"?>
 <p:notes xmlns:a="http://schemas.openxmlformats.org/drawingml/2006/main" xmlns:r="http://schemas.openxmlformats.org/officeDocument/2006/relationships" xmlns:p="http://schemas.openxmlformats.org/presentationml/2006/main">
   <p:cSld>
     <p:spTree>
@@ -13318,7 +13413,7 @@
 </p:notes>
 </file>
 
-<file path=ppt/notesSlides/notesSlide3.xml><?xml version="1.0" encoding="utf-8"?>
+<file path=ppt/notesSlides/notesSlide4.xml><?xml version="1.0" encoding="utf-8"?>
 <p:notes xmlns:a="http://schemas.openxmlformats.org/drawingml/2006/main" xmlns:r="http://schemas.openxmlformats.org/officeDocument/2006/relationships" xmlns:p="http://schemas.openxmlformats.org/presentationml/2006/main">
   <p:cSld>
     <p:spTree>
@@ -13402,7 +13497,7 @@
 </p:notes>
 </file>
 
-<file path=ppt/notesSlides/notesSlide4.xml><?xml version="1.0" encoding="utf-8"?>
+<file path=ppt/notesSlides/notesSlide5.xml><?xml version="1.0" encoding="utf-8"?>
 <p:notes xmlns:a="http://schemas.openxmlformats.org/drawingml/2006/main" xmlns:r="http://schemas.openxmlformats.org/officeDocument/2006/relationships" xmlns:p="http://schemas.openxmlformats.org/presentationml/2006/main">
   <p:cSld>
     <p:spTree>
@@ -13528,7 +13623,7 @@
             </a:pPr>
             <a:r>
               <a:rPr lang="en-US" dirty="0"/>
-              <a:t>As the code changes being quickly deployed as application, non-technical team can align with development team and provides feedbacks. </a:t>
+              <a:t>Since the code changes can be quickly deployed as applications, non-technical team can align with development team and provides feedbacks. </a:t>
             </a:r>
           </a:p>
           <a:p>
@@ -13538,7 +13633,7 @@
             </a:pPr>
             <a:r>
               <a:rPr lang="en-US" dirty="0"/>
-              <a:t>Bugs and issues can be identified early with the faster feedback loop.</a:t>
+              <a:t>With this faster feedback loop, bugs and issues can be identified early</a:t>
             </a:r>
           </a:p>
         </p:txBody>
@@ -13579,7 +13674,7 @@
 </p:notes>
 </file>
 
-<file path=ppt/notesSlides/notesSlide5.xml><?xml version="1.0" encoding="utf-8"?>
+<file path=ppt/notesSlides/notesSlide6.xml><?xml version="1.0" encoding="utf-8"?>
 <p:notes xmlns:a="http://schemas.openxmlformats.org/drawingml/2006/main" xmlns:r="http://schemas.openxmlformats.org/officeDocument/2006/relationships" xmlns:p="http://schemas.openxmlformats.org/presentationml/2006/main">
   <p:cSld>
     <p:spTree>
@@ -13634,7 +13729,7 @@
             </a:pPr>
             <a:r>
               <a:rPr lang="en-US" dirty="0"/>
-              <a:t>The previous container gets overwritten by the current deployments, which may create discrepancy if two developers create PR at the same time. This could be resolved by creating a temporary and reproducible container for each PR, so that each developer gets their code changes deployed to separate containers. And each container can be killed after a certain amount of time for cost optimization.</a:t>
+              <a:t>The previous container gets overwritten by the current deployments, which will create discrepancy if two developers raise PR at the same time. This could be resolved by creating a temporary and reproducible container for each PR, so that each developer gets their code changes deployed to separate containers. And each container can be killed after a certain amount of time for cost optimization.</a:t>
             </a:r>
           </a:p>
           <a:p>
@@ -13671,7 +13766,7 @@
             </a:pPr>
             <a:r>
               <a:rPr lang="en-US" dirty="0"/>
-              <a:t>Contributors and approvers needs to be put into different groups with access to different components</a:t>
+              <a:t>Contributors and approvers needs to be put into different groups with access to different components. For example, individual contributor should not have access to protected branch such as the main or production branch. And approvers can approve gated steps in pipelines such as deployments to staging or production environment. </a:t>
             </a:r>
           </a:p>
           <a:p>
@@ -13681,8 +13776,13 @@
             </a:pPr>
             <a:r>
               <a:rPr lang="en-US" dirty="0"/>
-              <a:t>This pipeline is a good starting point for new developers to understand how to run the application and make changes</a:t>
+              <a:t>This pipeline is a good starting point for new developers to understand how pipeline can help in </a:t>
             </a:r>
+            <a:r>
+              <a:rPr lang="en-US"/>
+              <a:t>their workflow</a:t>
+            </a:r>
+            <a:endParaRPr lang="en-US" dirty="0"/>
           </a:p>
         </p:txBody>
       </p:sp>

--- a/Presentation.pptx
+++ b/Presentation.pptx
@@ -13776,13 +13776,8 @@
             </a:pPr>
             <a:r>
               <a:rPr lang="en-US" dirty="0"/>
-              <a:t>This pipeline is a good starting point for new developers to understand how pipeline can help in </a:t>
+              <a:t>This pipeline is a good starting point for new developers to understand how pipeline can help in their workflow</a:t>
             </a:r>
-            <a:r>
-              <a:rPr lang="en-US"/>
-              <a:t>their workflow</a:t>
-            </a:r>
-            <a:endParaRPr lang="en-US" dirty="0"/>
           </a:p>
         </p:txBody>
       </p:sp>
